--- a/presentation.pptx
+++ b/presentation.pptx
@@ -7,7 +7,10 @@
   <p:sldIdLst>
     <p:sldId id="256" r:id="rId2"/>
     <p:sldId id="258" r:id="rId3"/>
-    <p:sldId id="259" r:id="rId4"/>
+    <p:sldId id="260" r:id="rId4"/>
+    <p:sldId id="259" r:id="rId5"/>
+    <p:sldId id="261" r:id="rId6"/>
+    <p:sldId id="262" r:id="rId7"/>
   </p:sldIdLst>
   <p:sldSz cx="12192000" cy="6858000"/>
   <p:notesSz cx="6858000" cy="9144000"/>
@@ -4691,8 +4694,8 @@
         </p:nvSpPr>
         <p:spPr>
           <a:xfrm>
-            <a:off x="4677413" y="1456628"/>
-            <a:ext cx="6307200" cy="3586859"/>
+            <a:off x="4713513" y="272143"/>
+            <a:ext cx="6271099" cy="5812971"/>
           </a:xfrm>
         </p:spPr>
         <p:txBody>
@@ -4749,7 +4752,7 @@
                 <a:ea typeface="Open Sans" pitchFamily="2" charset="0"/>
                 <a:cs typeface="Open Sans" pitchFamily="2" charset="0"/>
               </a:rPr>
-              <a:t>What are module systems?</a:t>
+              <a:t>Intuitive Modularization</a:t>
             </a:r>
           </a:p>
           <a:p>
@@ -5967,7 +5970,1739 @@
     </p:spTree>
     <p:extLst>
       <p:ext uri="{BB962C8B-B14F-4D97-AF65-F5344CB8AC3E}">
+        <p14:creationId xmlns:p14="http://schemas.microsoft.com/office/powerpoint/2010/main" val="1873683701"/>
+      </p:ext>
+    </p:extLst>
+  </p:cSld>
+  <p:clrMapOvr>
+    <a:masterClrMapping/>
+  </p:clrMapOvr>
+</p:sld>
+</file>
+
+<file path=ppt/slides/slide4.xml><?xml version="1.0" encoding="utf-8"?>
+<p:sld xmlns:a="http://schemas.openxmlformats.org/drawingml/2006/main" xmlns:r="http://schemas.openxmlformats.org/officeDocument/2006/relationships" xmlns:p="http://schemas.openxmlformats.org/presentationml/2006/main">
+  <p:cSld>
+    <p:bg>
+      <p:bgPr>
+        <a:solidFill>
+          <a:schemeClr val="bg1"/>
+        </a:solidFill>
+        <a:effectLst/>
+      </p:bgPr>
+    </p:bg>
+    <p:spTree>
+      <p:nvGrpSpPr>
+        <p:cNvPr id="1" name=""/>
+        <p:cNvGrpSpPr/>
+        <p:nvPr/>
+      </p:nvGrpSpPr>
+      <p:grpSpPr>
+        <a:xfrm>
+          <a:off x="0" y="0"/>
+          <a:ext cx="0" cy="0"/>
+          <a:chOff x="0" y="0"/>
+          <a:chExt cx="0" cy="0"/>
+        </a:xfrm>
+      </p:grpSpPr>
+      <p:sp useBgFill="1">
+        <p:nvSpPr>
+          <p:cNvPr id="21" name="Rectangle 8">
+            <a:extLst>
+              <a:ext uri="{FF2B5EF4-FFF2-40B4-BE49-F238E27FC236}">
+                <a16:creationId xmlns:a16="http://schemas.microsoft.com/office/drawing/2014/main" id="{44CA2EAD-E7C7-4F64-924A-52D34FD759C7}"/>
+              </a:ext>
+              <a:ext uri="{C183D7F6-B498-43B3-948B-1728B52AA6E4}">
+                <adec:decorative xmlns:adec="http://schemas.microsoft.com/office/drawing/2017/decorative" val="1"/>
+              </a:ext>
+            </a:extLst>
+          </p:cNvPr>
+          <p:cNvSpPr>
+            <a:spLocks noGrp="1" noRot="1" noChangeAspect="1" noMove="1" noResize="1" noEditPoints="1" noAdjustHandles="1" noChangeArrowheads="1" noChangeShapeType="1" noTextEdit="1"/>
+          </p:cNvSpPr>
+          <p:nvPr>
+            <p:extLst>
+              <p:ext uri="{386F3935-93C4-4BCD-93E2-E3B085C9AB24}">
+                <p16:designElem xmlns:p16="http://schemas.microsoft.com/office/powerpoint/2015/main" val="1"/>
+              </p:ext>
+            </p:extLst>
+          </p:nvPr>
+        </p:nvSpPr>
+        <p:spPr>
+          <a:xfrm>
+            <a:off x="0" y="0"/>
+            <a:ext cx="12192000" cy="6858000"/>
+          </a:xfrm>
+          <a:prstGeom prst="rect">
+            <a:avLst/>
+          </a:prstGeom>
+          <a:ln w="12700" cap="flat" cmpd="sng" algn="ctr">
+            <a:noFill/>
+            <a:prstDash val="solid"/>
+            <a:miter lim="800000"/>
+          </a:ln>
+          <a:effectLst/>
+          <a:extLst>
+            <a:ext uri="{91240B29-F687-4F45-9708-019B960494DF}">
+              <a14:hiddenLine xmlns:a14="http://schemas.microsoft.com/office/drawing/2010/main" w="12700" cap="flat" cmpd="sng" algn="ctr">
+                <a:solidFill>
+                  <a:schemeClr val="accent1">
+                    <a:shade val="50000"/>
+                  </a:schemeClr>
+                </a:solidFill>
+                <a:prstDash val="solid"/>
+                <a:miter lim="800000"/>
+              </a14:hiddenLine>
+            </a:ext>
+          </a:extLst>
+        </p:spPr>
+        <p:style>
+          <a:lnRef idx="2">
+            <a:schemeClr val="accent1">
+              <a:shade val="50000"/>
+            </a:schemeClr>
+          </a:lnRef>
+          <a:fillRef idx="1">
+            <a:schemeClr val="accent1"/>
+          </a:fillRef>
+          <a:effectRef idx="0">
+            <a:schemeClr val="accent1"/>
+          </a:effectRef>
+          <a:fontRef idx="minor">
+            <a:schemeClr val="lt1"/>
+          </a:fontRef>
+        </p:style>
+        <p:txBody>
+          <a:bodyPr rtlCol="0" anchor="ctr"/>
+          <a:lstStyle/>
+          <a:p>
+            <a:pPr algn="ctr"/>
+            <a:endParaRPr lang="en-US"/>
+          </a:p>
+        </p:txBody>
+      </p:sp>
+      <p:pic>
+        <p:nvPicPr>
+          <p:cNvPr id="22" name="Picture 3" descr="A white textured surface">
+            <a:extLst>
+              <a:ext uri="{FF2B5EF4-FFF2-40B4-BE49-F238E27FC236}">
+                <a16:creationId xmlns:a16="http://schemas.microsoft.com/office/drawing/2014/main" id="{F7A7F786-D0F5-CDE0-55EE-4544D57A4E16}"/>
+              </a:ext>
+            </a:extLst>
+          </p:cNvPr>
+          <p:cNvPicPr>
+            <a:picLocks noChangeAspect="1"/>
+          </p:cNvPicPr>
+          <p:nvPr/>
+        </p:nvPicPr>
+        <p:blipFill rotWithShape="1">
+          <a:blip r:embed="rId2"/>
+          <a:srcRect l="28993" r="33398" b="-1"/>
+          <a:stretch/>
+        </p:blipFill>
+        <p:spPr>
+          <a:xfrm>
+            <a:off x="0" y="-5633"/>
+            <a:ext cx="3867129" cy="6863623"/>
+          </a:xfrm>
+          <a:prstGeom prst="rect">
+            <a:avLst/>
+          </a:prstGeom>
+        </p:spPr>
+      </p:pic>
+      <p:sp>
+        <p:nvSpPr>
+          <p:cNvPr id="2" name="Title 1">
+            <a:extLst>
+              <a:ext uri="{FF2B5EF4-FFF2-40B4-BE49-F238E27FC236}">
+                <a16:creationId xmlns:a16="http://schemas.microsoft.com/office/drawing/2014/main" id="{82894886-98FD-D2C5-F2FA-12CE501F5893}"/>
+              </a:ext>
+            </a:extLst>
+          </p:cNvPr>
+          <p:cNvSpPr>
+            <a:spLocks noGrp="1"/>
+          </p:cNvSpPr>
+          <p:nvPr>
+            <p:ph type="ctrTitle"/>
+          </p:nvPr>
+        </p:nvSpPr>
+        <p:spPr>
+          <a:xfrm>
+            <a:off x="275630" y="715736"/>
+            <a:ext cx="3243263" cy="4557713"/>
+          </a:xfrm>
+        </p:spPr>
+        <p:txBody>
+          <a:bodyPr>
+            <a:normAutofit fontScale="90000"/>
+          </a:bodyPr>
+          <a:lstStyle/>
+          <a:p>
+            <a:r>
+              <a:rPr lang="en-US" sz="2200" b="1" dirty="0">
+                <a:latin typeface="Open Sans" pitchFamily="2" charset="0"/>
+                <a:ea typeface="Open Sans" pitchFamily="2" charset="0"/>
+                <a:cs typeface="Open Sans" pitchFamily="2" charset="0"/>
+              </a:rPr>
+              <a:t>JavaScript Module Systems</a:t>
+            </a:r>
+            <a:br>
+              <a:rPr lang="en-US" sz="2200" b="1" dirty="0">
+                <a:latin typeface="Open Sans" pitchFamily="2" charset="0"/>
+                <a:ea typeface="Open Sans" pitchFamily="2" charset="0"/>
+                <a:cs typeface="Open Sans" pitchFamily="2" charset="0"/>
+              </a:rPr>
+            </a:br>
+            <a:br>
+              <a:rPr lang="en-US" sz="2200" b="1" dirty="0">
+                <a:latin typeface="Open Sans" pitchFamily="2" charset="0"/>
+                <a:ea typeface="Open Sans" pitchFamily="2" charset="0"/>
+                <a:cs typeface="Open Sans" pitchFamily="2" charset="0"/>
+              </a:rPr>
+            </a:br>
+            <a:br>
+              <a:rPr lang="en-US" sz="2200" b="1" dirty="0">
+                <a:latin typeface="Open Sans" pitchFamily="2" charset="0"/>
+                <a:ea typeface="Open Sans" pitchFamily="2" charset="0"/>
+                <a:cs typeface="Open Sans" pitchFamily="2" charset="0"/>
+              </a:rPr>
+            </a:br>
+            <a:br>
+              <a:rPr lang="en-US" sz="2200" b="1" dirty="0">
+                <a:latin typeface="Open Sans" pitchFamily="2" charset="0"/>
+                <a:ea typeface="Open Sans" pitchFamily="2" charset="0"/>
+                <a:cs typeface="Open Sans" pitchFamily="2" charset="0"/>
+              </a:rPr>
+            </a:br>
+            <a:br>
+              <a:rPr lang="en-US" sz="2200" b="1" dirty="0">
+                <a:latin typeface="Open Sans" pitchFamily="2" charset="0"/>
+                <a:ea typeface="Open Sans" pitchFamily="2" charset="0"/>
+                <a:cs typeface="Open Sans" pitchFamily="2" charset="0"/>
+              </a:rPr>
+            </a:br>
+            <a:br>
+              <a:rPr lang="en-US" sz="2200" b="1" dirty="0">
+                <a:latin typeface="Open Sans" pitchFamily="2" charset="0"/>
+                <a:ea typeface="Open Sans" pitchFamily="2" charset="0"/>
+                <a:cs typeface="Open Sans" pitchFamily="2" charset="0"/>
+              </a:rPr>
+            </a:br>
+            <a:br>
+              <a:rPr lang="en-US" sz="2200" b="1" dirty="0">
+                <a:latin typeface="Open Sans" pitchFamily="2" charset="0"/>
+                <a:ea typeface="Open Sans" pitchFamily="2" charset="0"/>
+                <a:cs typeface="Open Sans" pitchFamily="2" charset="0"/>
+              </a:rPr>
+            </a:br>
+            <a:r>
+              <a:rPr lang="en-US" sz="2200" dirty="0">
+                <a:latin typeface="Open Sans" pitchFamily="2" charset="0"/>
+                <a:ea typeface="Open Sans" pitchFamily="2" charset="0"/>
+                <a:cs typeface="Open Sans" pitchFamily="2" charset="0"/>
+              </a:rPr>
+              <a:t>Intuitive Modularization</a:t>
+            </a:r>
+            <a:br>
+              <a:rPr lang="en-US" sz="2200" b="1" dirty="0">
+                <a:latin typeface="Open Sans" pitchFamily="2" charset="0"/>
+                <a:ea typeface="Open Sans" pitchFamily="2" charset="0"/>
+                <a:cs typeface="Open Sans" pitchFamily="2" charset="0"/>
+              </a:rPr>
+            </a:br>
+            <a:br>
+              <a:rPr lang="en-US" sz="2200" b="1" dirty="0">
+                <a:latin typeface="Open Sans" pitchFamily="2" charset="0"/>
+                <a:ea typeface="Open Sans" pitchFamily="2" charset="0"/>
+                <a:cs typeface="Open Sans" pitchFamily="2" charset="0"/>
+              </a:rPr>
+            </a:br>
+            <a:br>
+              <a:rPr lang="en-US" sz="2200" b="1" dirty="0">
+                <a:latin typeface="Open Sans" pitchFamily="2" charset="0"/>
+                <a:ea typeface="Open Sans" pitchFamily="2" charset="0"/>
+                <a:cs typeface="Open Sans" pitchFamily="2" charset="0"/>
+              </a:rPr>
+            </a:br>
+            <a:br>
+              <a:rPr lang="en-US" sz="2200" b="1" dirty="0">
+                <a:latin typeface="Open Sans" pitchFamily="2" charset="0"/>
+                <a:ea typeface="Open Sans" pitchFamily="2" charset="0"/>
+                <a:cs typeface="Open Sans" pitchFamily="2" charset="0"/>
+              </a:rPr>
+            </a:br>
+            <a:br>
+              <a:rPr lang="en-US" sz="2200" b="1" dirty="0">
+                <a:latin typeface="Open Sans" pitchFamily="2" charset="0"/>
+                <a:ea typeface="Open Sans" pitchFamily="2" charset="0"/>
+                <a:cs typeface="Open Sans" pitchFamily="2" charset="0"/>
+              </a:rPr>
+            </a:br>
+            <a:br>
+              <a:rPr lang="en-US" sz="2200" b="1" dirty="0">
+                <a:latin typeface="Open Sans" pitchFamily="2" charset="0"/>
+                <a:ea typeface="Open Sans" pitchFamily="2" charset="0"/>
+                <a:cs typeface="Open Sans" pitchFamily="2" charset="0"/>
+              </a:rPr>
+            </a:br>
+            <a:endParaRPr lang="en-US" sz="2200" b="1" dirty="0">
+              <a:latin typeface="Open Sans" pitchFamily="2" charset="0"/>
+              <a:ea typeface="Open Sans" pitchFamily="2" charset="0"/>
+              <a:cs typeface="Open Sans" pitchFamily="2" charset="0"/>
+            </a:endParaRPr>
+          </a:p>
+        </p:txBody>
+      </p:sp>
+      <p:sp>
+        <p:nvSpPr>
+          <p:cNvPr id="3" name="Subtitle 2">
+            <a:extLst>
+              <a:ext uri="{FF2B5EF4-FFF2-40B4-BE49-F238E27FC236}">
+                <a16:creationId xmlns:a16="http://schemas.microsoft.com/office/drawing/2014/main" id="{2DC7EA71-90B8-5F2C-71E4-DCC52B163EF1}"/>
+              </a:ext>
+            </a:extLst>
+          </p:cNvPr>
+          <p:cNvSpPr>
+            <a:spLocks noGrp="1"/>
+          </p:cNvSpPr>
+          <p:nvPr>
+            <p:ph type="subTitle" idx="1"/>
+          </p:nvPr>
+        </p:nvSpPr>
+        <p:spPr>
+          <a:xfrm>
+            <a:off x="4892194" y="715736"/>
+            <a:ext cx="6274762" cy="5429149"/>
+          </a:xfrm>
+        </p:spPr>
+        <p:txBody>
+          <a:bodyPr>
+            <a:normAutofit lnSpcReduction="10000"/>
+          </a:bodyPr>
+          <a:lstStyle/>
+          <a:p>
+            <a:r>
+              <a:rPr lang="en-US" sz="2200" dirty="0">
+                <a:solidFill>
+                  <a:schemeClr val="tx2"/>
+                </a:solidFill>
+                <a:latin typeface="Open Sans" pitchFamily="2" charset="0"/>
+                <a:ea typeface="Open Sans" pitchFamily="2" charset="0"/>
+                <a:cs typeface="Open Sans" pitchFamily="2" charset="0"/>
+              </a:rPr>
+              <a:t>Intuitive Modularization</a:t>
+            </a:r>
+          </a:p>
+          <a:p>
+            <a:endParaRPr lang="en-US" sz="2000" dirty="0">
+              <a:solidFill>
+                <a:schemeClr val="tx2"/>
+              </a:solidFill>
+              <a:latin typeface="Open Sans" pitchFamily="2" charset="0"/>
+              <a:ea typeface="Open Sans" pitchFamily="2" charset="0"/>
+              <a:cs typeface="Open Sans" pitchFamily="2" charset="0"/>
+            </a:endParaRPr>
+          </a:p>
+          <a:p>
+            <a:r>
+              <a:rPr lang="en-US" sz="2000" dirty="0">
+                <a:solidFill>
+                  <a:schemeClr val="tx2"/>
+                </a:solidFill>
+                <a:latin typeface="Open Sans" pitchFamily="2" charset="0"/>
+                <a:ea typeface="Open Sans" pitchFamily="2" charset="0"/>
+                <a:cs typeface="Open Sans" pitchFamily="2" charset="0"/>
+              </a:rPr>
+              <a:t>Why not put stuff in different files?</a:t>
+            </a:r>
+          </a:p>
+          <a:p>
+            <a:r>
+              <a:rPr lang="en-US" sz="2000" i="1" dirty="0">
+                <a:solidFill>
+                  <a:schemeClr val="tx2"/>
+                </a:solidFill>
+                <a:latin typeface="Open Sans" pitchFamily="2" charset="0"/>
+                <a:ea typeface="Open Sans" pitchFamily="2" charset="0"/>
+                <a:cs typeface="Open Sans" pitchFamily="2" charset="0"/>
+              </a:rPr>
+              <a:t>&lt;code&gt;demo&lt;/code&gt;</a:t>
+            </a:r>
+          </a:p>
+          <a:p>
+            <a:r>
+              <a:rPr lang="en-US" sz="2000" dirty="0">
+                <a:solidFill>
+                  <a:schemeClr val="tx2"/>
+                </a:solidFill>
+                <a:latin typeface="Open Sans" pitchFamily="2" charset="0"/>
+                <a:ea typeface="Open Sans" pitchFamily="2" charset="0"/>
+                <a:cs typeface="Open Sans" pitchFamily="2" charset="0"/>
+              </a:rPr>
+              <a:t>Any </a:t>
+            </a:r>
+            <a:r>
+              <a:rPr lang="en-US" sz="2000" i="1" dirty="0">
+                <a:solidFill>
+                  <a:schemeClr val="tx2"/>
+                </a:solidFill>
+                <a:latin typeface="Open Sans" pitchFamily="2" charset="0"/>
+                <a:ea typeface="Open Sans" pitchFamily="2" charset="0"/>
+                <a:cs typeface="Open Sans" pitchFamily="2" charset="0"/>
+              </a:rPr>
+              <a:t>&lt;script&gt; </a:t>
+            </a:r>
+            <a:r>
+              <a:rPr lang="en-US" sz="2000" dirty="0">
+                <a:solidFill>
+                  <a:schemeClr val="tx2"/>
+                </a:solidFill>
+                <a:latin typeface="Open Sans" pitchFamily="2" charset="0"/>
+                <a:ea typeface="Open Sans" pitchFamily="2" charset="0"/>
+                <a:cs typeface="Open Sans" pitchFamily="2" charset="0"/>
+              </a:rPr>
+              <a:t>tags in our HTML pages will cause properties to be added to the global </a:t>
+            </a:r>
+            <a:r>
+              <a:rPr lang="en-US" sz="2000" i="1" dirty="0">
+                <a:solidFill>
+                  <a:schemeClr val="tx2"/>
+                </a:solidFill>
+                <a:latin typeface="Open Sans" pitchFamily="2" charset="0"/>
+                <a:ea typeface="Open Sans" pitchFamily="2" charset="0"/>
+                <a:cs typeface="Open Sans" pitchFamily="2" charset="0"/>
+              </a:rPr>
+              <a:t>window </a:t>
+            </a:r>
+            <a:r>
+              <a:rPr lang="en-US" sz="2000" dirty="0">
+                <a:solidFill>
+                  <a:schemeClr val="tx2"/>
+                </a:solidFill>
+                <a:latin typeface="Open Sans" pitchFamily="2" charset="0"/>
+                <a:ea typeface="Open Sans" pitchFamily="2" charset="0"/>
+                <a:cs typeface="Open Sans" pitchFamily="2" charset="0"/>
+              </a:rPr>
+              <a:t>object.</a:t>
+            </a:r>
+          </a:p>
+          <a:p>
+            <a:endParaRPr lang="en-US" sz="2000" dirty="0">
+              <a:solidFill>
+                <a:schemeClr val="tx2"/>
+              </a:solidFill>
+              <a:latin typeface="Open Sans" pitchFamily="2" charset="0"/>
+              <a:ea typeface="Open Sans" pitchFamily="2" charset="0"/>
+              <a:cs typeface="Open Sans" pitchFamily="2" charset="0"/>
+            </a:endParaRPr>
+          </a:p>
+          <a:p>
+            <a:r>
+              <a:rPr lang="en-US" sz="2000" dirty="0">
+                <a:solidFill>
+                  <a:schemeClr val="tx2"/>
+                </a:solidFill>
+                <a:latin typeface="Open Sans" pitchFamily="2" charset="0"/>
+                <a:ea typeface="Open Sans" pitchFamily="2" charset="0"/>
+                <a:cs typeface="Open Sans" pitchFamily="2" charset="0"/>
+              </a:rPr>
+              <a:t> The result is </a:t>
+            </a:r>
+            <a:r>
+              <a:rPr lang="en-US" sz="2000" i="1" dirty="0">
+                <a:solidFill>
+                  <a:schemeClr val="tx2"/>
+                </a:solidFill>
+                <a:latin typeface="Open Sans" pitchFamily="2" charset="0"/>
+                <a:ea typeface="Open Sans" pitchFamily="2" charset="0"/>
+                <a:cs typeface="Open Sans" pitchFamily="2" charset="0"/>
+              </a:rPr>
+              <a:t>namespace pollution</a:t>
+            </a:r>
+            <a:r>
+              <a:rPr lang="en-US" sz="2000" dirty="0">
+                <a:solidFill>
+                  <a:schemeClr val="tx2"/>
+                </a:solidFill>
+                <a:latin typeface="Open Sans" pitchFamily="2" charset="0"/>
+                <a:ea typeface="Open Sans" pitchFamily="2" charset="0"/>
+                <a:cs typeface="Open Sans" pitchFamily="2" charset="0"/>
+              </a:rPr>
+              <a:t> which can lead to unwanted side effects.</a:t>
+            </a:r>
+          </a:p>
+          <a:p>
+            <a:endParaRPr lang="en-US" sz="2000" dirty="0">
+              <a:solidFill>
+                <a:schemeClr val="tx2"/>
+              </a:solidFill>
+              <a:latin typeface="Open Sans" pitchFamily="2" charset="0"/>
+              <a:ea typeface="Open Sans" pitchFamily="2" charset="0"/>
+              <a:cs typeface="Open Sans" pitchFamily="2" charset="0"/>
+            </a:endParaRPr>
+          </a:p>
+          <a:p>
+            <a:r>
+              <a:rPr lang="en-US" sz="2000" dirty="0">
+                <a:solidFill>
+                  <a:schemeClr val="tx2"/>
+                </a:solidFill>
+                <a:latin typeface="Open Sans" pitchFamily="2" charset="0"/>
+                <a:ea typeface="Open Sans" pitchFamily="2" charset="0"/>
+                <a:cs typeface="Open Sans" pitchFamily="2" charset="0"/>
+              </a:rPr>
+              <a:t>So, this is </a:t>
+            </a:r>
+            <a:r>
+              <a:rPr lang="en-US" sz="2000" i="1" dirty="0">
+                <a:solidFill>
+                  <a:schemeClr val="tx2"/>
+                </a:solidFill>
+                <a:latin typeface="Open Sans" pitchFamily="2" charset="0"/>
+                <a:ea typeface="Open Sans" pitchFamily="2" charset="0"/>
+                <a:cs typeface="Open Sans" pitchFamily="2" charset="0"/>
+              </a:rPr>
+              <a:t>not </a:t>
+            </a:r>
+            <a:r>
+              <a:rPr lang="en-US" sz="2000" dirty="0">
+                <a:solidFill>
+                  <a:schemeClr val="tx2"/>
+                </a:solidFill>
+                <a:latin typeface="Open Sans" pitchFamily="2" charset="0"/>
+                <a:ea typeface="Open Sans" pitchFamily="2" charset="0"/>
+                <a:cs typeface="Open Sans" pitchFamily="2" charset="0"/>
+              </a:rPr>
+              <a:t>the right approach, now what?</a:t>
+            </a:r>
+            <a:endParaRPr lang="en-US" sz="2000" i="1" dirty="0">
+              <a:solidFill>
+                <a:schemeClr val="tx2"/>
+              </a:solidFill>
+              <a:latin typeface="Open Sans" pitchFamily="2" charset="0"/>
+              <a:ea typeface="Open Sans" pitchFamily="2" charset="0"/>
+              <a:cs typeface="Open Sans" pitchFamily="2" charset="0"/>
+            </a:endParaRPr>
+          </a:p>
+          <a:p>
+            <a:endParaRPr lang="en-US" dirty="0">
+              <a:solidFill>
+                <a:schemeClr val="tx2"/>
+              </a:solidFill>
+              <a:latin typeface="Open Sans" pitchFamily="2" charset="0"/>
+              <a:ea typeface="Open Sans" pitchFamily="2" charset="0"/>
+              <a:cs typeface="Open Sans" pitchFamily="2" charset="0"/>
+            </a:endParaRPr>
+          </a:p>
+        </p:txBody>
+      </p:sp>
+      <p:cxnSp>
+        <p:nvCxnSpPr>
+          <p:cNvPr id="23" name="Straight Connector 10">
+            <a:extLst>
+              <a:ext uri="{FF2B5EF4-FFF2-40B4-BE49-F238E27FC236}">
+                <a16:creationId xmlns:a16="http://schemas.microsoft.com/office/drawing/2014/main" id="{9E7C23BC-DAA6-40E1-8166-B8C4439D1430}"/>
+              </a:ext>
+              <a:ext uri="{C183D7F6-B498-43B3-948B-1728B52AA6E4}">
+                <adec:decorative xmlns:adec="http://schemas.microsoft.com/office/drawing/2017/decorative" val="1"/>
+              </a:ext>
+            </a:extLst>
+          </p:cNvPr>
+          <p:cNvCxnSpPr>
+            <a:cxnSpLocks noGrp="1" noRot="1" noChangeAspect="1" noMove="1" noResize="1" noEditPoints="1" noAdjustHandles="1" noChangeArrowheads="1" noChangeShapeType="1"/>
+          </p:cNvCxnSpPr>
+          <p:nvPr>
+            <p:extLst>
+              <p:ext uri="{386F3935-93C4-4BCD-93E2-E3B085C9AB24}">
+                <p16:designElem xmlns:p16="http://schemas.microsoft.com/office/powerpoint/2015/main" val="1"/>
+              </p:ext>
+            </p:extLst>
+          </p:nvPr>
+        </p:nvCxnSpPr>
+        <p:spPr>
+          <a:xfrm>
+            <a:off x="7759575" y="3690871"/>
+            <a:ext cx="540000" cy="0"/>
+          </a:xfrm>
+          <a:prstGeom prst="line">
+            <a:avLst/>
+          </a:prstGeom>
+          <a:ln w="12700">
+            <a:solidFill>
+              <a:srgbClr val="FFFFFF"/>
+            </a:solidFill>
+          </a:ln>
+        </p:spPr>
+        <p:style>
+          <a:lnRef idx="1">
+            <a:schemeClr val="accent1"/>
+          </a:lnRef>
+          <a:fillRef idx="0">
+            <a:schemeClr val="accent1"/>
+          </a:fillRef>
+          <a:effectRef idx="0">
+            <a:schemeClr val="accent1"/>
+          </a:effectRef>
+          <a:fontRef idx="minor">
+            <a:schemeClr val="tx1"/>
+          </a:fontRef>
+        </p:style>
+      </p:cxnSp>
+      <p:pic>
+        <p:nvPicPr>
+          <p:cNvPr id="1026" name="Picture 2" descr="AtayaCommerce">
+            <a:extLst>
+              <a:ext uri="{FF2B5EF4-FFF2-40B4-BE49-F238E27FC236}">
+                <a16:creationId xmlns:a16="http://schemas.microsoft.com/office/drawing/2014/main" id="{967F32F4-F099-5099-C324-F826E744FDE1}"/>
+              </a:ext>
+            </a:extLst>
+          </p:cNvPr>
+          <p:cNvPicPr>
+            <a:picLocks noChangeAspect="1" noChangeArrowheads="1"/>
+          </p:cNvPicPr>
+          <p:nvPr/>
+        </p:nvPicPr>
+        <p:blipFill>
+          <a:blip r:embed="rId3">
+            <a:extLst>
+              <a:ext uri="{28A0092B-C50C-407E-A947-70E740481C1C}">
+                <a14:useLocalDpi xmlns:a14="http://schemas.microsoft.com/office/drawing/2010/main" val="0"/>
+              </a:ext>
+            </a:extLst>
+          </a:blip>
+          <a:srcRect/>
+          <a:stretch>
+            <a:fillRect/>
+          </a:stretch>
+        </p:blipFill>
+        <p:spPr bwMode="auto">
+          <a:xfrm>
+            <a:off x="545310" y="5523894"/>
+            <a:ext cx="2443163" cy="1334096"/>
+          </a:xfrm>
+          <a:prstGeom prst="rect">
+            <a:avLst/>
+          </a:prstGeom>
+          <a:noFill/>
+          <a:extLst>
+            <a:ext uri="{909E8E84-426E-40DD-AFC4-6F175D3DCCD1}">
+              <a14:hiddenFill xmlns:a14="http://schemas.microsoft.com/office/drawing/2010/main">
+                <a:solidFill>
+                  <a:srgbClr val="FFFFFF"/>
+                </a:solidFill>
+              </a14:hiddenFill>
+            </a:ext>
+          </a:extLst>
+        </p:spPr>
+      </p:pic>
+    </p:spTree>
+    <p:extLst>
+      <p:ext uri="{BB962C8B-B14F-4D97-AF65-F5344CB8AC3E}">
         <p14:creationId xmlns:p14="http://schemas.microsoft.com/office/powerpoint/2010/main" val="704326632"/>
+      </p:ext>
+    </p:extLst>
+  </p:cSld>
+  <p:clrMapOvr>
+    <a:masterClrMapping/>
+  </p:clrMapOvr>
+</p:sld>
+</file>
+
+<file path=ppt/slides/slide5.xml><?xml version="1.0" encoding="utf-8"?>
+<p:sld xmlns:a="http://schemas.openxmlformats.org/drawingml/2006/main" xmlns:r="http://schemas.openxmlformats.org/officeDocument/2006/relationships" xmlns:p="http://schemas.openxmlformats.org/presentationml/2006/main">
+  <p:cSld>
+    <p:bg>
+      <p:bgPr>
+        <a:solidFill>
+          <a:schemeClr val="bg1"/>
+        </a:solidFill>
+        <a:effectLst/>
+      </p:bgPr>
+    </p:bg>
+    <p:spTree>
+      <p:nvGrpSpPr>
+        <p:cNvPr id="1" name=""/>
+        <p:cNvGrpSpPr/>
+        <p:nvPr/>
+      </p:nvGrpSpPr>
+      <p:grpSpPr>
+        <a:xfrm>
+          <a:off x="0" y="0"/>
+          <a:ext cx="0" cy="0"/>
+          <a:chOff x="0" y="0"/>
+          <a:chExt cx="0" cy="0"/>
+        </a:xfrm>
+      </p:grpSpPr>
+      <p:sp useBgFill="1">
+        <p:nvSpPr>
+          <p:cNvPr id="21" name="Rectangle 8">
+            <a:extLst>
+              <a:ext uri="{FF2B5EF4-FFF2-40B4-BE49-F238E27FC236}">
+                <a16:creationId xmlns:a16="http://schemas.microsoft.com/office/drawing/2014/main" id="{44CA2EAD-E7C7-4F64-924A-52D34FD759C7}"/>
+              </a:ext>
+              <a:ext uri="{C183D7F6-B498-43B3-948B-1728B52AA6E4}">
+                <adec:decorative xmlns:adec="http://schemas.microsoft.com/office/drawing/2017/decorative" val="1"/>
+              </a:ext>
+            </a:extLst>
+          </p:cNvPr>
+          <p:cNvSpPr>
+            <a:spLocks noGrp="1" noRot="1" noChangeAspect="1" noMove="1" noResize="1" noEditPoints="1" noAdjustHandles="1" noChangeArrowheads="1" noChangeShapeType="1" noTextEdit="1"/>
+          </p:cNvSpPr>
+          <p:nvPr>
+            <p:extLst>
+              <p:ext uri="{386F3935-93C4-4BCD-93E2-E3B085C9AB24}">
+                <p16:designElem xmlns:p16="http://schemas.microsoft.com/office/powerpoint/2015/main" val="1"/>
+              </p:ext>
+            </p:extLst>
+          </p:nvPr>
+        </p:nvSpPr>
+        <p:spPr>
+          <a:xfrm>
+            <a:off x="0" y="0"/>
+            <a:ext cx="12192000" cy="6858000"/>
+          </a:xfrm>
+          <a:prstGeom prst="rect">
+            <a:avLst/>
+          </a:prstGeom>
+          <a:ln w="12700" cap="flat" cmpd="sng" algn="ctr">
+            <a:noFill/>
+            <a:prstDash val="solid"/>
+            <a:miter lim="800000"/>
+          </a:ln>
+          <a:effectLst/>
+          <a:extLst>
+            <a:ext uri="{91240B29-F687-4F45-9708-019B960494DF}">
+              <a14:hiddenLine xmlns:a14="http://schemas.microsoft.com/office/drawing/2010/main" w="12700" cap="flat" cmpd="sng" algn="ctr">
+                <a:solidFill>
+                  <a:schemeClr val="accent1">
+                    <a:shade val="50000"/>
+                  </a:schemeClr>
+                </a:solidFill>
+                <a:prstDash val="solid"/>
+                <a:miter lim="800000"/>
+              </a14:hiddenLine>
+            </a:ext>
+          </a:extLst>
+        </p:spPr>
+        <p:style>
+          <a:lnRef idx="2">
+            <a:schemeClr val="accent1">
+              <a:shade val="50000"/>
+            </a:schemeClr>
+          </a:lnRef>
+          <a:fillRef idx="1">
+            <a:schemeClr val="accent1"/>
+          </a:fillRef>
+          <a:effectRef idx="0">
+            <a:schemeClr val="accent1"/>
+          </a:effectRef>
+          <a:fontRef idx="minor">
+            <a:schemeClr val="lt1"/>
+          </a:fontRef>
+        </p:style>
+        <p:txBody>
+          <a:bodyPr rtlCol="0" anchor="ctr"/>
+          <a:lstStyle/>
+          <a:p>
+            <a:pPr algn="ctr"/>
+            <a:endParaRPr lang="en-US"/>
+          </a:p>
+        </p:txBody>
+      </p:sp>
+      <p:pic>
+        <p:nvPicPr>
+          <p:cNvPr id="22" name="Picture 3" descr="A white textured surface">
+            <a:extLst>
+              <a:ext uri="{FF2B5EF4-FFF2-40B4-BE49-F238E27FC236}">
+                <a16:creationId xmlns:a16="http://schemas.microsoft.com/office/drawing/2014/main" id="{F7A7F786-D0F5-CDE0-55EE-4544D57A4E16}"/>
+              </a:ext>
+            </a:extLst>
+          </p:cNvPr>
+          <p:cNvPicPr>
+            <a:picLocks noChangeAspect="1"/>
+          </p:cNvPicPr>
+          <p:nvPr/>
+        </p:nvPicPr>
+        <p:blipFill rotWithShape="1">
+          <a:blip r:embed="rId2"/>
+          <a:srcRect l="28993" r="33398" b="-1"/>
+          <a:stretch/>
+        </p:blipFill>
+        <p:spPr>
+          <a:xfrm>
+            <a:off x="0" y="-5633"/>
+            <a:ext cx="3867129" cy="6863623"/>
+          </a:xfrm>
+          <a:prstGeom prst="rect">
+            <a:avLst/>
+          </a:prstGeom>
+        </p:spPr>
+      </p:pic>
+      <p:sp>
+        <p:nvSpPr>
+          <p:cNvPr id="2" name="Title 1">
+            <a:extLst>
+              <a:ext uri="{FF2B5EF4-FFF2-40B4-BE49-F238E27FC236}">
+                <a16:creationId xmlns:a16="http://schemas.microsoft.com/office/drawing/2014/main" id="{82894886-98FD-D2C5-F2FA-12CE501F5893}"/>
+              </a:ext>
+            </a:extLst>
+          </p:cNvPr>
+          <p:cNvSpPr>
+            <a:spLocks noGrp="1"/>
+          </p:cNvSpPr>
+          <p:nvPr>
+            <p:ph type="ctrTitle"/>
+          </p:nvPr>
+        </p:nvSpPr>
+        <p:spPr>
+          <a:xfrm>
+            <a:off x="275630" y="715736"/>
+            <a:ext cx="3243263" cy="4557713"/>
+          </a:xfrm>
+        </p:spPr>
+        <p:txBody>
+          <a:bodyPr>
+            <a:normAutofit fontScale="90000"/>
+          </a:bodyPr>
+          <a:lstStyle/>
+          <a:p>
+            <a:r>
+              <a:rPr lang="en-US" sz="2200" b="1" dirty="0">
+                <a:latin typeface="Open Sans" pitchFamily="2" charset="0"/>
+                <a:ea typeface="Open Sans" pitchFamily="2" charset="0"/>
+                <a:cs typeface="Open Sans" pitchFamily="2" charset="0"/>
+              </a:rPr>
+              <a:t>JavaScript Module Systems</a:t>
+            </a:r>
+            <a:br>
+              <a:rPr lang="en-US" sz="2200" b="1" dirty="0">
+                <a:latin typeface="Open Sans" pitchFamily="2" charset="0"/>
+                <a:ea typeface="Open Sans" pitchFamily="2" charset="0"/>
+                <a:cs typeface="Open Sans" pitchFamily="2" charset="0"/>
+              </a:rPr>
+            </a:br>
+            <a:br>
+              <a:rPr lang="en-US" sz="2200" b="1" dirty="0">
+                <a:latin typeface="Open Sans" pitchFamily="2" charset="0"/>
+                <a:ea typeface="Open Sans" pitchFamily="2" charset="0"/>
+                <a:cs typeface="Open Sans" pitchFamily="2" charset="0"/>
+              </a:rPr>
+            </a:br>
+            <a:br>
+              <a:rPr lang="en-US" sz="2200" b="1" dirty="0">
+                <a:latin typeface="Open Sans" pitchFamily="2" charset="0"/>
+                <a:ea typeface="Open Sans" pitchFamily="2" charset="0"/>
+                <a:cs typeface="Open Sans" pitchFamily="2" charset="0"/>
+              </a:rPr>
+            </a:br>
+            <a:br>
+              <a:rPr lang="en-US" sz="2200" b="1" dirty="0">
+                <a:latin typeface="Open Sans" pitchFamily="2" charset="0"/>
+                <a:ea typeface="Open Sans" pitchFamily="2" charset="0"/>
+                <a:cs typeface="Open Sans" pitchFamily="2" charset="0"/>
+              </a:rPr>
+            </a:br>
+            <a:br>
+              <a:rPr lang="en-US" sz="2200" b="1" dirty="0">
+                <a:latin typeface="Open Sans" pitchFamily="2" charset="0"/>
+                <a:ea typeface="Open Sans" pitchFamily="2" charset="0"/>
+                <a:cs typeface="Open Sans" pitchFamily="2" charset="0"/>
+              </a:rPr>
+            </a:br>
+            <a:br>
+              <a:rPr lang="en-US" sz="2200" b="1" dirty="0">
+                <a:latin typeface="Open Sans" pitchFamily="2" charset="0"/>
+                <a:ea typeface="Open Sans" pitchFamily="2" charset="0"/>
+                <a:cs typeface="Open Sans" pitchFamily="2" charset="0"/>
+              </a:rPr>
+            </a:br>
+            <a:br>
+              <a:rPr lang="en-US" sz="2200" b="1" dirty="0">
+                <a:latin typeface="Open Sans" pitchFamily="2" charset="0"/>
+                <a:ea typeface="Open Sans" pitchFamily="2" charset="0"/>
+                <a:cs typeface="Open Sans" pitchFamily="2" charset="0"/>
+              </a:rPr>
+            </a:br>
+            <a:r>
+              <a:rPr lang="en-US" sz="2200" dirty="0">
+                <a:latin typeface="Open Sans" pitchFamily="2" charset="0"/>
+                <a:ea typeface="Open Sans" pitchFamily="2" charset="0"/>
+                <a:cs typeface="Open Sans" pitchFamily="2" charset="0"/>
+              </a:rPr>
+              <a:t>Intuitive Modularization</a:t>
+            </a:r>
+            <a:br>
+              <a:rPr lang="en-US" sz="2200" b="1" dirty="0">
+                <a:latin typeface="Open Sans" pitchFamily="2" charset="0"/>
+                <a:ea typeface="Open Sans" pitchFamily="2" charset="0"/>
+                <a:cs typeface="Open Sans" pitchFamily="2" charset="0"/>
+              </a:rPr>
+            </a:br>
+            <a:br>
+              <a:rPr lang="en-US" sz="2200" b="1" dirty="0">
+                <a:latin typeface="Open Sans" pitchFamily="2" charset="0"/>
+                <a:ea typeface="Open Sans" pitchFamily="2" charset="0"/>
+                <a:cs typeface="Open Sans" pitchFamily="2" charset="0"/>
+              </a:rPr>
+            </a:br>
+            <a:br>
+              <a:rPr lang="en-US" sz="2200" b="1" dirty="0">
+                <a:latin typeface="Open Sans" pitchFamily="2" charset="0"/>
+                <a:ea typeface="Open Sans" pitchFamily="2" charset="0"/>
+                <a:cs typeface="Open Sans" pitchFamily="2" charset="0"/>
+              </a:rPr>
+            </a:br>
+            <a:br>
+              <a:rPr lang="en-US" sz="2200" b="1" dirty="0">
+                <a:latin typeface="Open Sans" pitchFamily="2" charset="0"/>
+                <a:ea typeface="Open Sans" pitchFamily="2" charset="0"/>
+                <a:cs typeface="Open Sans" pitchFamily="2" charset="0"/>
+              </a:rPr>
+            </a:br>
+            <a:br>
+              <a:rPr lang="en-US" sz="2200" b="1" dirty="0">
+                <a:latin typeface="Open Sans" pitchFamily="2" charset="0"/>
+                <a:ea typeface="Open Sans" pitchFamily="2" charset="0"/>
+                <a:cs typeface="Open Sans" pitchFamily="2" charset="0"/>
+              </a:rPr>
+            </a:br>
+            <a:br>
+              <a:rPr lang="en-US" sz="2200" b="1" dirty="0">
+                <a:latin typeface="Open Sans" pitchFamily="2" charset="0"/>
+                <a:ea typeface="Open Sans" pitchFamily="2" charset="0"/>
+                <a:cs typeface="Open Sans" pitchFamily="2" charset="0"/>
+              </a:rPr>
+            </a:br>
+            <a:endParaRPr lang="en-US" sz="2200" b="1" dirty="0">
+              <a:latin typeface="Open Sans" pitchFamily="2" charset="0"/>
+              <a:ea typeface="Open Sans" pitchFamily="2" charset="0"/>
+              <a:cs typeface="Open Sans" pitchFamily="2" charset="0"/>
+            </a:endParaRPr>
+          </a:p>
+        </p:txBody>
+      </p:sp>
+      <p:sp>
+        <p:nvSpPr>
+          <p:cNvPr id="3" name="Subtitle 2">
+            <a:extLst>
+              <a:ext uri="{FF2B5EF4-FFF2-40B4-BE49-F238E27FC236}">
+                <a16:creationId xmlns:a16="http://schemas.microsoft.com/office/drawing/2014/main" id="{2DC7EA71-90B8-5F2C-71E4-DCC52B163EF1}"/>
+              </a:ext>
+            </a:extLst>
+          </p:cNvPr>
+          <p:cNvSpPr>
+            <a:spLocks noGrp="1"/>
+          </p:cNvSpPr>
+          <p:nvPr>
+            <p:ph type="subTitle" idx="1"/>
+          </p:nvPr>
+        </p:nvSpPr>
+        <p:spPr>
+          <a:xfrm>
+            <a:off x="4892194" y="715736"/>
+            <a:ext cx="6274762" cy="5429149"/>
+          </a:xfrm>
+        </p:spPr>
+        <p:txBody>
+          <a:bodyPr>
+            <a:normAutofit/>
+          </a:bodyPr>
+          <a:lstStyle/>
+          <a:p>
+            <a:r>
+              <a:rPr lang="en-US" sz="2200" dirty="0">
+                <a:solidFill>
+                  <a:schemeClr val="tx2"/>
+                </a:solidFill>
+                <a:latin typeface="Open Sans" pitchFamily="2" charset="0"/>
+                <a:ea typeface="Open Sans" pitchFamily="2" charset="0"/>
+                <a:cs typeface="Open Sans" pitchFamily="2" charset="0"/>
+              </a:rPr>
+              <a:t>Wrappers to rescue</a:t>
+            </a:r>
+          </a:p>
+          <a:p>
+            <a:endParaRPr lang="en-US" sz="2000" dirty="0">
+              <a:solidFill>
+                <a:schemeClr val="tx2"/>
+              </a:solidFill>
+              <a:latin typeface="Open Sans" pitchFamily="2" charset="0"/>
+              <a:ea typeface="Open Sans" pitchFamily="2" charset="0"/>
+              <a:cs typeface="Open Sans" pitchFamily="2" charset="0"/>
+            </a:endParaRPr>
+          </a:p>
+          <a:p>
+            <a:r>
+              <a:rPr lang="en-US" sz="2000" i="1" dirty="0">
+                <a:solidFill>
+                  <a:schemeClr val="tx2"/>
+                </a:solidFill>
+                <a:latin typeface="Open Sans" pitchFamily="2" charset="0"/>
+                <a:ea typeface="Open Sans" pitchFamily="2" charset="0"/>
+                <a:cs typeface="Open Sans" pitchFamily="2" charset="0"/>
+              </a:rPr>
+              <a:t>Namespace pollution</a:t>
+            </a:r>
+            <a:r>
+              <a:rPr lang="en-US" sz="2000" dirty="0">
+                <a:solidFill>
+                  <a:schemeClr val="tx2"/>
+                </a:solidFill>
+                <a:latin typeface="Open Sans" pitchFamily="2" charset="0"/>
+                <a:ea typeface="Open Sans" pitchFamily="2" charset="0"/>
+                <a:cs typeface="Open Sans" pitchFamily="2" charset="0"/>
+              </a:rPr>
+              <a:t> can be dealt with using </a:t>
+            </a:r>
+            <a:r>
+              <a:rPr lang="en-US" sz="2000" i="1" dirty="0">
+                <a:solidFill>
+                  <a:schemeClr val="tx2"/>
+                </a:solidFill>
+                <a:latin typeface="Open Sans" pitchFamily="2" charset="0"/>
+                <a:ea typeface="Open Sans" pitchFamily="2" charset="0"/>
+                <a:cs typeface="Open Sans" pitchFamily="2" charset="0"/>
+              </a:rPr>
+              <a:t>wrappers.</a:t>
+            </a:r>
+          </a:p>
+          <a:p>
+            <a:endParaRPr lang="en-US" sz="2000" dirty="0">
+              <a:solidFill>
+                <a:schemeClr val="tx2"/>
+              </a:solidFill>
+              <a:latin typeface="Open Sans" pitchFamily="2" charset="0"/>
+              <a:ea typeface="Open Sans" pitchFamily="2" charset="0"/>
+              <a:cs typeface="Open Sans" pitchFamily="2" charset="0"/>
+            </a:endParaRPr>
+          </a:p>
+          <a:p>
+            <a:r>
+              <a:rPr lang="en-US" sz="2000" i="1" dirty="0">
+                <a:solidFill>
+                  <a:schemeClr val="tx2"/>
+                </a:solidFill>
+                <a:latin typeface="Open Sans" pitchFamily="2" charset="0"/>
+                <a:ea typeface="Open Sans" pitchFamily="2" charset="0"/>
+                <a:cs typeface="Open Sans" pitchFamily="2" charset="0"/>
+              </a:rPr>
+              <a:t>&lt;code&gt;demo&lt;/code</a:t>
+            </a:r>
+          </a:p>
+          <a:p>
+            <a:endParaRPr lang="en-US" sz="2000" i="1" dirty="0">
+              <a:solidFill>
+                <a:schemeClr val="tx2"/>
+              </a:solidFill>
+              <a:latin typeface="Open Sans" pitchFamily="2" charset="0"/>
+              <a:ea typeface="Open Sans" pitchFamily="2" charset="0"/>
+              <a:cs typeface="Open Sans" pitchFamily="2" charset="0"/>
+            </a:endParaRPr>
+          </a:p>
+          <a:p>
+            <a:r>
+              <a:rPr lang="en-US" sz="2000" dirty="0">
+                <a:solidFill>
+                  <a:schemeClr val="tx2"/>
+                </a:solidFill>
+                <a:latin typeface="Open Sans" pitchFamily="2" charset="0"/>
+                <a:ea typeface="Open Sans" pitchFamily="2" charset="0"/>
+                <a:cs typeface="Open Sans" pitchFamily="2" charset="0"/>
+              </a:rPr>
+              <a:t>But we can refactor things for better using</a:t>
+            </a:r>
+          </a:p>
+          <a:p>
+            <a:r>
+              <a:rPr lang="en-US" sz="2000" dirty="0">
+                <a:solidFill>
+                  <a:schemeClr val="tx2"/>
+                </a:solidFill>
+                <a:latin typeface="Open Sans" pitchFamily="2" charset="0"/>
+                <a:ea typeface="Open Sans" pitchFamily="2" charset="0"/>
+                <a:cs typeface="Open Sans" pitchFamily="2" charset="0"/>
+              </a:rPr>
+              <a:t>IIFEs</a:t>
+            </a:r>
+          </a:p>
+          <a:p>
+            <a:pPr marL="342900" indent="-342900">
+              <a:buFontTx/>
+              <a:buChar char="-"/>
+            </a:pPr>
+            <a:endParaRPr lang="en-US" sz="2000" i="1" dirty="0">
+              <a:solidFill>
+                <a:schemeClr val="tx2"/>
+              </a:solidFill>
+              <a:latin typeface="Open Sans" pitchFamily="2" charset="0"/>
+              <a:ea typeface="Open Sans" pitchFamily="2" charset="0"/>
+              <a:cs typeface="Open Sans" pitchFamily="2" charset="0"/>
+            </a:endParaRPr>
+          </a:p>
+          <a:p>
+            <a:endParaRPr lang="en-US" dirty="0">
+              <a:solidFill>
+                <a:schemeClr val="tx2"/>
+              </a:solidFill>
+              <a:latin typeface="Open Sans" pitchFamily="2" charset="0"/>
+              <a:ea typeface="Open Sans" pitchFamily="2" charset="0"/>
+              <a:cs typeface="Open Sans" pitchFamily="2" charset="0"/>
+            </a:endParaRPr>
+          </a:p>
+        </p:txBody>
+      </p:sp>
+      <p:cxnSp>
+        <p:nvCxnSpPr>
+          <p:cNvPr id="23" name="Straight Connector 10">
+            <a:extLst>
+              <a:ext uri="{FF2B5EF4-FFF2-40B4-BE49-F238E27FC236}">
+                <a16:creationId xmlns:a16="http://schemas.microsoft.com/office/drawing/2014/main" id="{9E7C23BC-DAA6-40E1-8166-B8C4439D1430}"/>
+              </a:ext>
+              <a:ext uri="{C183D7F6-B498-43B3-948B-1728B52AA6E4}">
+                <adec:decorative xmlns:adec="http://schemas.microsoft.com/office/drawing/2017/decorative" val="1"/>
+              </a:ext>
+            </a:extLst>
+          </p:cNvPr>
+          <p:cNvCxnSpPr>
+            <a:cxnSpLocks noGrp="1" noRot="1" noChangeAspect="1" noMove="1" noResize="1" noEditPoints="1" noAdjustHandles="1" noChangeArrowheads="1" noChangeShapeType="1"/>
+          </p:cNvCxnSpPr>
+          <p:nvPr>
+            <p:extLst>
+              <p:ext uri="{386F3935-93C4-4BCD-93E2-E3B085C9AB24}">
+                <p16:designElem xmlns:p16="http://schemas.microsoft.com/office/powerpoint/2015/main" val="1"/>
+              </p:ext>
+            </p:extLst>
+          </p:nvPr>
+        </p:nvCxnSpPr>
+        <p:spPr>
+          <a:xfrm>
+            <a:off x="7759575" y="3690871"/>
+            <a:ext cx="540000" cy="0"/>
+          </a:xfrm>
+          <a:prstGeom prst="line">
+            <a:avLst/>
+          </a:prstGeom>
+          <a:ln w="12700">
+            <a:solidFill>
+              <a:srgbClr val="FFFFFF"/>
+            </a:solidFill>
+          </a:ln>
+        </p:spPr>
+        <p:style>
+          <a:lnRef idx="1">
+            <a:schemeClr val="accent1"/>
+          </a:lnRef>
+          <a:fillRef idx="0">
+            <a:schemeClr val="accent1"/>
+          </a:fillRef>
+          <a:effectRef idx="0">
+            <a:schemeClr val="accent1"/>
+          </a:effectRef>
+          <a:fontRef idx="minor">
+            <a:schemeClr val="tx1"/>
+          </a:fontRef>
+        </p:style>
+      </p:cxnSp>
+      <p:pic>
+        <p:nvPicPr>
+          <p:cNvPr id="1026" name="Picture 2" descr="AtayaCommerce">
+            <a:extLst>
+              <a:ext uri="{FF2B5EF4-FFF2-40B4-BE49-F238E27FC236}">
+                <a16:creationId xmlns:a16="http://schemas.microsoft.com/office/drawing/2014/main" id="{967F32F4-F099-5099-C324-F826E744FDE1}"/>
+              </a:ext>
+            </a:extLst>
+          </p:cNvPr>
+          <p:cNvPicPr>
+            <a:picLocks noChangeAspect="1" noChangeArrowheads="1"/>
+          </p:cNvPicPr>
+          <p:nvPr/>
+        </p:nvPicPr>
+        <p:blipFill>
+          <a:blip r:embed="rId3">
+            <a:extLst>
+              <a:ext uri="{28A0092B-C50C-407E-A947-70E740481C1C}">
+                <a14:useLocalDpi xmlns:a14="http://schemas.microsoft.com/office/drawing/2010/main" val="0"/>
+              </a:ext>
+            </a:extLst>
+          </a:blip>
+          <a:srcRect/>
+          <a:stretch>
+            <a:fillRect/>
+          </a:stretch>
+        </p:blipFill>
+        <p:spPr bwMode="auto">
+          <a:xfrm>
+            <a:off x="545310" y="5523894"/>
+            <a:ext cx="2443163" cy="1334096"/>
+          </a:xfrm>
+          <a:prstGeom prst="rect">
+            <a:avLst/>
+          </a:prstGeom>
+          <a:noFill/>
+          <a:extLst>
+            <a:ext uri="{909E8E84-426E-40DD-AFC4-6F175D3DCCD1}">
+              <a14:hiddenFill xmlns:a14="http://schemas.microsoft.com/office/drawing/2010/main">
+                <a:solidFill>
+                  <a:srgbClr val="FFFFFF"/>
+                </a:solidFill>
+              </a14:hiddenFill>
+            </a:ext>
+          </a:extLst>
+        </p:spPr>
+      </p:pic>
+    </p:spTree>
+    <p:extLst>
+      <p:ext uri="{BB962C8B-B14F-4D97-AF65-F5344CB8AC3E}">
+        <p14:creationId xmlns:p14="http://schemas.microsoft.com/office/powerpoint/2010/main" val="964672224"/>
+      </p:ext>
+    </p:extLst>
+  </p:cSld>
+  <p:clrMapOvr>
+    <a:masterClrMapping/>
+  </p:clrMapOvr>
+</p:sld>
+</file>
+
+<file path=ppt/slides/slide6.xml><?xml version="1.0" encoding="utf-8"?>
+<p:sld xmlns:a="http://schemas.openxmlformats.org/drawingml/2006/main" xmlns:r="http://schemas.openxmlformats.org/officeDocument/2006/relationships" xmlns:p="http://schemas.openxmlformats.org/presentationml/2006/main">
+  <p:cSld>
+    <p:bg>
+      <p:bgPr>
+        <a:solidFill>
+          <a:schemeClr val="bg1"/>
+        </a:solidFill>
+        <a:effectLst/>
+      </p:bgPr>
+    </p:bg>
+    <p:spTree>
+      <p:nvGrpSpPr>
+        <p:cNvPr id="1" name=""/>
+        <p:cNvGrpSpPr/>
+        <p:nvPr/>
+      </p:nvGrpSpPr>
+      <p:grpSpPr>
+        <a:xfrm>
+          <a:off x="0" y="0"/>
+          <a:ext cx="0" cy="0"/>
+          <a:chOff x="0" y="0"/>
+          <a:chExt cx="0" cy="0"/>
+        </a:xfrm>
+      </p:grpSpPr>
+      <p:sp useBgFill="1">
+        <p:nvSpPr>
+          <p:cNvPr id="21" name="Rectangle 8">
+            <a:extLst>
+              <a:ext uri="{FF2B5EF4-FFF2-40B4-BE49-F238E27FC236}">
+                <a16:creationId xmlns:a16="http://schemas.microsoft.com/office/drawing/2014/main" id="{44CA2EAD-E7C7-4F64-924A-52D34FD759C7}"/>
+              </a:ext>
+              <a:ext uri="{C183D7F6-B498-43B3-948B-1728B52AA6E4}">
+                <adec:decorative xmlns:adec="http://schemas.microsoft.com/office/drawing/2017/decorative" val="1"/>
+              </a:ext>
+            </a:extLst>
+          </p:cNvPr>
+          <p:cNvSpPr>
+            <a:spLocks noGrp="1" noRot="1" noChangeAspect="1" noMove="1" noResize="1" noEditPoints="1" noAdjustHandles="1" noChangeArrowheads="1" noChangeShapeType="1" noTextEdit="1"/>
+          </p:cNvSpPr>
+          <p:nvPr>
+            <p:extLst>
+              <p:ext uri="{386F3935-93C4-4BCD-93E2-E3B085C9AB24}">
+                <p16:designElem xmlns:p16="http://schemas.microsoft.com/office/powerpoint/2015/main" val="1"/>
+              </p:ext>
+            </p:extLst>
+          </p:nvPr>
+        </p:nvSpPr>
+        <p:spPr>
+          <a:xfrm>
+            <a:off x="0" y="0"/>
+            <a:ext cx="12192000" cy="6858000"/>
+          </a:xfrm>
+          <a:prstGeom prst="rect">
+            <a:avLst/>
+          </a:prstGeom>
+          <a:ln w="12700" cap="flat" cmpd="sng" algn="ctr">
+            <a:noFill/>
+            <a:prstDash val="solid"/>
+            <a:miter lim="800000"/>
+          </a:ln>
+          <a:effectLst/>
+          <a:extLst>
+            <a:ext uri="{91240B29-F687-4F45-9708-019B960494DF}">
+              <a14:hiddenLine xmlns:a14="http://schemas.microsoft.com/office/drawing/2010/main" w="12700" cap="flat" cmpd="sng" algn="ctr">
+                <a:solidFill>
+                  <a:schemeClr val="accent1">
+                    <a:shade val="50000"/>
+                  </a:schemeClr>
+                </a:solidFill>
+                <a:prstDash val="solid"/>
+                <a:miter lim="800000"/>
+              </a14:hiddenLine>
+            </a:ext>
+          </a:extLst>
+        </p:spPr>
+        <p:style>
+          <a:lnRef idx="2">
+            <a:schemeClr val="accent1">
+              <a:shade val="50000"/>
+            </a:schemeClr>
+          </a:lnRef>
+          <a:fillRef idx="1">
+            <a:schemeClr val="accent1"/>
+          </a:fillRef>
+          <a:effectRef idx="0">
+            <a:schemeClr val="accent1"/>
+          </a:effectRef>
+          <a:fontRef idx="minor">
+            <a:schemeClr val="lt1"/>
+          </a:fontRef>
+        </p:style>
+        <p:txBody>
+          <a:bodyPr rtlCol="0" anchor="ctr"/>
+          <a:lstStyle/>
+          <a:p>
+            <a:pPr algn="ctr"/>
+            <a:endParaRPr lang="en-US"/>
+          </a:p>
+        </p:txBody>
+      </p:sp>
+      <p:pic>
+        <p:nvPicPr>
+          <p:cNvPr id="22" name="Picture 3" descr="A white textured surface">
+            <a:extLst>
+              <a:ext uri="{FF2B5EF4-FFF2-40B4-BE49-F238E27FC236}">
+                <a16:creationId xmlns:a16="http://schemas.microsoft.com/office/drawing/2014/main" id="{F7A7F786-D0F5-CDE0-55EE-4544D57A4E16}"/>
+              </a:ext>
+            </a:extLst>
+          </p:cNvPr>
+          <p:cNvPicPr>
+            <a:picLocks noChangeAspect="1"/>
+          </p:cNvPicPr>
+          <p:nvPr/>
+        </p:nvPicPr>
+        <p:blipFill rotWithShape="1">
+          <a:blip r:embed="rId2"/>
+          <a:srcRect l="28993" r="33398" b="-1"/>
+          <a:stretch/>
+        </p:blipFill>
+        <p:spPr>
+          <a:xfrm>
+            <a:off x="0" y="-5633"/>
+            <a:ext cx="3867129" cy="6863623"/>
+          </a:xfrm>
+          <a:prstGeom prst="rect">
+            <a:avLst/>
+          </a:prstGeom>
+        </p:spPr>
+      </p:pic>
+      <p:sp>
+        <p:nvSpPr>
+          <p:cNvPr id="2" name="Title 1">
+            <a:extLst>
+              <a:ext uri="{FF2B5EF4-FFF2-40B4-BE49-F238E27FC236}">
+                <a16:creationId xmlns:a16="http://schemas.microsoft.com/office/drawing/2014/main" id="{82894886-98FD-D2C5-F2FA-12CE501F5893}"/>
+              </a:ext>
+            </a:extLst>
+          </p:cNvPr>
+          <p:cNvSpPr>
+            <a:spLocks noGrp="1"/>
+          </p:cNvSpPr>
+          <p:nvPr>
+            <p:ph type="ctrTitle"/>
+          </p:nvPr>
+        </p:nvSpPr>
+        <p:spPr>
+          <a:xfrm>
+            <a:off x="275630" y="715736"/>
+            <a:ext cx="3243263" cy="4557713"/>
+          </a:xfrm>
+        </p:spPr>
+        <p:txBody>
+          <a:bodyPr>
+            <a:normAutofit fontScale="90000"/>
+          </a:bodyPr>
+          <a:lstStyle/>
+          <a:p>
+            <a:r>
+              <a:rPr lang="en-US" sz="2200" b="1" dirty="0">
+                <a:latin typeface="Open Sans" pitchFamily="2" charset="0"/>
+                <a:ea typeface="Open Sans" pitchFamily="2" charset="0"/>
+                <a:cs typeface="Open Sans" pitchFamily="2" charset="0"/>
+              </a:rPr>
+              <a:t>JavaScript Module Systems</a:t>
+            </a:r>
+            <a:br>
+              <a:rPr lang="en-US" sz="2200" b="1" dirty="0">
+                <a:latin typeface="Open Sans" pitchFamily="2" charset="0"/>
+                <a:ea typeface="Open Sans" pitchFamily="2" charset="0"/>
+                <a:cs typeface="Open Sans" pitchFamily="2" charset="0"/>
+              </a:rPr>
+            </a:br>
+            <a:br>
+              <a:rPr lang="en-US" sz="2200" b="1" dirty="0">
+                <a:latin typeface="Open Sans" pitchFamily="2" charset="0"/>
+                <a:ea typeface="Open Sans" pitchFamily="2" charset="0"/>
+                <a:cs typeface="Open Sans" pitchFamily="2" charset="0"/>
+              </a:rPr>
+            </a:br>
+            <a:br>
+              <a:rPr lang="en-US" sz="2200" b="1" dirty="0">
+                <a:latin typeface="Open Sans" pitchFamily="2" charset="0"/>
+                <a:ea typeface="Open Sans" pitchFamily="2" charset="0"/>
+                <a:cs typeface="Open Sans" pitchFamily="2" charset="0"/>
+              </a:rPr>
+            </a:br>
+            <a:br>
+              <a:rPr lang="en-US" sz="2200" b="1" dirty="0">
+                <a:latin typeface="Open Sans" pitchFamily="2" charset="0"/>
+                <a:ea typeface="Open Sans" pitchFamily="2" charset="0"/>
+                <a:cs typeface="Open Sans" pitchFamily="2" charset="0"/>
+              </a:rPr>
+            </a:br>
+            <a:br>
+              <a:rPr lang="en-US" sz="2200" b="1" dirty="0">
+                <a:latin typeface="Open Sans" pitchFamily="2" charset="0"/>
+                <a:ea typeface="Open Sans" pitchFamily="2" charset="0"/>
+                <a:cs typeface="Open Sans" pitchFamily="2" charset="0"/>
+              </a:rPr>
+            </a:br>
+            <a:br>
+              <a:rPr lang="en-US" sz="2200" b="1" dirty="0">
+                <a:latin typeface="Open Sans" pitchFamily="2" charset="0"/>
+                <a:ea typeface="Open Sans" pitchFamily="2" charset="0"/>
+                <a:cs typeface="Open Sans" pitchFamily="2" charset="0"/>
+              </a:rPr>
+            </a:br>
+            <a:br>
+              <a:rPr lang="en-US" sz="2200" b="1" dirty="0">
+                <a:latin typeface="Open Sans" pitchFamily="2" charset="0"/>
+                <a:ea typeface="Open Sans" pitchFamily="2" charset="0"/>
+                <a:cs typeface="Open Sans" pitchFamily="2" charset="0"/>
+              </a:rPr>
+            </a:br>
+            <a:r>
+              <a:rPr lang="en-US" sz="2200" dirty="0">
+                <a:latin typeface="Open Sans" pitchFamily="2" charset="0"/>
+                <a:ea typeface="Open Sans" pitchFamily="2" charset="0"/>
+                <a:cs typeface="Open Sans" pitchFamily="2" charset="0"/>
+              </a:rPr>
+              <a:t>Intuitive Modularization</a:t>
+            </a:r>
+            <a:br>
+              <a:rPr lang="en-US" sz="2200" b="1" dirty="0">
+                <a:latin typeface="Open Sans" pitchFamily="2" charset="0"/>
+                <a:ea typeface="Open Sans" pitchFamily="2" charset="0"/>
+                <a:cs typeface="Open Sans" pitchFamily="2" charset="0"/>
+              </a:rPr>
+            </a:br>
+            <a:br>
+              <a:rPr lang="en-US" sz="2200" b="1" dirty="0">
+                <a:latin typeface="Open Sans" pitchFamily="2" charset="0"/>
+                <a:ea typeface="Open Sans" pitchFamily="2" charset="0"/>
+                <a:cs typeface="Open Sans" pitchFamily="2" charset="0"/>
+              </a:rPr>
+            </a:br>
+            <a:br>
+              <a:rPr lang="en-US" sz="2200" b="1" dirty="0">
+                <a:latin typeface="Open Sans" pitchFamily="2" charset="0"/>
+                <a:ea typeface="Open Sans" pitchFamily="2" charset="0"/>
+                <a:cs typeface="Open Sans" pitchFamily="2" charset="0"/>
+              </a:rPr>
+            </a:br>
+            <a:br>
+              <a:rPr lang="en-US" sz="2200" b="1" dirty="0">
+                <a:latin typeface="Open Sans" pitchFamily="2" charset="0"/>
+                <a:ea typeface="Open Sans" pitchFamily="2" charset="0"/>
+                <a:cs typeface="Open Sans" pitchFamily="2" charset="0"/>
+              </a:rPr>
+            </a:br>
+            <a:br>
+              <a:rPr lang="en-US" sz="2200" b="1" dirty="0">
+                <a:latin typeface="Open Sans" pitchFamily="2" charset="0"/>
+                <a:ea typeface="Open Sans" pitchFamily="2" charset="0"/>
+                <a:cs typeface="Open Sans" pitchFamily="2" charset="0"/>
+              </a:rPr>
+            </a:br>
+            <a:br>
+              <a:rPr lang="en-US" sz="2200" b="1" dirty="0">
+                <a:latin typeface="Open Sans" pitchFamily="2" charset="0"/>
+                <a:ea typeface="Open Sans" pitchFamily="2" charset="0"/>
+                <a:cs typeface="Open Sans" pitchFamily="2" charset="0"/>
+              </a:rPr>
+            </a:br>
+            <a:endParaRPr lang="en-US" sz="2200" b="1" dirty="0">
+              <a:latin typeface="Open Sans" pitchFamily="2" charset="0"/>
+              <a:ea typeface="Open Sans" pitchFamily="2" charset="0"/>
+              <a:cs typeface="Open Sans" pitchFamily="2" charset="0"/>
+            </a:endParaRPr>
+          </a:p>
+        </p:txBody>
+      </p:sp>
+      <p:sp>
+        <p:nvSpPr>
+          <p:cNvPr id="3" name="Subtitle 2">
+            <a:extLst>
+              <a:ext uri="{FF2B5EF4-FFF2-40B4-BE49-F238E27FC236}">
+                <a16:creationId xmlns:a16="http://schemas.microsoft.com/office/drawing/2014/main" id="{2DC7EA71-90B8-5F2C-71E4-DCC52B163EF1}"/>
+              </a:ext>
+            </a:extLst>
+          </p:cNvPr>
+          <p:cNvSpPr>
+            <a:spLocks noGrp="1"/>
+          </p:cNvSpPr>
+          <p:nvPr>
+            <p:ph type="subTitle" idx="1"/>
+          </p:nvPr>
+        </p:nvSpPr>
+        <p:spPr>
+          <a:xfrm>
+            <a:off x="4892194" y="715736"/>
+            <a:ext cx="6274762" cy="5429149"/>
+          </a:xfrm>
+        </p:spPr>
+        <p:txBody>
+          <a:bodyPr>
+            <a:normAutofit/>
+          </a:bodyPr>
+          <a:lstStyle/>
+          <a:p>
+            <a:r>
+              <a:rPr lang="en-US" sz="2200" dirty="0">
+                <a:solidFill>
+                  <a:schemeClr val="tx2"/>
+                </a:solidFill>
+                <a:latin typeface="Open Sans" pitchFamily="2" charset="0"/>
+                <a:ea typeface="Open Sans" pitchFamily="2" charset="0"/>
+                <a:cs typeface="Open Sans" pitchFamily="2" charset="0"/>
+              </a:rPr>
+              <a:t>IIFEs (Pronounced as EE-Fi)</a:t>
+            </a:r>
+          </a:p>
+          <a:p>
+            <a:endParaRPr lang="en-US" sz="2000" dirty="0">
+              <a:solidFill>
+                <a:schemeClr val="tx2"/>
+              </a:solidFill>
+              <a:latin typeface="Open Sans" pitchFamily="2" charset="0"/>
+              <a:ea typeface="Open Sans" pitchFamily="2" charset="0"/>
+              <a:cs typeface="Open Sans" pitchFamily="2" charset="0"/>
+            </a:endParaRPr>
+          </a:p>
+          <a:p>
+            <a:r>
+              <a:rPr lang="en-US" sz="2000" dirty="0">
+                <a:solidFill>
+                  <a:schemeClr val="tx2"/>
+                </a:solidFill>
+                <a:latin typeface="Open Sans" pitchFamily="2" charset="0"/>
+                <a:ea typeface="Open Sans" pitchFamily="2" charset="0"/>
+                <a:cs typeface="Open Sans" pitchFamily="2" charset="0"/>
+              </a:rPr>
+              <a:t> The term IIFE stands for</a:t>
+            </a:r>
+            <a:br>
+              <a:rPr lang="en-US" sz="2000" dirty="0">
+                <a:solidFill>
+                  <a:schemeClr val="tx2"/>
+                </a:solidFill>
+                <a:latin typeface="Open Sans" pitchFamily="2" charset="0"/>
+                <a:ea typeface="Open Sans" pitchFamily="2" charset="0"/>
+                <a:cs typeface="Open Sans" pitchFamily="2" charset="0"/>
+              </a:rPr>
+            </a:br>
+            <a:r>
+              <a:rPr lang="en-US" sz="2000" i="1" dirty="0">
+                <a:solidFill>
+                  <a:schemeClr val="tx2"/>
+                </a:solidFill>
+                <a:latin typeface="Open Sans" pitchFamily="2" charset="0"/>
+                <a:ea typeface="Open Sans" pitchFamily="2" charset="0"/>
+                <a:cs typeface="Open Sans" pitchFamily="2" charset="0"/>
+              </a:rPr>
+              <a:t>Immediately Invoked Function Expression</a:t>
+            </a:r>
+            <a:br>
+              <a:rPr lang="en-US" sz="2000" i="1" dirty="0">
+                <a:solidFill>
+                  <a:schemeClr val="tx2"/>
+                </a:solidFill>
+                <a:latin typeface="Open Sans" pitchFamily="2" charset="0"/>
+                <a:ea typeface="Open Sans" pitchFamily="2" charset="0"/>
+                <a:cs typeface="Open Sans" pitchFamily="2" charset="0"/>
+              </a:rPr>
+            </a:br>
+            <a:r>
+              <a:rPr lang="en-US" sz="2000" dirty="0">
+                <a:solidFill>
+                  <a:schemeClr val="tx2"/>
+                </a:solidFill>
+                <a:latin typeface="Open Sans" pitchFamily="2" charset="0"/>
+                <a:ea typeface="Open Sans" pitchFamily="2" charset="0"/>
+                <a:cs typeface="Open Sans" pitchFamily="2" charset="0"/>
+              </a:rPr>
+              <a:t>If a function is written just to be executed once, we can replace it with an IIFE.</a:t>
+            </a:r>
+          </a:p>
+          <a:p>
+            <a:r>
+              <a:rPr lang="en-US" sz="2000" i="1" dirty="0">
+                <a:solidFill>
+                  <a:schemeClr val="tx2"/>
+                </a:solidFill>
+                <a:latin typeface="Open Sans" pitchFamily="2" charset="0"/>
+                <a:ea typeface="Open Sans" pitchFamily="2" charset="0"/>
+                <a:cs typeface="Open Sans" pitchFamily="2" charset="0"/>
+              </a:rPr>
+              <a:t>&lt;code&gt;demo&lt;/code&gt;</a:t>
+            </a:r>
+          </a:p>
+          <a:p>
+            <a:endParaRPr lang="en-US" sz="2000" i="1" dirty="0">
+              <a:solidFill>
+                <a:schemeClr val="tx2"/>
+              </a:solidFill>
+              <a:latin typeface="Open Sans" pitchFamily="2" charset="0"/>
+              <a:ea typeface="Open Sans" pitchFamily="2" charset="0"/>
+              <a:cs typeface="Open Sans" pitchFamily="2" charset="0"/>
+            </a:endParaRPr>
+          </a:p>
+          <a:p>
+            <a:endParaRPr lang="en-US" sz="2000" dirty="0">
+              <a:solidFill>
+                <a:schemeClr val="tx2"/>
+              </a:solidFill>
+              <a:latin typeface="Open Sans" pitchFamily="2" charset="0"/>
+              <a:ea typeface="Open Sans" pitchFamily="2" charset="0"/>
+              <a:cs typeface="Open Sans" pitchFamily="2" charset="0"/>
+            </a:endParaRPr>
+          </a:p>
+          <a:p>
+            <a:pPr marL="342900" indent="-342900">
+              <a:buFontTx/>
+              <a:buChar char="-"/>
+            </a:pPr>
+            <a:endParaRPr lang="en-US" sz="2000" i="1" dirty="0">
+              <a:solidFill>
+                <a:schemeClr val="tx2"/>
+              </a:solidFill>
+              <a:latin typeface="Open Sans" pitchFamily="2" charset="0"/>
+              <a:ea typeface="Open Sans" pitchFamily="2" charset="0"/>
+              <a:cs typeface="Open Sans" pitchFamily="2" charset="0"/>
+            </a:endParaRPr>
+          </a:p>
+          <a:p>
+            <a:endParaRPr lang="en-US" dirty="0">
+              <a:solidFill>
+                <a:schemeClr val="tx2"/>
+              </a:solidFill>
+              <a:latin typeface="Open Sans" pitchFamily="2" charset="0"/>
+              <a:ea typeface="Open Sans" pitchFamily="2" charset="0"/>
+              <a:cs typeface="Open Sans" pitchFamily="2" charset="0"/>
+            </a:endParaRPr>
+          </a:p>
+        </p:txBody>
+      </p:sp>
+      <p:cxnSp>
+        <p:nvCxnSpPr>
+          <p:cNvPr id="23" name="Straight Connector 10">
+            <a:extLst>
+              <a:ext uri="{FF2B5EF4-FFF2-40B4-BE49-F238E27FC236}">
+                <a16:creationId xmlns:a16="http://schemas.microsoft.com/office/drawing/2014/main" id="{9E7C23BC-DAA6-40E1-8166-B8C4439D1430}"/>
+              </a:ext>
+              <a:ext uri="{C183D7F6-B498-43B3-948B-1728B52AA6E4}">
+                <adec:decorative xmlns:adec="http://schemas.microsoft.com/office/drawing/2017/decorative" val="1"/>
+              </a:ext>
+            </a:extLst>
+          </p:cNvPr>
+          <p:cNvCxnSpPr>
+            <a:cxnSpLocks noGrp="1" noRot="1" noChangeAspect="1" noMove="1" noResize="1" noEditPoints="1" noAdjustHandles="1" noChangeArrowheads="1" noChangeShapeType="1"/>
+          </p:cNvCxnSpPr>
+          <p:nvPr>
+            <p:extLst>
+              <p:ext uri="{386F3935-93C4-4BCD-93E2-E3B085C9AB24}">
+                <p16:designElem xmlns:p16="http://schemas.microsoft.com/office/powerpoint/2015/main" val="1"/>
+              </p:ext>
+            </p:extLst>
+          </p:nvPr>
+        </p:nvCxnSpPr>
+        <p:spPr>
+          <a:xfrm>
+            <a:off x="7759575" y="3690871"/>
+            <a:ext cx="540000" cy="0"/>
+          </a:xfrm>
+          <a:prstGeom prst="line">
+            <a:avLst/>
+          </a:prstGeom>
+          <a:ln w="12700">
+            <a:solidFill>
+              <a:srgbClr val="FFFFFF"/>
+            </a:solidFill>
+          </a:ln>
+        </p:spPr>
+        <p:style>
+          <a:lnRef idx="1">
+            <a:schemeClr val="accent1"/>
+          </a:lnRef>
+          <a:fillRef idx="0">
+            <a:schemeClr val="accent1"/>
+          </a:fillRef>
+          <a:effectRef idx="0">
+            <a:schemeClr val="accent1"/>
+          </a:effectRef>
+          <a:fontRef idx="minor">
+            <a:schemeClr val="tx1"/>
+          </a:fontRef>
+        </p:style>
+      </p:cxnSp>
+      <p:pic>
+        <p:nvPicPr>
+          <p:cNvPr id="1026" name="Picture 2" descr="AtayaCommerce">
+            <a:extLst>
+              <a:ext uri="{FF2B5EF4-FFF2-40B4-BE49-F238E27FC236}">
+                <a16:creationId xmlns:a16="http://schemas.microsoft.com/office/drawing/2014/main" id="{967F32F4-F099-5099-C324-F826E744FDE1}"/>
+              </a:ext>
+            </a:extLst>
+          </p:cNvPr>
+          <p:cNvPicPr>
+            <a:picLocks noChangeAspect="1" noChangeArrowheads="1"/>
+          </p:cNvPicPr>
+          <p:nvPr/>
+        </p:nvPicPr>
+        <p:blipFill>
+          <a:blip r:embed="rId3">
+            <a:extLst>
+              <a:ext uri="{28A0092B-C50C-407E-A947-70E740481C1C}">
+                <a14:useLocalDpi xmlns:a14="http://schemas.microsoft.com/office/drawing/2010/main" val="0"/>
+              </a:ext>
+            </a:extLst>
+          </a:blip>
+          <a:srcRect/>
+          <a:stretch>
+            <a:fillRect/>
+          </a:stretch>
+        </p:blipFill>
+        <p:spPr bwMode="auto">
+          <a:xfrm>
+            <a:off x="545310" y="5523894"/>
+            <a:ext cx="2443163" cy="1334096"/>
+          </a:xfrm>
+          <a:prstGeom prst="rect">
+            <a:avLst/>
+          </a:prstGeom>
+          <a:noFill/>
+          <a:extLst>
+            <a:ext uri="{909E8E84-426E-40DD-AFC4-6F175D3DCCD1}">
+              <a14:hiddenFill xmlns:a14="http://schemas.microsoft.com/office/drawing/2010/main">
+                <a:solidFill>
+                  <a:srgbClr val="FFFFFF"/>
+                </a:solidFill>
+              </a14:hiddenFill>
+            </a:ext>
+          </a:extLst>
+        </p:spPr>
+      </p:pic>
+    </p:spTree>
+    <p:extLst>
+      <p:ext uri="{BB962C8B-B14F-4D97-AF65-F5344CB8AC3E}">
+        <p14:creationId xmlns:p14="http://schemas.microsoft.com/office/powerpoint/2010/main" val="2925721668"/>
       </p:ext>
     </p:extLst>
   </p:cSld>

--- a/presentation.pptx
+++ b/presentation.pptx
@@ -11,6 +11,10 @@
     <p:sldId id="259" r:id="rId5"/>
     <p:sldId id="261" r:id="rId6"/>
     <p:sldId id="262" r:id="rId7"/>
+    <p:sldId id="264" r:id="rId8"/>
+    <p:sldId id="263" r:id="rId9"/>
+    <p:sldId id="265" r:id="rId10"/>
+    <p:sldId id="266" r:id="rId11"/>
   </p:sldIdLst>
   <p:sldSz cx="12192000" cy="6858000"/>
   <p:notesSz cx="6858000" cy="9144000"/>
@@ -4629,7 +4633,7 @@
         </p:blipFill>
         <p:spPr>
           <a:xfrm>
-            <a:off x="20" y="10"/>
+            <a:off x="18" y="0"/>
             <a:ext cx="3867129" cy="6863623"/>
           </a:xfrm>
           <a:prstGeom prst="rect">
@@ -4655,7 +4659,7 @@
         </p:nvSpPr>
         <p:spPr>
           <a:xfrm>
-            <a:off x="133359" y="2143124"/>
+            <a:off x="133358" y="934810"/>
             <a:ext cx="3600450" cy="2153475"/>
           </a:xfrm>
         </p:spPr>
@@ -4700,7 +4704,7 @@
         </p:spPr>
         <p:txBody>
           <a:bodyPr>
-            <a:normAutofit/>
+            <a:normAutofit fontScale="92500"/>
           </a:bodyPr>
           <a:lstStyle/>
           <a:p>
@@ -4717,6 +4721,10 @@
             </a:r>
           </a:p>
           <a:p>
+            <a:pPr marL="342900" indent="-342900" algn="l">
+              <a:buFont typeface="Arial" panose="020B0604020202020204" pitchFamily="34" charset="0"/>
+              <a:buChar char="•"/>
+            </a:pPr>
             <a:r>
               <a:rPr lang="en-US" dirty="0">
                 <a:solidFill>
@@ -4730,6 +4738,10 @@
             </a:r>
           </a:p>
           <a:p>
+            <a:pPr marL="342900" indent="-342900" algn="l">
+              <a:buFont typeface="Arial" panose="020B0604020202020204" pitchFamily="34" charset="0"/>
+              <a:buChar char="•"/>
+            </a:pPr>
             <a:r>
               <a:rPr lang="en-US" dirty="0">
                 <a:solidFill>
@@ -4743,6 +4755,10 @@
             </a:r>
           </a:p>
           <a:p>
+            <a:pPr marL="342900" indent="-342900" algn="l">
+              <a:buFont typeface="Arial" panose="020B0604020202020204" pitchFamily="34" charset="0"/>
+              <a:buChar char="•"/>
+            </a:pPr>
             <a:r>
               <a:rPr lang="en-US" dirty="0">
                 <a:solidFill>
@@ -4753,6 +4769,127 @@
                 <a:cs typeface="Open Sans" pitchFamily="2" charset="0"/>
               </a:rPr>
               <a:t>Intuitive Modularization</a:t>
+            </a:r>
+          </a:p>
+          <a:p>
+            <a:pPr marL="342900" indent="-342900" algn="l">
+              <a:buFont typeface="Arial" panose="020B0604020202020204" pitchFamily="34" charset="0"/>
+              <a:buChar char="•"/>
+            </a:pPr>
+            <a:r>
+              <a:rPr lang="en-US" dirty="0">
+                <a:solidFill>
+                  <a:schemeClr val="tx2"/>
+                </a:solidFill>
+                <a:latin typeface="Open Sans" pitchFamily="2" charset="0"/>
+                <a:ea typeface="Open Sans" pitchFamily="2" charset="0"/>
+                <a:cs typeface="Open Sans" pitchFamily="2" charset="0"/>
+              </a:rPr>
+              <a:t>Wrappers to Rescue</a:t>
+            </a:r>
+          </a:p>
+          <a:p>
+            <a:pPr marL="342900" indent="-342900" algn="l">
+              <a:buFont typeface="Arial" panose="020B0604020202020204" pitchFamily="34" charset="0"/>
+              <a:buChar char="•"/>
+            </a:pPr>
+            <a:r>
+              <a:rPr lang="en-US" dirty="0">
+                <a:solidFill>
+                  <a:schemeClr val="tx2"/>
+                </a:solidFill>
+                <a:latin typeface="Open Sans" pitchFamily="2" charset="0"/>
+                <a:ea typeface="Open Sans" pitchFamily="2" charset="0"/>
+                <a:cs typeface="Open Sans" pitchFamily="2" charset="0"/>
+              </a:rPr>
+              <a:t>IIFEs as better wrappers</a:t>
+            </a:r>
+          </a:p>
+          <a:p>
+            <a:pPr marL="342900" indent="-342900" algn="l">
+              <a:buFont typeface="Arial" panose="020B0604020202020204" pitchFamily="34" charset="0"/>
+              <a:buChar char="•"/>
+            </a:pPr>
+            <a:r>
+              <a:rPr lang="en-US" dirty="0">
+                <a:solidFill>
+                  <a:schemeClr val="tx2"/>
+                </a:solidFill>
+                <a:latin typeface="Open Sans" pitchFamily="2" charset="0"/>
+                <a:ea typeface="Open Sans" pitchFamily="2" charset="0"/>
+                <a:cs typeface="Open Sans" pitchFamily="2" charset="0"/>
+              </a:rPr>
+              <a:t>Here comes common-</a:t>
+            </a:r>
+            <a:r>
+              <a:rPr lang="en-US" dirty="0" err="1">
+                <a:solidFill>
+                  <a:schemeClr val="tx2"/>
+                </a:solidFill>
+                <a:latin typeface="Open Sans" pitchFamily="2" charset="0"/>
+                <a:ea typeface="Open Sans" pitchFamily="2" charset="0"/>
+                <a:cs typeface="Open Sans" pitchFamily="2" charset="0"/>
+              </a:rPr>
+              <a:t>js</a:t>
+            </a:r>
+            <a:endParaRPr lang="en-US" dirty="0">
+              <a:solidFill>
+                <a:schemeClr val="tx2"/>
+              </a:solidFill>
+              <a:latin typeface="Open Sans" pitchFamily="2" charset="0"/>
+              <a:ea typeface="Open Sans" pitchFamily="2" charset="0"/>
+              <a:cs typeface="Open Sans" pitchFamily="2" charset="0"/>
+            </a:endParaRPr>
+          </a:p>
+          <a:p>
+            <a:pPr marL="342900" indent="-342900" algn="l">
+              <a:buFont typeface="Arial" panose="020B0604020202020204" pitchFamily="34" charset="0"/>
+              <a:buChar char="•"/>
+            </a:pPr>
+            <a:r>
+              <a:rPr lang="en-US" dirty="0">
+                <a:solidFill>
+                  <a:schemeClr val="tx2"/>
+                </a:solidFill>
+                <a:latin typeface="Open Sans" pitchFamily="2" charset="0"/>
+                <a:ea typeface="Open Sans" pitchFamily="2" charset="0"/>
+                <a:cs typeface="Open Sans" pitchFamily="2" charset="0"/>
+              </a:rPr>
+              <a:t>CommonJS pitfalls</a:t>
+            </a:r>
+          </a:p>
+          <a:p>
+            <a:pPr marL="342900" indent="-342900" algn="l">
+              <a:buFont typeface="Arial" panose="020B0604020202020204" pitchFamily="34" charset="0"/>
+              <a:buChar char="•"/>
+            </a:pPr>
+            <a:r>
+              <a:rPr lang="en-US" dirty="0">
+                <a:solidFill>
+                  <a:schemeClr val="tx2"/>
+                </a:solidFill>
+                <a:latin typeface="Open Sans" pitchFamily="2" charset="0"/>
+                <a:ea typeface="Open Sans" pitchFamily="2" charset="0"/>
+                <a:cs typeface="Open Sans" pitchFamily="2" charset="0"/>
+              </a:rPr>
+              <a:t>And finally, the robust ES module system</a:t>
+            </a:r>
+          </a:p>
+          <a:p>
+            <a:pPr marL="342900" indent="-342900" algn="l">
+              <a:buFont typeface="Arial" panose="020B0604020202020204" pitchFamily="34" charset="0"/>
+              <a:buChar char="•"/>
+            </a:pPr>
+            <a:r>
+              <a:rPr lang="en-US" dirty="0">
+                <a:solidFill>
+                  <a:schemeClr val="tx2"/>
+                </a:solidFill>
+                <a:latin typeface="Open Sans" pitchFamily="2" charset="0"/>
+                <a:ea typeface="Open Sans" pitchFamily="2" charset="0"/>
+                <a:cs typeface="Open Sans" pitchFamily="2" charset="0"/>
+              </a:rPr>
+              <a:t>Other module systems &amp; references</a:t>
             </a:r>
           </a:p>
           <a:p>
@@ -4866,10 +5003,712 @@
           </a:extLst>
         </p:spPr>
       </p:pic>
+      <p:sp>
+        <p:nvSpPr>
+          <p:cNvPr id="5" name="TextBox 4">
+            <a:extLst>
+              <a:ext uri="{FF2B5EF4-FFF2-40B4-BE49-F238E27FC236}">
+                <a16:creationId xmlns:a16="http://schemas.microsoft.com/office/drawing/2014/main" id="{C4973899-1583-DCD1-65C4-8E66E4848F70}"/>
+              </a:ext>
+            </a:extLst>
+          </p:cNvPr>
+          <p:cNvSpPr txBox="1"/>
+          <p:nvPr/>
+        </p:nvSpPr>
+        <p:spPr>
+          <a:xfrm>
+            <a:off x="133359" y="3276600"/>
+            <a:ext cx="3600450" cy="523220"/>
+          </a:xfrm>
+          <a:prstGeom prst="rect">
+            <a:avLst/>
+          </a:prstGeom>
+          <a:noFill/>
+        </p:spPr>
+        <p:txBody>
+          <a:bodyPr wrap="square" rtlCol="0">
+            <a:spAutoFit/>
+          </a:bodyPr>
+          <a:lstStyle/>
+          <a:p>
+            <a:r>
+              <a:rPr lang="en-US" sz="1400" dirty="0"/>
+              <a:t>Author : Sajith John Sam</a:t>
+            </a:r>
+            <a:br>
+              <a:rPr lang="en-US" sz="1400" dirty="0"/>
+            </a:br>
+            <a:r>
+              <a:rPr lang="en-US" sz="1400" dirty="0"/>
+              <a:t>Email    : </a:t>
+            </a:r>
+            <a:r>
+              <a:rPr lang="en-US" sz="1400" dirty="0">
+                <a:hlinkClick r:id="rId4">
+                  <a:extLst>
+                    <a:ext uri="{A12FA001-AC4F-418D-AE19-62706E023703}">
+                      <ahyp:hlinkClr xmlns:ahyp="http://schemas.microsoft.com/office/drawing/2018/hyperlinkcolor" val="tx"/>
+                    </a:ext>
+                  </a:extLst>
+                </a:hlinkClick>
+              </a:rPr>
+              <a:t>sajith.sam</a:t>
+            </a:r>
+            <a:r>
+              <a:rPr lang="en-US" sz="1400" dirty="0"/>
+              <a:t>@ayatacommerce.com</a:t>
+            </a:r>
+          </a:p>
+        </p:txBody>
+      </p:sp>
     </p:spTree>
     <p:extLst>
       <p:ext uri="{BB962C8B-B14F-4D97-AF65-F5344CB8AC3E}">
         <p14:creationId xmlns:p14="http://schemas.microsoft.com/office/powerpoint/2010/main" val="3401231865"/>
+      </p:ext>
+    </p:extLst>
+  </p:cSld>
+  <p:clrMapOvr>
+    <a:masterClrMapping/>
+  </p:clrMapOvr>
+</p:sld>
+</file>
+
+<file path=ppt/slides/slide10.xml><?xml version="1.0" encoding="utf-8"?>
+<p:sld xmlns:a="http://schemas.openxmlformats.org/drawingml/2006/main" xmlns:r="http://schemas.openxmlformats.org/officeDocument/2006/relationships" xmlns:p="http://schemas.openxmlformats.org/presentationml/2006/main">
+  <p:cSld>
+    <p:bg>
+      <p:bgPr>
+        <a:solidFill>
+          <a:schemeClr val="bg1"/>
+        </a:solidFill>
+        <a:effectLst/>
+      </p:bgPr>
+    </p:bg>
+    <p:spTree>
+      <p:nvGrpSpPr>
+        <p:cNvPr id="1" name=""/>
+        <p:cNvGrpSpPr/>
+        <p:nvPr/>
+      </p:nvGrpSpPr>
+      <p:grpSpPr>
+        <a:xfrm>
+          <a:off x="0" y="0"/>
+          <a:ext cx="0" cy="0"/>
+          <a:chOff x="0" y="0"/>
+          <a:chExt cx="0" cy="0"/>
+        </a:xfrm>
+      </p:grpSpPr>
+      <p:sp useBgFill="1">
+        <p:nvSpPr>
+          <p:cNvPr id="21" name="Rectangle 8">
+            <a:extLst>
+              <a:ext uri="{FF2B5EF4-FFF2-40B4-BE49-F238E27FC236}">
+                <a16:creationId xmlns:a16="http://schemas.microsoft.com/office/drawing/2014/main" id="{44CA2EAD-E7C7-4F64-924A-52D34FD759C7}"/>
+              </a:ext>
+              <a:ext uri="{C183D7F6-B498-43B3-948B-1728B52AA6E4}">
+                <adec:decorative xmlns:adec="http://schemas.microsoft.com/office/drawing/2017/decorative" val="1"/>
+              </a:ext>
+            </a:extLst>
+          </p:cNvPr>
+          <p:cNvSpPr>
+            <a:spLocks noGrp="1" noRot="1" noChangeAspect="1" noMove="1" noResize="1" noEditPoints="1" noAdjustHandles="1" noChangeArrowheads="1" noChangeShapeType="1" noTextEdit="1"/>
+          </p:cNvSpPr>
+          <p:nvPr>
+            <p:extLst>
+              <p:ext uri="{386F3935-93C4-4BCD-93E2-E3B085C9AB24}">
+                <p16:designElem xmlns:p16="http://schemas.microsoft.com/office/powerpoint/2015/main" val="1"/>
+              </p:ext>
+            </p:extLst>
+          </p:nvPr>
+        </p:nvSpPr>
+        <p:spPr>
+          <a:xfrm>
+            <a:off x="0" y="0"/>
+            <a:ext cx="12192000" cy="6858000"/>
+          </a:xfrm>
+          <a:prstGeom prst="rect">
+            <a:avLst/>
+          </a:prstGeom>
+          <a:ln w="12700" cap="flat" cmpd="sng" algn="ctr">
+            <a:noFill/>
+            <a:prstDash val="solid"/>
+            <a:miter lim="800000"/>
+          </a:ln>
+          <a:effectLst/>
+          <a:extLst>
+            <a:ext uri="{91240B29-F687-4F45-9708-019B960494DF}">
+              <a14:hiddenLine xmlns:a14="http://schemas.microsoft.com/office/drawing/2010/main" w="12700" cap="flat" cmpd="sng" algn="ctr">
+                <a:solidFill>
+                  <a:schemeClr val="accent1">
+                    <a:shade val="50000"/>
+                  </a:schemeClr>
+                </a:solidFill>
+                <a:prstDash val="solid"/>
+                <a:miter lim="800000"/>
+              </a14:hiddenLine>
+            </a:ext>
+          </a:extLst>
+        </p:spPr>
+        <p:style>
+          <a:lnRef idx="2">
+            <a:schemeClr val="accent1">
+              <a:shade val="50000"/>
+            </a:schemeClr>
+          </a:lnRef>
+          <a:fillRef idx="1">
+            <a:schemeClr val="accent1"/>
+          </a:fillRef>
+          <a:effectRef idx="0">
+            <a:schemeClr val="accent1"/>
+          </a:effectRef>
+          <a:fontRef idx="minor">
+            <a:schemeClr val="lt1"/>
+          </a:fontRef>
+        </p:style>
+        <p:txBody>
+          <a:bodyPr rtlCol="0" anchor="ctr"/>
+          <a:lstStyle/>
+          <a:p>
+            <a:pPr algn="ctr"/>
+            <a:endParaRPr lang="en-US"/>
+          </a:p>
+        </p:txBody>
+      </p:sp>
+      <p:pic>
+        <p:nvPicPr>
+          <p:cNvPr id="22" name="Picture 3" descr="A white textured surface">
+            <a:extLst>
+              <a:ext uri="{FF2B5EF4-FFF2-40B4-BE49-F238E27FC236}">
+                <a16:creationId xmlns:a16="http://schemas.microsoft.com/office/drawing/2014/main" id="{F7A7F786-D0F5-CDE0-55EE-4544D57A4E16}"/>
+              </a:ext>
+            </a:extLst>
+          </p:cNvPr>
+          <p:cNvPicPr>
+            <a:picLocks noChangeAspect="1"/>
+          </p:cNvPicPr>
+          <p:nvPr/>
+        </p:nvPicPr>
+        <p:blipFill rotWithShape="1">
+          <a:blip r:embed="rId2"/>
+          <a:srcRect l="28993" r="33398" b="-1"/>
+          <a:stretch/>
+        </p:blipFill>
+        <p:spPr>
+          <a:xfrm>
+            <a:off x="0" y="-5633"/>
+            <a:ext cx="3867129" cy="6863623"/>
+          </a:xfrm>
+          <a:prstGeom prst="rect">
+            <a:avLst/>
+          </a:prstGeom>
+        </p:spPr>
+      </p:pic>
+      <p:sp>
+        <p:nvSpPr>
+          <p:cNvPr id="2" name="Title 1">
+            <a:extLst>
+              <a:ext uri="{FF2B5EF4-FFF2-40B4-BE49-F238E27FC236}">
+                <a16:creationId xmlns:a16="http://schemas.microsoft.com/office/drawing/2014/main" id="{82894886-98FD-D2C5-F2FA-12CE501F5893}"/>
+              </a:ext>
+            </a:extLst>
+          </p:cNvPr>
+          <p:cNvSpPr>
+            <a:spLocks noGrp="1"/>
+          </p:cNvSpPr>
+          <p:nvPr>
+            <p:ph type="ctrTitle"/>
+          </p:nvPr>
+        </p:nvSpPr>
+        <p:spPr>
+          <a:xfrm>
+            <a:off x="275630" y="715736"/>
+            <a:ext cx="3243263" cy="4557713"/>
+          </a:xfrm>
+        </p:spPr>
+        <p:txBody>
+          <a:bodyPr>
+            <a:normAutofit fontScale="90000"/>
+          </a:bodyPr>
+          <a:lstStyle/>
+          <a:p>
+            <a:r>
+              <a:rPr lang="en-US" sz="2200" b="1" dirty="0">
+                <a:latin typeface="Open Sans" pitchFamily="2" charset="0"/>
+                <a:ea typeface="Open Sans" pitchFamily="2" charset="0"/>
+                <a:cs typeface="Open Sans" pitchFamily="2" charset="0"/>
+              </a:rPr>
+              <a:t>JavaScript Module Systems</a:t>
+            </a:r>
+            <a:br>
+              <a:rPr lang="en-US" sz="2200" b="1" dirty="0">
+                <a:latin typeface="Open Sans" pitchFamily="2" charset="0"/>
+                <a:ea typeface="Open Sans" pitchFamily="2" charset="0"/>
+                <a:cs typeface="Open Sans" pitchFamily="2" charset="0"/>
+              </a:rPr>
+            </a:br>
+            <a:br>
+              <a:rPr lang="en-US" sz="2200" b="1" dirty="0">
+                <a:latin typeface="Open Sans" pitchFamily="2" charset="0"/>
+                <a:ea typeface="Open Sans" pitchFamily="2" charset="0"/>
+                <a:cs typeface="Open Sans" pitchFamily="2" charset="0"/>
+              </a:rPr>
+            </a:br>
+            <a:br>
+              <a:rPr lang="en-US" sz="2200" b="1" dirty="0">
+                <a:latin typeface="Open Sans" pitchFamily="2" charset="0"/>
+                <a:ea typeface="Open Sans" pitchFamily="2" charset="0"/>
+                <a:cs typeface="Open Sans" pitchFamily="2" charset="0"/>
+              </a:rPr>
+            </a:br>
+            <a:br>
+              <a:rPr lang="en-US" sz="2200" b="1" dirty="0">
+                <a:latin typeface="Open Sans" pitchFamily="2" charset="0"/>
+                <a:ea typeface="Open Sans" pitchFamily="2" charset="0"/>
+                <a:cs typeface="Open Sans" pitchFamily="2" charset="0"/>
+              </a:rPr>
+            </a:br>
+            <a:br>
+              <a:rPr lang="en-US" sz="2200" b="1" dirty="0">
+                <a:latin typeface="Open Sans" pitchFamily="2" charset="0"/>
+                <a:ea typeface="Open Sans" pitchFamily="2" charset="0"/>
+                <a:cs typeface="Open Sans" pitchFamily="2" charset="0"/>
+              </a:rPr>
+            </a:br>
+            <a:br>
+              <a:rPr lang="en-US" sz="2200" b="1" dirty="0">
+                <a:latin typeface="Open Sans" pitchFamily="2" charset="0"/>
+                <a:ea typeface="Open Sans" pitchFamily="2" charset="0"/>
+                <a:cs typeface="Open Sans" pitchFamily="2" charset="0"/>
+              </a:rPr>
+            </a:br>
+            <a:br>
+              <a:rPr lang="en-US" sz="2200" b="1" dirty="0">
+                <a:latin typeface="Open Sans" pitchFamily="2" charset="0"/>
+                <a:ea typeface="Open Sans" pitchFamily="2" charset="0"/>
+                <a:cs typeface="Open Sans" pitchFamily="2" charset="0"/>
+              </a:rPr>
+            </a:br>
+            <a:r>
+              <a:rPr lang="en-US" sz="2200" dirty="0">
+                <a:latin typeface="Open Sans" pitchFamily="2" charset="0"/>
+                <a:ea typeface="Open Sans" pitchFamily="2" charset="0"/>
+                <a:cs typeface="Open Sans" pitchFamily="2" charset="0"/>
+              </a:rPr>
+              <a:t>Other Module System &amp; references</a:t>
+            </a:r>
+            <a:br>
+              <a:rPr lang="en-US" sz="2200" b="1" dirty="0">
+                <a:latin typeface="Open Sans" pitchFamily="2" charset="0"/>
+                <a:ea typeface="Open Sans" pitchFamily="2" charset="0"/>
+                <a:cs typeface="Open Sans" pitchFamily="2" charset="0"/>
+              </a:rPr>
+            </a:br>
+            <a:br>
+              <a:rPr lang="en-US" sz="2200" b="1" dirty="0">
+                <a:latin typeface="Open Sans" pitchFamily="2" charset="0"/>
+                <a:ea typeface="Open Sans" pitchFamily="2" charset="0"/>
+                <a:cs typeface="Open Sans" pitchFamily="2" charset="0"/>
+              </a:rPr>
+            </a:br>
+            <a:br>
+              <a:rPr lang="en-US" sz="2200" b="1" dirty="0">
+                <a:latin typeface="Open Sans" pitchFamily="2" charset="0"/>
+                <a:ea typeface="Open Sans" pitchFamily="2" charset="0"/>
+                <a:cs typeface="Open Sans" pitchFamily="2" charset="0"/>
+              </a:rPr>
+            </a:br>
+            <a:br>
+              <a:rPr lang="en-US" sz="2200" b="1" dirty="0">
+                <a:latin typeface="Open Sans" pitchFamily="2" charset="0"/>
+                <a:ea typeface="Open Sans" pitchFamily="2" charset="0"/>
+                <a:cs typeface="Open Sans" pitchFamily="2" charset="0"/>
+              </a:rPr>
+            </a:br>
+            <a:br>
+              <a:rPr lang="en-US" sz="2200" b="1" dirty="0">
+                <a:latin typeface="Open Sans" pitchFamily="2" charset="0"/>
+                <a:ea typeface="Open Sans" pitchFamily="2" charset="0"/>
+                <a:cs typeface="Open Sans" pitchFamily="2" charset="0"/>
+              </a:rPr>
+            </a:br>
+            <a:endParaRPr lang="en-US" sz="2200" b="1" dirty="0">
+              <a:latin typeface="Open Sans" pitchFamily="2" charset="0"/>
+              <a:ea typeface="Open Sans" pitchFamily="2" charset="0"/>
+              <a:cs typeface="Open Sans" pitchFamily="2" charset="0"/>
+            </a:endParaRPr>
+          </a:p>
+        </p:txBody>
+      </p:sp>
+      <p:sp>
+        <p:nvSpPr>
+          <p:cNvPr id="3" name="Subtitle 2">
+            <a:extLst>
+              <a:ext uri="{FF2B5EF4-FFF2-40B4-BE49-F238E27FC236}">
+                <a16:creationId xmlns:a16="http://schemas.microsoft.com/office/drawing/2014/main" id="{2DC7EA71-90B8-5F2C-71E4-DCC52B163EF1}"/>
+              </a:ext>
+            </a:extLst>
+          </p:cNvPr>
+          <p:cNvSpPr>
+            <a:spLocks noGrp="1"/>
+          </p:cNvSpPr>
+          <p:nvPr>
+            <p:ph type="subTitle" idx="1"/>
+          </p:nvPr>
+        </p:nvSpPr>
+        <p:spPr>
+          <a:xfrm>
+            <a:off x="4752182" y="230528"/>
+            <a:ext cx="6498771" cy="6455228"/>
+          </a:xfrm>
+        </p:spPr>
+        <p:txBody>
+          <a:bodyPr>
+            <a:normAutofit/>
+          </a:bodyPr>
+          <a:lstStyle/>
+          <a:p>
+            <a:r>
+              <a:rPr lang="en-US" sz="2200" dirty="0">
+                <a:solidFill>
+                  <a:schemeClr val="tx2"/>
+                </a:solidFill>
+                <a:latin typeface="Open Sans" pitchFamily="2" charset="0"/>
+                <a:ea typeface="Open Sans" pitchFamily="2" charset="0"/>
+                <a:cs typeface="Open Sans" pitchFamily="2" charset="0"/>
+              </a:rPr>
+              <a:t>It is not all over</a:t>
+            </a:r>
+            <a:endParaRPr lang="en-US" sz="2000" dirty="0">
+              <a:solidFill>
+                <a:schemeClr val="tx2"/>
+              </a:solidFill>
+              <a:latin typeface="Open Sans" pitchFamily="2" charset="0"/>
+              <a:ea typeface="Open Sans" pitchFamily="2" charset="0"/>
+              <a:cs typeface="Open Sans" pitchFamily="2" charset="0"/>
+            </a:endParaRPr>
+          </a:p>
+          <a:p>
+            <a:r>
+              <a:rPr lang="en-US" sz="2000" dirty="0">
+                <a:solidFill>
+                  <a:schemeClr val="tx2"/>
+                </a:solidFill>
+                <a:latin typeface="Open Sans" pitchFamily="2" charset="0"/>
+                <a:ea typeface="Open Sans" pitchFamily="2" charset="0"/>
+                <a:cs typeface="Open Sans" pitchFamily="2" charset="0"/>
+              </a:rPr>
+              <a:t> </a:t>
+            </a:r>
+            <a:r>
+              <a:rPr lang="en-US" sz="1900" dirty="0">
+                <a:solidFill>
+                  <a:schemeClr val="tx2"/>
+                </a:solidFill>
+                <a:latin typeface="Open Sans" pitchFamily="2" charset="0"/>
+                <a:ea typeface="Open Sans" pitchFamily="2" charset="0"/>
+                <a:cs typeface="Open Sans" pitchFamily="2" charset="0"/>
+              </a:rPr>
+              <a:t>There are two other module systems which you will come across in your JS lifecycle.</a:t>
+            </a:r>
+          </a:p>
+          <a:p>
+            <a:endParaRPr lang="en-US" sz="1900" dirty="0">
+              <a:solidFill>
+                <a:schemeClr val="tx2"/>
+              </a:solidFill>
+              <a:latin typeface="Open Sans" pitchFamily="2" charset="0"/>
+              <a:ea typeface="Open Sans" pitchFamily="2" charset="0"/>
+              <a:cs typeface="Open Sans" pitchFamily="2" charset="0"/>
+            </a:endParaRPr>
+          </a:p>
+          <a:p>
+            <a:pPr algn="l"/>
+            <a:r>
+              <a:rPr lang="en-US" sz="2000" dirty="0">
+                <a:solidFill>
+                  <a:schemeClr val="tx2"/>
+                </a:solidFill>
+                <a:latin typeface="Open Sans" pitchFamily="2" charset="0"/>
+                <a:ea typeface="Open Sans" pitchFamily="2" charset="0"/>
+                <a:cs typeface="Open Sans" pitchFamily="2" charset="0"/>
+              </a:rPr>
+              <a:t>	- Universal Module Definition (UMD)</a:t>
+            </a:r>
+          </a:p>
+          <a:p>
+            <a:pPr lvl="2" algn="l"/>
+            <a:r>
+              <a:rPr lang="en-US" sz="1400" dirty="0">
+                <a:solidFill>
+                  <a:schemeClr val="tx2"/>
+                </a:solidFill>
+                <a:latin typeface="Open Sans" pitchFamily="2" charset="0"/>
+                <a:ea typeface="Open Sans" pitchFamily="2" charset="0"/>
+                <a:cs typeface="Open Sans" pitchFamily="2" charset="0"/>
+              </a:rPr>
+              <a:t>   </a:t>
+            </a:r>
+            <a:r>
+              <a:rPr lang="en-US" sz="1400" dirty="0">
+                <a:solidFill>
+                  <a:schemeClr val="tx2"/>
+                </a:solidFill>
+                <a:latin typeface="Open Sans" pitchFamily="2" charset="0"/>
+                <a:ea typeface="Open Sans" pitchFamily="2" charset="0"/>
+                <a:cs typeface="Open Sans" pitchFamily="2" charset="0"/>
+                <a:hlinkClick r:id="rId3"/>
+              </a:rPr>
+              <a:t>https://github.com/umdjs/umd</a:t>
+            </a:r>
+            <a:r>
+              <a:rPr lang="en-US" sz="1400" dirty="0">
+                <a:solidFill>
+                  <a:schemeClr val="tx2"/>
+                </a:solidFill>
+                <a:latin typeface="Open Sans" pitchFamily="2" charset="0"/>
+                <a:ea typeface="Open Sans" pitchFamily="2" charset="0"/>
+                <a:cs typeface="Open Sans" pitchFamily="2" charset="0"/>
+              </a:rPr>
+              <a:t> </a:t>
+            </a:r>
+          </a:p>
+          <a:p>
+            <a:pPr algn="l"/>
+            <a:r>
+              <a:rPr lang="en-US" sz="2000" dirty="0">
+                <a:solidFill>
+                  <a:schemeClr val="tx2"/>
+                </a:solidFill>
+                <a:latin typeface="Open Sans" pitchFamily="2" charset="0"/>
+                <a:ea typeface="Open Sans" pitchFamily="2" charset="0"/>
+                <a:cs typeface="Open Sans" pitchFamily="2" charset="0"/>
+              </a:rPr>
+              <a:t>	- Asynchronous Module Definition (AMD)</a:t>
+            </a:r>
+          </a:p>
+          <a:p>
+            <a:pPr lvl="2" algn="l"/>
+            <a:r>
+              <a:rPr lang="en-US" sz="1400" dirty="0">
+                <a:solidFill>
+                  <a:schemeClr val="tx2"/>
+                </a:solidFill>
+                <a:latin typeface="Open Sans" pitchFamily="2" charset="0"/>
+                <a:ea typeface="Open Sans" pitchFamily="2" charset="0"/>
+                <a:cs typeface="Open Sans" pitchFamily="2" charset="0"/>
+              </a:rPr>
+              <a:t>    </a:t>
+            </a:r>
+            <a:r>
+              <a:rPr lang="en-US" sz="1400" dirty="0">
+                <a:solidFill>
+                  <a:schemeClr val="tx2"/>
+                </a:solidFill>
+                <a:latin typeface="Open Sans" pitchFamily="2" charset="0"/>
+                <a:ea typeface="Open Sans" pitchFamily="2" charset="0"/>
+                <a:cs typeface="Open Sans" pitchFamily="2" charset="0"/>
+                <a:hlinkClick r:id="rId4"/>
+              </a:rPr>
+              <a:t>https://requirejs.org/docs/whyamd.html</a:t>
+            </a:r>
+            <a:r>
+              <a:rPr lang="en-US" sz="1400" dirty="0">
+                <a:solidFill>
+                  <a:schemeClr val="tx2"/>
+                </a:solidFill>
+                <a:latin typeface="Open Sans" pitchFamily="2" charset="0"/>
+                <a:ea typeface="Open Sans" pitchFamily="2" charset="0"/>
+                <a:cs typeface="Open Sans" pitchFamily="2" charset="0"/>
+              </a:rPr>
+              <a:t> </a:t>
+            </a:r>
+          </a:p>
+          <a:p>
+            <a:pPr lvl="2" algn="l"/>
+            <a:endParaRPr lang="en-US" sz="1400" dirty="0">
+              <a:solidFill>
+                <a:schemeClr val="tx2"/>
+              </a:solidFill>
+              <a:latin typeface="Open Sans" pitchFamily="2" charset="0"/>
+              <a:ea typeface="Open Sans" pitchFamily="2" charset="0"/>
+              <a:cs typeface="Open Sans" pitchFamily="2" charset="0"/>
+            </a:endParaRPr>
+          </a:p>
+          <a:p>
+            <a:r>
+              <a:rPr lang="en-US" sz="2000" dirty="0">
+                <a:solidFill>
+                  <a:schemeClr val="tx2"/>
+                </a:solidFill>
+                <a:latin typeface="Open Sans" pitchFamily="2" charset="0"/>
+                <a:ea typeface="Open Sans" pitchFamily="2" charset="0"/>
+                <a:cs typeface="Open Sans" pitchFamily="2" charset="0"/>
+              </a:rPr>
+              <a:t>My references</a:t>
+            </a:r>
+          </a:p>
+          <a:p>
+            <a:r>
+              <a:rPr lang="en-US" sz="2000" dirty="0">
+                <a:solidFill>
+                  <a:schemeClr val="tx2"/>
+                </a:solidFill>
+                <a:latin typeface="Open Sans" pitchFamily="2" charset="0"/>
+                <a:ea typeface="Open Sans" pitchFamily="2" charset="0"/>
+                <a:cs typeface="Open Sans" pitchFamily="2" charset="0"/>
+              </a:rPr>
+              <a:t>Tyler McGinnis’ awesome explanation of the module systems</a:t>
+            </a:r>
+            <a:br>
+              <a:rPr lang="en-US" sz="2000" dirty="0">
+                <a:solidFill>
+                  <a:schemeClr val="tx2"/>
+                </a:solidFill>
+                <a:latin typeface="Open Sans" pitchFamily="2" charset="0"/>
+                <a:ea typeface="Open Sans" pitchFamily="2" charset="0"/>
+                <a:cs typeface="Open Sans" pitchFamily="2" charset="0"/>
+              </a:rPr>
+            </a:br>
+            <a:r>
+              <a:rPr lang="en-US" sz="1400" dirty="0">
+                <a:solidFill>
+                  <a:schemeClr val="tx2"/>
+                </a:solidFill>
+                <a:latin typeface="Open Sans" pitchFamily="2" charset="0"/>
+                <a:ea typeface="Open Sans" pitchFamily="2" charset="0"/>
+                <a:cs typeface="Open Sans" pitchFamily="2" charset="0"/>
+                <a:hlinkClick r:id="rId5"/>
+              </a:rPr>
+              <a:t>https://www.youtube.com/watch?v=qJWALEoGge4</a:t>
+            </a:r>
+            <a:r>
+              <a:rPr lang="en-US" sz="1400" dirty="0">
+                <a:solidFill>
+                  <a:schemeClr val="tx2"/>
+                </a:solidFill>
+                <a:latin typeface="Open Sans" pitchFamily="2" charset="0"/>
+                <a:ea typeface="Open Sans" pitchFamily="2" charset="0"/>
+                <a:cs typeface="Open Sans" pitchFamily="2" charset="0"/>
+              </a:rPr>
+              <a:t> </a:t>
+            </a:r>
+          </a:p>
+          <a:p>
+            <a:endParaRPr lang="en-US" dirty="0">
+              <a:solidFill>
+                <a:schemeClr val="tx2"/>
+              </a:solidFill>
+              <a:latin typeface="Open Sans" pitchFamily="2" charset="0"/>
+              <a:ea typeface="Open Sans" pitchFamily="2" charset="0"/>
+              <a:cs typeface="Open Sans" pitchFamily="2" charset="0"/>
+            </a:endParaRPr>
+          </a:p>
+        </p:txBody>
+      </p:sp>
+      <p:cxnSp>
+        <p:nvCxnSpPr>
+          <p:cNvPr id="23" name="Straight Connector 10">
+            <a:extLst>
+              <a:ext uri="{FF2B5EF4-FFF2-40B4-BE49-F238E27FC236}">
+                <a16:creationId xmlns:a16="http://schemas.microsoft.com/office/drawing/2014/main" id="{9E7C23BC-DAA6-40E1-8166-B8C4439D1430}"/>
+              </a:ext>
+              <a:ext uri="{C183D7F6-B498-43B3-948B-1728B52AA6E4}">
+                <adec:decorative xmlns:adec="http://schemas.microsoft.com/office/drawing/2017/decorative" val="1"/>
+              </a:ext>
+            </a:extLst>
+          </p:cNvPr>
+          <p:cNvCxnSpPr>
+            <a:cxnSpLocks noGrp="1" noRot="1" noChangeAspect="1" noMove="1" noResize="1" noEditPoints="1" noAdjustHandles="1" noChangeArrowheads="1" noChangeShapeType="1"/>
+          </p:cNvCxnSpPr>
+          <p:nvPr>
+            <p:extLst>
+              <p:ext uri="{386F3935-93C4-4BCD-93E2-E3B085C9AB24}">
+                <p16:designElem xmlns:p16="http://schemas.microsoft.com/office/powerpoint/2015/main" val="1"/>
+              </p:ext>
+            </p:extLst>
+          </p:nvPr>
+        </p:nvCxnSpPr>
+        <p:spPr>
+          <a:xfrm>
+            <a:off x="7759575" y="3690871"/>
+            <a:ext cx="540000" cy="0"/>
+          </a:xfrm>
+          <a:prstGeom prst="line">
+            <a:avLst/>
+          </a:prstGeom>
+          <a:ln w="12700">
+            <a:solidFill>
+              <a:srgbClr val="FFFFFF"/>
+            </a:solidFill>
+          </a:ln>
+        </p:spPr>
+        <p:style>
+          <a:lnRef idx="1">
+            <a:schemeClr val="accent1"/>
+          </a:lnRef>
+          <a:fillRef idx="0">
+            <a:schemeClr val="accent1"/>
+          </a:fillRef>
+          <a:effectRef idx="0">
+            <a:schemeClr val="accent1"/>
+          </a:effectRef>
+          <a:fontRef idx="minor">
+            <a:schemeClr val="tx1"/>
+          </a:fontRef>
+        </p:style>
+      </p:cxnSp>
+      <p:pic>
+        <p:nvPicPr>
+          <p:cNvPr id="1026" name="Picture 2" descr="AtayaCommerce">
+            <a:extLst>
+              <a:ext uri="{FF2B5EF4-FFF2-40B4-BE49-F238E27FC236}">
+                <a16:creationId xmlns:a16="http://schemas.microsoft.com/office/drawing/2014/main" id="{967F32F4-F099-5099-C324-F826E744FDE1}"/>
+              </a:ext>
+            </a:extLst>
+          </p:cNvPr>
+          <p:cNvPicPr>
+            <a:picLocks noChangeAspect="1" noChangeArrowheads="1"/>
+          </p:cNvPicPr>
+          <p:nvPr/>
+        </p:nvPicPr>
+        <p:blipFill>
+          <a:blip r:embed="rId6">
+            <a:extLst>
+              <a:ext uri="{28A0092B-C50C-407E-A947-70E740481C1C}">
+                <a14:useLocalDpi xmlns:a14="http://schemas.microsoft.com/office/drawing/2010/main" val="0"/>
+              </a:ext>
+            </a:extLst>
+          </a:blip>
+          <a:srcRect/>
+          <a:stretch>
+            <a:fillRect/>
+          </a:stretch>
+        </p:blipFill>
+        <p:spPr bwMode="auto">
+          <a:xfrm>
+            <a:off x="545310" y="5523894"/>
+            <a:ext cx="2443163" cy="1334096"/>
+          </a:xfrm>
+          <a:prstGeom prst="rect">
+            <a:avLst/>
+          </a:prstGeom>
+          <a:noFill/>
+          <a:extLst>
+            <a:ext uri="{909E8E84-426E-40DD-AFC4-6F175D3DCCD1}">
+              <a14:hiddenFill xmlns:a14="http://schemas.microsoft.com/office/drawing/2010/main">
+                <a:solidFill>
+                  <a:srgbClr val="FFFFFF"/>
+                </a:solidFill>
+              </a14:hiddenFill>
+            </a:ext>
+          </a:extLst>
+        </p:spPr>
+      </p:pic>
+    </p:spTree>
+    <p:extLst>
+      <p:ext uri="{BB962C8B-B14F-4D97-AF65-F5344CB8AC3E}">
+        <p14:creationId xmlns:p14="http://schemas.microsoft.com/office/powerpoint/2010/main" val="2537177381"/>
       </p:ext>
     </p:extLst>
   </p:cSld>
@@ -6829,7 +7668,7 @@
                 <a:ea typeface="Open Sans" pitchFamily="2" charset="0"/>
                 <a:cs typeface="Open Sans" pitchFamily="2" charset="0"/>
               </a:rPr>
-              <a:t>Intuitive Modularization</a:t>
+              <a:t>Wrappers to rescue</a:t>
             </a:r>
             <a:br>
               <a:rPr lang="en-US" sz="2200" b="1" dirty="0">
@@ -7384,7 +8223,7 @@
                 <a:ea typeface="Open Sans" pitchFamily="2" charset="0"/>
                 <a:cs typeface="Open Sans" pitchFamily="2" charset="0"/>
               </a:rPr>
-              <a:t>Intuitive Modularization</a:t>
+              <a:t>IIFEs as better wrappers</a:t>
             </a:r>
             <a:br>
               <a:rPr lang="en-US" sz="2200" b="1" dirty="0">
@@ -7454,13 +8293,13 @@
         </p:nvSpPr>
         <p:spPr>
           <a:xfrm>
-            <a:off x="4892194" y="715736"/>
-            <a:ext cx="6274762" cy="5429149"/>
+            <a:off x="4746171" y="163286"/>
+            <a:ext cx="6498771" cy="6455228"/>
           </a:xfrm>
         </p:spPr>
         <p:txBody>
           <a:bodyPr>
-            <a:normAutofit/>
+            <a:normAutofit lnSpcReduction="10000"/>
           </a:bodyPr>
           <a:lstStyle/>
           <a:p>
@@ -7556,6 +8395,92 @@
           </a:p>
           <a:p>
             <a:endParaRPr lang="en-US" sz="2000" i="1" dirty="0">
+              <a:solidFill>
+                <a:schemeClr val="tx2"/>
+              </a:solidFill>
+              <a:latin typeface="Open Sans" pitchFamily="2" charset="0"/>
+              <a:ea typeface="Open Sans" pitchFamily="2" charset="0"/>
+              <a:cs typeface="Open Sans" pitchFamily="2" charset="0"/>
+            </a:endParaRPr>
+          </a:p>
+          <a:p>
+            <a:r>
+              <a:rPr lang="en-US" sz="2000" i="1" dirty="0">
+                <a:solidFill>
+                  <a:schemeClr val="tx2"/>
+                </a:solidFill>
+                <a:latin typeface="Open Sans" pitchFamily="2" charset="0"/>
+                <a:ea typeface="Open Sans" pitchFamily="2" charset="0"/>
+                <a:cs typeface="Open Sans" pitchFamily="2" charset="0"/>
+              </a:rPr>
+              <a:t>IIFEs</a:t>
+            </a:r>
+            <a:r>
+              <a:rPr lang="en-US" sz="2000" dirty="0">
+                <a:solidFill>
+                  <a:schemeClr val="tx2"/>
+                </a:solidFill>
+                <a:latin typeface="Open Sans" pitchFamily="2" charset="0"/>
+                <a:ea typeface="Open Sans" pitchFamily="2" charset="0"/>
+                <a:cs typeface="Open Sans" pitchFamily="2" charset="0"/>
+              </a:rPr>
+              <a:t> introduce other problems:</a:t>
+            </a:r>
+          </a:p>
+          <a:p>
+            <a:pPr marL="1257300" lvl="2" indent="-342900" algn="l">
+              <a:buFont typeface="Arial" panose="020B0604020202020204" pitchFamily="34" charset="0"/>
+              <a:buChar char="•"/>
+            </a:pPr>
+            <a:r>
+              <a:rPr lang="en-US" sz="2000" dirty="0">
+                <a:solidFill>
+                  <a:schemeClr val="tx2"/>
+                </a:solidFill>
+                <a:latin typeface="Open Sans" pitchFamily="2" charset="0"/>
+                <a:ea typeface="Open Sans" pitchFamily="2" charset="0"/>
+                <a:cs typeface="Open Sans" pitchFamily="2" charset="0"/>
+              </a:rPr>
+              <a:t>Namespace pollution is not completely dealt with.</a:t>
+            </a:r>
+          </a:p>
+          <a:p>
+            <a:pPr marL="1257300" lvl="2" indent="-342900" algn="l">
+              <a:buFont typeface="Arial" panose="020B0604020202020204" pitchFamily="34" charset="0"/>
+              <a:buChar char="•"/>
+            </a:pPr>
+            <a:r>
+              <a:rPr lang="en-US" sz="2000" dirty="0">
+                <a:solidFill>
+                  <a:schemeClr val="tx2"/>
+                </a:solidFill>
+                <a:latin typeface="Open Sans" pitchFamily="2" charset="0"/>
+                <a:ea typeface="Open Sans" pitchFamily="2" charset="0"/>
+                <a:cs typeface="Open Sans" pitchFamily="2" charset="0"/>
+              </a:rPr>
+              <a:t>Order of execution matters now.</a:t>
+            </a:r>
+          </a:p>
+          <a:p>
+            <a:pPr lvl="2" algn="l"/>
+            <a:r>
+              <a:rPr lang="en-US" sz="2000" dirty="0">
+                <a:solidFill>
+                  <a:schemeClr val="tx2"/>
+                </a:solidFill>
+                <a:latin typeface="Open Sans" pitchFamily="2" charset="0"/>
+                <a:ea typeface="Open Sans" pitchFamily="2" charset="0"/>
+                <a:cs typeface="Open Sans" pitchFamily="2" charset="0"/>
+              </a:rPr>
+              <a:t>There should be some solution, here comes Common-JS</a:t>
+            </a:r>
+          </a:p>
+          <a:p>
+            <a:pPr marL="1257300" lvl="2" indent="-342900" algn="l">
+              <a:buFont typeface="Arial" panose="020B0604020202020204" pitchFamily="34" charset="0"/>
+              <a:buChar char="•"/>
+            </a:pPr>
+            <a:endParaRPr lang="en-US" sz="2000" dirty="0">
               <a:solidFill>
                 <a:schemeClr val="tx2"/>
               </a:solidFill>
@@ -7703,6 +8628,1879 @@
     <p:extLst>
       <p:ext uri="{BB962C8B-B14F-4D97-AF65-F5344CB8AC3E}">
         <p14:creationId xmlns:p14="http://schemas.microsoft.com/office/powerpoint/2010/main" val="2925721668"/>
+      </p:ext>
+    </p:extLst>
+  </p:cSld>
+  <p:clrMapOvr>
+    <a:masterClrMapping/>
+  </p:clrMapOvr>
+</p:sld>
+</file>
+
+<file path=ppt/slides/slide7.xml><?xml version="1.0" encoding="utf-8"?>
+<p:sld xmlns:a="http://schemas.openxmlformats.org/drawingml/2006/main" xmlns:r="http://schemas.openxmlformats.org/officeDocument/2006/relationships" xmlns:p="http://schemas.openxmlformats.org/presentationml/2006/main">
+  <p:cSld>
+    <p:bg>
+      <p:bgPr>
+        <a:solidFill>
+          <a:schemeClr val="bg1"/>
+        </a:solidFill>
+        <a:effectLst/>
+      </p:bgPr>
+    </p:bg>
+    <p:spTree>
+      <p:nvGrpSpPr>
+        <p:cNvPr id="1" name=""/>
+        <p:cNvGrpSpPr/>
+        <p:nvPr/>
+      </p:nvGrpSpPr>
+      <p:grpSpPr>
+        <a:xfrm>
+          <a:off x="0" y="0"/>
+          <a:ext cx="0" cy="0"/>
+          <a:chOff x="0" y="0"/>
+          <a:chExt cx="0" cy="0"/>
+        </a:xfrm>
+      </p:grpSpPr>
+      <p:sp useBgFill="1">
+        <p:nvSpPr>
+          <p:cNvPr id="21" name="Rectangle 8">
+            <a:extLst>
+              <a:ext uri="{FF2B5EF4-FFF2-40B4-BE49-F238E27FC236}">
+                <a16:creationId xmlns:a16="http://schemas.microsoft.com/office/drawing/2014/main" id="{44CA2EAD-E7C7-4F64-924A-52D34FD759C7}"/>
+              </a:ext>
+              <a:ext uri="{C183D7F6-B498-43B3-948B-1728B52AA6E4}">
+                <adec:decorative xmlns:adec="http://schemas.microsoft.com/office/drawing/2017/decorative" val="1"/>
+              </a:ext>
+            </a:extLst>
+          </p:cNvPr>
+          <p:cNvSpPr>
+            <a:spLocks noGrp="1" noRot="1" noChangeAspect="1" noMove="1" noResize="1" noEditPoints="1" noAdjustHandles="1" noChangeArrowheads="1" noChangeShapeType="1" noTextEdit="1"/>
+          </p:cNvSpPr>
+          <p:nvPr>
+            <p:extLst>
+              <p:ext uri="{386F3935-93C4-4BCD-93E2-E3B085C9AB24}">
+                <p16:designElem xmlns:p16="http://schemas.microsoft.com/office/powerpoint/2015/main" val="1"/>
+              </p:ext>
+            </p:extLst>
+          </p:nvPr>
+        </p:nvSpPr>
+        <p:spPr>
+          <a:xfrm>
+            <a:off x="0" y="0"/>
+            <a:ext cx="12192000" cy="6858000"/>
+          </a:xfrm>
+          <a:prstGeom prst="rect">
+            <a:avLst/>
+          </a:prstGeom>
+          <a:ln w="12700" cap="flat" cmpd="sng" algn="ctr">
+            <a:noFill/>
+            <a:prstDash val="solid"/>
+            <a:miter lim="800000"/>
+          </a:ln>
+          <a:effectLst/>
+          <a:extLst>
+            <a:ext uri="{91240B29-F687-4F45-9708-019B960494DF}">
+              <a14:hiddenLine xmlns:a14="http://schemas.microsoft.com/office/drawing/2010/main" w="12700" cap="flat" cmpd="sng" algn="ctr">
+                <a:solidFill>
+                  <a:schemeClr val="accent1">
+                    <a:shade val="50000"/>
+                  </a:schemeClr>
+                </a:solidFill>
+                <a:prstDash val="solid"/>
+                <a:miter lim="800000"/>
+              </a14:hiddenLine>
+            </a:ext>
+          </a:extLst>
+        </p:spPr>
+        <p:style>
+          <a:lnRef idx="2">
+            <a:schemeClr val="accent1">
+              <a:shade val="50000"/>
+            </a:schemeClr>
+          </a:lnRef>
+          <a:fillRef idx="1">
+            <a:schemeClr val="accent1"/>
+          </a:fillRef>
+          <a:effectRef idx="0">
+            <a:schemeClr val="accent1"/>
+          </a:effectRef>
+          <a:fontRef idx="minor">
+            <a:schemeClr val="lt1"/>
+          </a:fontRef>
+        </p:style>
+        <p:txBody>
+          <a:bodyPr rtlCol="0" anchor="ctr"/>
+          <a:lstStyle/>
+          <a:p>
+            <a:pPr algn="ctr"/>
+            <a:endParaRPr lang="en-US"/>
+          </a:p>
+        </p:txBody>
+      </p:sp>
+      <p:pic>
+        <p:nvPicPr>
+          <p:cNvPr id="22" name="Picture 3" descr="A white textured surface">
+            <a:extLst>
+              <a:ext uri="{FF2B5EF4-FFF2-40B4-BE49-F238E27FC236}">
+                <a16:creationId xmlns:a16="http://schemas.microsoft.com/office/drawing/2014/main" id="{F7A7F786-D0F5-CDE0-55EE-4544D57A4E16}"/>
+              </a:ext>
+            </a:extLst>
+          </p:cNvPr>
+          <p:cNvPicPr>
+            <a:picLocks noChangeAspect="1"/>
+          </p:cNvPicPr>
+          <p:nvPr/>
+        </p:nvPicPr>
+        <p:blipFill rotWithShape="1">
+          <a:blip r:embed="rId2"/>
+          <a:srcRect l="28993" r="33398" b="-1"/>
+          <a:stretch/>
+        </p:blipFill>
+        <p:spPr>
+          <a:xfrm>
+            <a:off x="0" y="-5633"/>
+            <a:ext cx="3867129" cy="6863623"/>
+          </a:xfrm>
+          <a:prstGeom prst="rect">
+            <a:avLst/>
+          </a:prstGeom>
+        </p:spPr>
+      </p:pic>
+      <p:sp>
+        <p:nvSpPr>
+          <p:cNvPr id="2" name="Title 1">
+            <a:extLst>
+              <a:ext uri="{FF2B5EF4-FFF2-40B4-BE49-F238E27FC236}">
+                <a16:creationId xmlns:a16="http://schemas.microsoft.com/office/drawing/2014/main" id="{82894886-98FD-D2C5-F2FA-12CE501F5893}"/>
+              </a:ext>
+            </a:extLst>
+          </p:cNvPr>
+          <p:cNvSpPr>
+            <a:spLocks noGrp="1"/>
+          </p:cNvSpPr>
+          <p:nvPr>
+            <p:ph type="ctrTitle"/>
+          </p:nvPr>
+        </p:nvSpPr>
+        <p:spPr>
+          <a:xfrm>
+            <a:off x="275630" y="715736"/>
+            <a:ext cx="3243263" cy="4557713"/>
+          </a:xfrm>
+        </p:spPr>
+        <p:txBody>
+          <a:bodyPr>
+            <a:normAutofit fontScale="90000"/>
+          </a:bodyPr>
+          <a:lstStyle/>
+          <a:p>
+            <a:r>
+              <a:rPr lang="en-US" sz="2200" b="1" dirty="0">
+                <a:latin typeface="Open Sans" pitchFamily="2" charset="0"/>
+                <a:ea typeface="Open Sans" pitchFamily="2" charset="0"/>
+                <a:cs typeface="Open Sans" pitchFamily="2" charset="0"/>
+              </a:rPr>
+              <a:t>JavaScript Module Systems</a:t>
+            </a:r>
+            <a:br>
+              <a:rPr lang="en-US" sz="2200" b="1" dirty="0">
+                <a:latin typeface="Open Sans" pitchFamily="2" charset="0"/>
+                <a:ea typeface="Open Sans" pitchFamily="2" charset="0"/>
+                <a:cs typeface="Open Sans" pitchFamily="2" charset="0"/>
+              </a:rPr>
+            </a:br>
+            <a:br>
+              <a:rPr lang="en-US" sz="2200" b="1" dirty="0">
+                <a:latin typeface="Open Sans" pitchFamily="2" charset="0"/>
+                <a:ea typeface="Open Sans" pitchFamily="2" charset="0"/>
+                <a:cs typeface="Open Sans" pitchFamily="2" charset="0"/>
+              </a:rPr>
+            </a:br>
+            <a:br>
+              <a:rPr lang="en-US" sz="2200" b="1" dirty="0">
+                <a:latin typeface="Open Sans" pitchFamily="2" charset="0"/>
+                <a:ea typeface="Open Sans" pitchFamily="2" charset="0"/>
+                <a:cs typeface="Open Sans" pitchFamily="2" charset="0"/>
+              </a:rPr>
+            </a:br>
+            <a:br>
+              <a:rPr lang="en-US" sz="2200" b="1" dirty="0">
+                <a:latin typeface="Open Sans" pitchFamily="2" charset="0"/>
+                <a:ea typeface="Open Sans" pitchFamily="2" charset="0"/>
+                <a:cs typeface="Open Sans" pitchFamily="2" charset="0"/>
+              </a:rPr>
+            </a:br>
+            <a:br>
+              <a:rPr lang="en-US" sz="2200" b="1" dirty="0">
+                <a:latin typeface="Open Sans" pitchFamily="2" charset="0"/>
+                <a:ea typeface="Open Sans" pitchFamily="2" charset="0"/>
+                <a:cs typeface="Open Sans" pitchFamily="2" charset="0"/>
+              </a:rPr>
+            </a:br>
+            <a:br>
+              <a:rPr lang="en-US" sz="2200" b="1" dirty="0">
+                <a:latin typeface="Open Sans" pitchFamily="2" charset="0"/>
+                <a:ea typeface="Open Sans" pitchFamily="2" charset="0"/>
+                <a:cs typeface="Open Sans" pitchFamily="2" charset="0"/>
+              </a:rPr>
+            </a:br>
+            <a:br>
+              <a:rPr lang="en-US" sz="2200" b="1" dirty="0">
+                <a:latin typeface="Open Sans" pitchFamily="2" charset="0"/>
+                <a:ea typeface="Open Sans" pitchFamily="2" charset="0"/>
+                <a:cs typeface="Open Sans" pitchFamily="2" charset="0"/>
+              </a:rPr>
+            </a:br>
+            <a:r>
+              <a:rPr lang="en-US" sz="2200" dirty="0">
+                <a:latin typeface="Open Sans" pitchFamily="2" charset="0"/>
+                <a:ea typeface="Open Sans" pitchFamily="2" charset="0"/>
+                <a:cs typeface="Open Sans" pitchFamily="2" charset="0"/>
+              </a:rPr>
+              <a:t>Here comes Common-JS</a:t>
+            </a:r>
+            <a:br>
+              <a:rPr lang="en-US" sz="2200" b="1" dirty="0">
+                <a:latin typeface="Open Sans" pitchFamily="2" charset="0"/>
+                <a:ea typeface="Open Sans" pitchFamily="2" charset="0"/>
+                <a:cs typeface="Open Sans" pitchFamily="2" charset="0"/>
+              </a:rPr>
+            </a:br>
+            <a:br>
+              <a:rPr lang="en-US" sz="2200" b="1" dirty="0">
+                <a:latin typeface="Open Sans" pitchFamily="2" charset="0"/>
+                <a:ea typeface="Open Sans" pitchFamily="2" charset="0"/>
+                <a:cs typeface="Open Sans" pitchFamily="2" charset="0"/>
+              </a:rPr>
+            </a:br>
+            <a:br>
+              <a:rPr lang="en-US" sz="2200" b="1" dirty="0">
+                <a:latin typeface="Open Sans" pitchFamily="2" charset="0"/>
+                <a:ea typeface="Open Sans" pitchFamily="2" charset="0"/>
+                <a:cs typeface="Open Sans" pitchFamily="2" charset="0"/>
+              </a:rPr>
+            </a:br>
+            <a:br>
+              <a:rPr lang="en-US" sz="2200" b="1" dirty="0">
+                <a:latin typeface="Open Sans" pitchFamily="2" charset="0"/>
+                <a:ea typeface="Open Sans" pitchFamily="2" charset="0"/>
+                <a:cs typeface="Open Sans" pitchFamily="2" charset="0"/>
+              </a:rPr>
+            </a:br>
+            <a:br>
+              <a:rPr lang="en-US" sz="2200" b="1" dirty="0">
+                <a:latin typeface="Open Sans" pitchFamily="2" charset="0"/>
+                <a:ea typeface="Open Sans" pitchFamily="2" charset="0"/>
+                <a:cs typeface="Open Sans" pitchFamily="2" charset="0"/>
+              </a:rPr>
+            </a:br>
+            <a:br>
+              <a:rPr lang="en-US" sz="2200" b="1" dirty="0">
+                <a:latin typeface="Open Sans" pitchFamily="2" charset="0"/>
+                <a:ea typeface="Open Sans" pitchFamily="2" charset="0"/>
+                <a:cs typeface="Open Sans" pitchFamily="2" charset="0"/>
+              </a:rPr>
+            </a:br>
+            <a:endParaRPr lang="en-US" sz="2200" b="1" dirty="0">
+              <a:latin typeface="Open Sans" pitchFamily="2" charset="0"/>
+              <a:ea typeface="Open Sans" pitchFamily="2" charset="0"/>
+              <a:cs typeface="Open Sans" pitchFamily="2" charset="0"/>
+            </a:endParaRPr>
+          </a:p>
+        </p:txBody>
+      </p:sp>
+      <p:sp>
+        <p:nvSpPr>
+          <p:cNvPr id="3" name="Subtitle 2">
+            <a:extLst>
+              <a:ext uri="{FF2B5EF4-FFF2-40B4-BE49-F238E27FC236}">
+                <a16:creationId xmlns:a16="http://schemas.microsoft.com/office/drawing/2014/main" id="{2DC7EA71-90B8-5F2C-71E4-DCC52B163EF1}"/>
+              </a:ext>
+            </a:extLst>
+          </p:cNvPr>
+          <p:cNvSpPr>
+            <a:spLocks noGrp="1"/>
+          </p:cNvSpPr>
+          <p:nvPr>
+            <p:ph type="subTitle" idx="1"/>
+          </p:nvPr>
+        </p:nvSpPr>
+        <p:spPr>
+          <a:xfrm>
+            <a:off x="4752182" y="230528"/>
+            <a:ext cx="6498771" cy="6455228"/>
+          </a:xfrm>
+        </p:spPr>
+        <p:txBody>
+          <a:bodyPr>
+            <a:normAutofit fontScale="77500" lnSpcReduction="20000"/>
+          </a:bodyPr>
+          <a:lstStyle/>
+          <a:p>
+            <a:r>
+              <a:rPr lang="en-US" sz="2600" dirty="0">
+                <a:solidFill>
+                  <a:schemeClr val="tx2"/>
+                </a:solidFill>
+                <a:latin typeface="Open Sans" pitchFamily="2" charset="0"/>
+                <a:ea typeface="Open Sans" pitchFamily="2" charset="0"/>
+                <a:cs typeface="Open Sans" pitchFamily="2" charset="0"/>
+              </a:rPr>
+              <a:t>Common-JS</a:t>
+            </a:r>
+          </a:p>
+          <a:p>
+            <a:r>
+              <a:rPr lang="en-US" sz="2000" dirty="0">
+                <a:solidFill>
+                  <a:schemeClr val="tx2"/>
+                </a:solidFill>
+                <a:latin typeface="Open Sans" pitchFamily="2" charset="0"/>
+                <a:ea typeface="Open Sans" pitchFamily="2" charset="0"/>
+                <a:cs typeface="Open Sans" pitchFamily="2" charset="0"/>
+              </a:rPr>
+              <a:t> </a:t>
+            </a:r>
+            <a:r>
+              <a:rPr lang="en-US" sz="1900" dirty="0">
+                <a:solidFill>
+                  <a:schemeClr val="tx2"/>
+                </a:solidFill>
+                <a:latin typeface="Open Sans" pitchFamily="2" charset="0"/>
+                <a:ea typeface="Open Sans" pitchFamily="2" charset="0"/>
+                <a:cs typeface="Open Sans" pitchFamily="2" charset="0"/>
+              </a:rPr>
+              <a:t>The Common-JS module system has the following features/caveats</a:t>
+            </a:r>
+          </a:p>
+          <a:p>
+            <a:pPr marL="1257300" lvl="2" indent="-342900" algn="l">
+              <a:buFont typeface="Arial" panose="020B0604020202020204" pitchFamily="34" charset="0"/>
+              <a:buChar char="•"/>
+            </a:pPr>
+            <a:r>
+              <a:rPr lang="en-US" sz="1900" dirty="0">
+                <a:solidFill>
+                  <a:schemeClr val="tx2"/>
+                </a:solidFill>
+                <a:latin typeface="Open Sans" pitchFamily="2" charset="0"/>
+                <a:ea typeface="Open Sans" pitchFamily="2" charset="0"/>
+                <a:cs typeface="Open Sans" pitchFamily="2" charset="0"/>
+              </a:rPr>
+              <a:t>File-based</a:t>
+            </a:r>
+          </a:p>
+          <a:p>
+            <a:pPr marL="1257300" lvl="2" indent="-342900" algn="l">
+              <a:buFont typeface="Arial" panose="020B0604020202020204" pitchFamily="34" charset="0"/>
+              <a:buChar char="•"/>
+            </a:pPr>
+            <a:r>
+              <a:rPr lang="en-US" sz="1900" dirty="0">
+                <a:solidFill>
+                  <a:schemeClr val="tx2"/>
+                </a:solidFill>
+                <a:latin typeface="Open Sans" pitchFamily="2" charset="0"/>
+                <a:ea typeface="Open Sans" pitchFamily="2" charset="0"/>
+                <a:cs typeface="Open Sans" pitchFamily="2" charset="0"/>
+              </a:rPr>
+              <a:t>Explicit Imports</a:t>
+            </a:r>
+          </a:p>
+          <a:p>
+            <a:pPr marL="1257300" lvl="2" indent="-342900" algn="l">
+              <a:buFont typeface="Arial" panose="020B0604020202020204" pitchFamily="34" charset="0"/>
+              <a:buChar char="•"/>
+            </a:pPr>
+            <a:r>
+              <a:rPr lang="en-US" sz="1900" dirty="0">
+                <a:solidFill>
+                  <a:schemeClr val="tx2"/>
+                </a:solidFill>
+                <a:latin typeface="Open Sans" pitchFamily="2" charset="0"/>
+                <a:ea typeface="Open Sans" pitchFamily="2" charset="0"/>
+                <a:cs typeface="Open Sans" pitchFamily="2" charset="0"/>
+              </a:rPr>
+              <a:t>Explicit Exports</a:t>
+            </a:r>
+          </a:p>
+          <a:p>
+            <a:pPr marL="1257300" lvl="2" indent="-342900" algn="l">
+              <a:buFont typeface="Arial" panose="020B0604020202020204" pitchFamily="34" charset="0"/>
+              <a:buChar char="•"/>
+            </a:pPr>
+            <a:r>
+              <a:rPr lang="en-US" sz="1900" dirty="0">
+                <a:solidFill>
+                  <a:schemeClr val="tx2"/>
+                </a:solidFill>
+                <a:latin typeface="Open Sans" pitchFamily="2" charset="0"/>
+                <a:ea typeface="Open Sans" pitchFamily="2" charset="0"/>
+                <a:cs typeface="Open Sans" pitchFamily="2" charset="0"/>
+              </a:rPr>
+              <a:t>Default module system in NodeJS, so very popular</a:t>
+            </a:r>
+          </a:p>
+          <a:p>
+            <a:pPr marL="1257300" lvl="2" indent="-342900" algn="l">
+              <a:buFont typeface="Arial" panose="020B0604020202020204" pitchFamily="34" charset="0"/>
+              <a:buChar char="•"/>
+            </a:pPr>
+            <a:r>
+              <a:rPr lang="en-US" sz="1900" dirty="0">
+                <a:solidFill>
+                  <a:schemeClr val="tx2"/>
+                </a:solidFill>
+                <a:latin typeface="Open Sans" pitchFamily="2" charset="0"/>
+                <a:ea typeface="Open Sans" pitchFamily="2" charset="0"/>
+                <a:cs typeface="Open Sans" pitchFamily="2" charset="0"/>
+              </a:rPr>
+              <a:t>Not very popular with browsers, so it requires a bundler like </a:t>
+            </a:r>
+            <a:r>
+              <a:rPr lang="en-US" sz="1900" b="1" i="1" dirty="0">
+                <a:solidFill>
+                  <a:schemeClr val="tx2"/>
+                </a:solidFill>
+                <a:latin typeface="Open Sans" pitchFamily="2" charset="0"/>
+                <a:ea typeface="Open Sans" pitchFamily="2" charset="0"/>
+                <a:cs typeface="Open Sans" pitchFamily="2" charset="0"/>
+              </a:rPr>
+              <a:t>Webpack or Browserify</a:t>
+            </a:r>
+          </a:p>
+          <a:p>
+            <a:pPr marL="1257300" lvl="2" indent="-342900" algn="l">
+              <a:buFont typeface="Arial" panose="020B0604020202020204" pitchFamily="34" charset="0"/>
+              <a:buChar char="•"/>
+            </a:pPr>
+            <a:endParaRPr lang="en-US" sz="1900" b="1" i="1" dirty="0">
+              <a:solidFill>
+                <a:schemeClr val="tx2"/>
+              </a:solidFill>
+              <a:latin typeface="Open Sans" pitchFamily="2" charset="0"/>
+              <a:ea typeface="Open Sans" pitchFamily="2" charset="0"/>
+              <a:cs typeface="Open Sans" pitchFamily="2" charset="0"/>
+            </a:endParaRPr>
+          </a:p>
+          <a:p>
+            <a:endParaRPr lang="en-US" sz="2000" i="1" dirty="0">
+              <a:solidFill>
+                <a:schemeClr val="tx2"/>
+              </a:solidFill>
+              <a:latin typeface="Open Sans" pitchFamily="2" charset="0"/>
+              <a:ea typeface="Open Sans" pitchFamily="2" charset="0"/>
+              <a:cs typeface="Open Sans" pitchFamily="2" charset="0"/>
+            </a:endParaRPr>
+          </a:p>
+          <a:p>
+            <a:endParaRPr lang="en-US" sz="2000" i="1" dirty="0">
+              <a:solidFill>
+                <a:schemeClr val="tx2"/>
+              </a:solidFill>
+              <a:latin typeface="Open Sans" pitchFamily="2" charset="0"/>
+              <a:ea typeface="Open Sans" pitchFamily="2" charset="0"/>
+              <a:cs typeface="Open Sans" pitchFamily="2" charset="0"/>
+            </a:endParaRPr>
+          </a:p>
+          <a:p>
+            <a:r>
+              <a:rPr lang="en-US" sz="1900" i="1" dirty="0">
+                <a:solidFill>
+                  <a:schemeClr val="tx2"/>
+                </a:solidFill>
+                <a:latin typeface="Open Sans" pitchFamily="2" charset="0"/>
+                <a:ea typeface="Open Sans" pitchFamily="2" charset="0"/>
+                <a:cs typeface="Open Sans" pitchFamily="2" charset="0"/>
+              </a:rPr>
+              <a:t>The Common-JS group defined a module format to solve JavaScript scope issues by making sure each module is executed in its own namespace. This is achieved by forcing modules to explicitly export those variables it wants to “expose” to the universe, and by defining those other modules required to properly work. </a:t>
+            </a:r>
+          </a:p>
+          <a:p>
+            <a:pPr algn="r"/>
+            <a:r>
+              <a:rPr lang="en-US" sz="1900" i="1" dirty="0">
+                <a:solidFill>
+                  <a:schemeClr val="tx2"/>
+                </a:solidFill>
+                <a:latin typeface="Open Sans" pitchFamily="2" charset="0"/>
+                <a:ea typeface="Open Sans" pitchFamily="2" charset="0"/>
+                <a:cs typeface="Open Sans" pitchFamily="2" charset="0"/>
+              </a:rPr>
+              <a:t>- Webpack Docs</a:t>
+            </a:r>
+          </a:p>
+          <a:p>
+            <a:pPr lvl="2" algn="l"/>
+            <a:r>
+              <a:rPr lang="en-US" sz="2000" i="1" dirty="0">
+                <a:solidFill>
+                  <a:schemeClr val="tx2"/>
+                </a:solidFill>
+                <a:latin typeface="Open Sans" pitchFamily="2" charset="0"/>
+                <a:ea typeface="Open Sans" pitchFamily="2" charset="0"/>
+                <a:cs typeface="Open Sans" pitchFamily="2" charset="0"/>
+              </a:rPr>
+              <a:t>                  &lt;code&gt;demo&lt;/code&gt;</a:t>
+            </a:r>
+          </a:p>
+          <a:p>
+            <a:pPr marL="1257300" lvl="2" indent="-342900" algn="l">
+              <a:buFont typeface="Arial" panose="020B0604020202020204" pitchFamily="34" charset="0"/>
+              <a:buChar char="•"/>
+            </a:pPr>
+            <a:endParaRPr lang="en-US" sz="2000" dirty="0">
+              <a:solidFill>
+                <a:schemeClr val="tx2"/>
+              </a:solidFill>
+              <a:latin typeface="Open Sans" pitchFamily="2" charset="0"/>
+              <a:ea typeface="Open Sans" pitchFamily="2" charset="0"/>
+              <a:cs typeface="Open Sans" pitchFamily="2" charset="0"/>
+            </a:endParaRPr>
+          </a:p>
+          <a:p>
+            <a:endParaRPr lang="en-US" sz="2000" dirty="0">
+              <a:solidFill>
+                <a:schemeClr val="tx2"/>
+              </a:solidFill>
+              <a:latin typeface="Open Sans" pitchFamily="2" charset="0"/>
+              <a:ea typeface="Open Sans" pitchFamily="2" charset="0"/>
+              <a:cs typeface="Open Sans" pitchFamily="2" charset="0"/>
+            </a:endParaRPr>
+          </a:p>
+          <a:p>
+            <a:pPr marL="342900" indent="-342900">
+              <a:buFontTx/>
+              <a:buChar char="-"/>
+            </a:pPr>
+            <a:endParaRPr lang="en-US" sz="2000" i="1" dirty="0">
+              <a:solidFill>
+                <a:schemeClr val="tx2"/>
+              </a:solidFill>
+              <a:latin typeface="Open Sans" pitchFamily="2" charset="0"/>
+              <a:ea typeface="Open Sans" pitchFamily="2" charset="0"/>
+              <a:cs typeface="Open Sans" pitchFamily="2" charset="0"/>
+            </a:endParaRPr>
+          </a:p>
+          <a:p>
+            <a:endParaRPr lang="en-US" dirty="0">
+              <a:solidFill>
+                <a:schemeClr val="tx2"/>
+              </a:solidFill>
+              <a:latin typeface="Open Sans" pitchFamily="2" charset="0"/>
+              <a:ea typeface="Open Sans" pitchFamily="2" charset="0"/>
+              <a:cs typeface="Open Sans" pitchFamily="2" charset="0"/>
+            </a:endParaRPr>
+          </a:p>
+        </p:txBody>
+      </p:sp>
+      <p:cxnSp>
+        <p:nvCxnSpPr>
+          <p:cNvPr id="23" name="Straight Connector 10">
+            <a:extLst>
+              <a:ext uri="{FF2B5EF4-FFF2-40B4-BE49-F238E27FC236}">
+                <a16:creationId xmlns:a16="http://schemas.microsoft.com/office/drawing/2014/main" id="{9E7C23BC-DAA6-40E1-8166-B8C4439D1430}"/>
+              </a:ext>
+              <a:ext uri="{C183D7F6-B498-43B3-948B-1728B52AA6E4}">
+                <adec:decorative xmlns:adec="http://schemas.microsoft.com/office/drawing/2017/decorative" val="1"/>
+              </a:ext>
+            </a:extLst>
+          </p:cNvPr>
+          <p:cNvCxnSpPr>
+            <a:cxnSpLocks noGrp="1" noRot="1" noChangeAspect="1" noMove="1" noResize="1" noEditPoints="1" noAdjustHandles="1" noChangeArrowheads="1" noChangeShapeType="1"/>
+          </p:cNvCxnSpPr>
+          <p:nvPr>
+            <p:extLst>
+              <p:ext uri="{386F3935-93C4-4BCD-93E2-E3B085C9AB24}">
+                <p16:designElem xmlns:p16="http://schemas.microsoft.com/office/powerpoint/2015/main" val="1"/>
+              </p:ext>
+            </p:extLst>
+          </p:nvPr>
+        </p:nvCxnSpPr>
+        <p:spPr>
+          <a:xfrm>
+            <a:off x="7759575" y="3690871"/>
+            <a:ext cx="540000" cy="0"/>
+          </a:xfrm>
+          <a:prstGeom prst="line">
+            <a:avLst/>
+          </a:prstGeom>
+          <a:ln w="12700">
+            <a:solidFill>
+              <a:srgbClr val="FFFFFF"/>
+            </a:solidFill>
+          </a:ln>
+        </p:spPr>
+        <p:style>
+          <a:lnRef idx="1">
+            <a:schemeClr val="accent1"/>
+          </a:lnRef>
+          <a:fillRef idx="0">
+            <a:schemeClr val="accent1"/>
+          </a:fillRef>
+          <a:effectRef idx="0">
+            <a:schemeClr val="accent1"/>
+          </a:effectRef>
+          <a:fontRef idx="minor">
+            <a:schemeClr val="tx1"/>
+          </a:fontRef>
+        </p:style>
+      </p:cxnSp>
+      <p:pic>
+        <p:nvPicPr>
+          <p:cNvPr id="1026" name="Picture 2" descr="AtayaCommerce">
+            <a:extLst>
+              <a:ext uri="{FF2B5EF4-FFF2-40B4-BE49-F238E27FC236}">
+                <a16:creationId xmlns:a16="http://schemas.microsoft.com/office/drawing/2014/main" id="{967F32F4-F099-5099-C324-F826E744FDE1}"/>
+              </a:ext>
+            </a:extLst>
+          </p:cNvPr>
+          <p:cNvPicPr>
+            <a:picLocks noChangeAspect="1" noChangeArrowheads="1"/>
+          </p:cNvPicPr>
+          <p:nvPr/>
+        </p:nvPicPr>
+        <p:blipFill>
+          <a:blip r:embed="rId3">
+            <a:extLst>
+              <a:ext uri="{28A0092B-C50C-407E-A947-70E740481C1C}">
+                <a14:useLocalDpi xmlns:a14="http://schemas.microsoft.com/office/drawing/2010/main" val="0"/>
+              </a:ext>
+            </a:extLst>
+          </a:blip>
+          <a:srcRect/>
+          <a:stretch>
+            <a:fillRect/>
+          </a:stretch>
+        </p:blipFill>
+        <p:spPr bwMode="auto">
+          <a:xfrm>
+            <a:off x="545310" y="5523894"/>
+            <a:ext cx="2443163" cy="1334096"/>
+          </a:xfrm>
+          <a:prstGeom prst="rect">
+            <a:avLst/>
+          </a:prstGeom>
+          <a:noFill/>
+          <a:extLst>
+            <a:ext uri="{909E8E84-426E-40DD-AFC4-6F175D3DCCD1}">
+              <a14:hiddenFill xmlns:a14="http://schemas.microsoft.com/office/drawing/2010/main">
+                <a:solidFill>
+                  <a:srgbClr val="FFFFFF"/>
+                </a:solidFill>
+              </a14:hiddenFill>
+            </a:ext>
+          </a:extLst>
+        </p:spPr>
+      </p:pic>
+      <p:pic>
+        <p:nvPicPr>
+          <p:cNvPr id="5" name="Picture 4" descr="A screenshot of a computer&#10;&#10;Description automatically generated with medium confidence">
+            <a:extLst>
+              <a:ext uri="{FF2B5EF4-FFF2-40B4-BE49-F238E27FC236}">
+                <a16:creationId xmlns:a16="http://schemas.microsoft.com/office/drawing/2014/main" id="{8CB7700A-3393-F718-A900-494E1AF6C21C}"/>
+              </a:ext>
+            </a:extLst>
+          </p:cNvPr>
+          <p:cNvPicPr>
+            <a:picLocks noChangeAspect="1"/>
+          </p:cNvPicPr>
+          <p:nvPr/>
+        </p:nvPicPr>
+        <p:blipFill>
+          <a:blip r:embed="rId4"/>
+          <a:stretch>
+            <a:fillRect/>
+          </a:stretch>
+        </p:blipFill>
+        <p:spPr>
+          <a:xfrm>
+            <a:off x="5611302" y="3429000"/>
+            <a:ext cx="4673600" cy="927100"/>
+          </a:xfrm>
+          <a:prstGeom prst="rect">
+            <a:avLst/>
+          </a:prstGeom>
+        </p:spPr>
+      </p:pic>
+    </p:spTree>
+    <p:extLst>
+      <p:ext uri="{BB962C8B-B14F-4D97-AF65-F5344CB8AC3E}">
+        <p14:creationId xmlns:p14="http://schemas.microsoft.com/office/powerpoint/2010/main" val="3044811432"/>
+      </p:ext>
+    </p:extLst>
+  </p:cSld>
+  <p:clrMapOvr>
+    <a:masterClrMapping/>
+  </p:clrMapOvr>
+</p:sld>
+</file>
+
+<file path=ppt/slides/slide8.xml><?xml version="1.0" encoding="utf-8"?>
+<p:sld xmlns:a="http://schemas.openxmlformats.org/drawingml/2006/main" xmlns:r="http://schemas.openxmlformats.org/officeDocument/2006/relationships" xmlns:p="http://schemas.openxmlformats.org/presentationml/2006/main">
+  <p:cSld>
+    <p:bg>
+      <p:bgPr>
+        <a:solidFill>
+          <a:schemeClr val="bg1"/>
+        </a:solidFill>
+        <a:effectLst/>
+      </p:bgPr>
+    </p:bg>
+    <p:spTree>
+      <p:nvGrpSpPr>
+        <p:cNvPr id="1" name=""/>
+        <p:cNvGrpSpPr/>
+        <p:nvPr/>
+      </p:nvGrpSpPr>
+      <p:grpSpPr>
+        <a:xfrm>
+          <a:off x="0" y="0"/>
+          <a:ext cx="0" cy="0"/>
+          <a:chOff x="0" y="0"/>
+          <a:chExt cx="0" cy="0"/>
+        </a:xfrm>
+      </p:grpSpPr>
+      <p:sp useBgFill="1">
+        <p:nvSpPr>
+          <p:cNvPr id="21" name="Rectangle 8">
+            <a:extLst>
+              <a:ext uri="{FF2B5EF4-FFF2-40B4-BE49-F238E27FC236}">
+                <a16:creationId xmlns:a16="http://schemas.microsoft.com/office/drawing/2014/main" id="{44CA2EAD-E7C7-4F64-924A-52D34FD759C7}"/>
+              </a:ext>
+              <a:ext uri="{C183D7F6-B498-43B3-948B-1728B52AA6E4}">
+                <adec:decorative xmlns:adec="http://schemas.microsoft.com/office/drawing/2017/decorative" val="1"/>
+              </a:ext>
+            </a:extLst>
+          </p:cNvPr>
+          <p:cNvSpPr>
+            <a:spLocks noGrp="1" noRot="1" noChangeAspect="1" noMove="1" noResize="1" noEditPoints="1" noAdjustHandles="1" noChangeArrowheads="1" noChangeShapeType="1" noTextEdit="1"/>
+          </p:cNvSpPr>
+          <p:nvPr>
+            <p:extLst>
+              <p:ext uri="{386F3935-93C4-4BCD-93E2-E3B085C9AB24}">
+                <p16:designElem xmlns:p16="http://schemas.microsoft.com/office/powerpoint/2015/main" val="1"/>
+              </p:ext>
+            </p:extLst>
+          </p:nvPr>
+        </p:nvSpPr>
+        <p:spPr>
+          <a:xfrm>
+            <a:off x="0" y="0"/>
+            <a:ext cx="12192000" cy="6858000"/>
+          </a:xfrm>
+          <a:prstGeom prst="rect">
+            <a:avLst/>
+          </a:prstGeom>
+          <a:ln w="12700" cap="flat" cmpd="sng" algn="ctr">
+            <a:noFill/>
+            <a:prstDash val="solid"/>
+            <a:miter lim="800000"/>
+          </a:ln>
+          <a:effectLst/>
+          <a:extLst>
+            <a:ext uri="{91240B29-F687-4F45-9708-019B960494DF}">
+              <a14:hiddenLine xmlns:a14="http://schemas.microsoft.com/office/drawing/2010/main" w="12700" cap="flat" cmpd="sng" algn="ctr">
+                <a:solidFill>
+                  <a:schemeClr val="accent1">
+                    <a:shade val="50000"/>
+                  </a:schemeClr>
+                </a:solidFill>
+                <a:prstDash val="solid"/>
+                <a:miter lim="800000"/>
+              </a14:hiddenLine>
+            </a:ext>
+          </a:extLst>
+        </p:spPr>
+        <p:style>
+          <a:lnRef idx="2">
+            <a:schemeClr val="accent1">
+              <a:shade val="50000"/>
+            </a:schemeClr>
+          </a:lnRef>
+          <a:fillRef idx="1">
+            <a:schemeClr val="accent1"/>
+          </a:fillRef>
+          <a:effectRef idx="0">
+            <a:schemeClr val="accent1"/>
+          </a:effectRef>
+          <a:fontRef idx="minor">
+            <a:schemeClr val="lt1"/>
+          </a:fontRef>
+        </p:style>
+        <p:txBody>
+          <a:bodyPr rtlCol="0" anchor="ctr"/>
+          <a:lstStyle/>
+          <a:p>
+            <a:pPr algn="ctr"/>
+            <a:endParaRPr lang="en-US"/>
+          </a:p>
+        </p:txBody>
+      </p:sp>
+      <p:pic>
+        <p:nvPicPr>
+          <p:cNvPr id="22" name="Picture 3" descr="A white textured surface">
+            <a:extLst>
+              <a:ext uri="{FF2B5EF4-FFF2-40B4-BE49-F238E27FC236}">
+                <a16:creationId xmlns:a16="http://schemas.microsoft.com/office/drawing/2014/main" id="{F7A7F786-D0F5-CDE0-55EE-4544D57A4E16}"/>
+              </a:ext>
+            </a:extLst>
+          </p:cNvPr>
+          <p:cNvPicPr>
+            <a:picLocks noChangeAspect="1"/>
+          </p:cNvPicPr>
+          <p:nvPr/>
+        </p:nvPicPr>
+        <p:blipFill rotWithShape="1">
+          <a:blip r:embed="rId2"/>
+          <a:srcRect l="28993" r="33398" b="-1"/>
+          <a:stretch/>
+        </p:blipFill>
+        <p:spPr>
+          <a:xfrm>
+            <a:off x="0" y="-5633"/>
+            <a:ext cx="3867129" cy="6863623"/>
+          </a:xfrm>
+          <a:prstGeom prst="rect">
+            <a:avLst/>
+          </a:prstGeom>
+        </p:spPr>
+      </p:pic>
+      <p:sp>
+        <p:nvSpPr>
+          <p:cNvPr id="2" name="Title 1">
+            <a:extLst>
+              <a:ext uri="{FF2B5EF4-FFF2-40B4-BE49-F238E27FC236}">
+                <a16:creationId xmlns:a16="http://schemas.microsoft.com/office/drawing/2014/main" id="{82894886-98FD-D2C5-F2FA-12CE501F5893}"/>
+              </a:ext>
+            </a:extLst>
+          </p:cNvPr>
+          <p:cNvSpPr>
+            <a:spLocks noGrp="1"/>
+          </p:cNvSpPr>
+          <p:nvPr>
+            <p:ph type="ctrTitle"/>
+          </p:nvPr>
+        </p:nvSpPr>
+        <p:spPr>
+          <a:xfrm>
+            <a:off x="275630" y="715736"/>
+            <a:ext cx="3243263" cy="4557713"/>
+          </a:xfrm>
+        </p:spPr>
+        <p:txBody>
+          <a:bodyPr>
+            <a:normAutofit fontScale="90000"/>
+          </a:bodyPr>
+          <a:lstStyle/>
+          <a:p>
+            <a:r>
+              <a:rPr lang="en-US" sz="2200" b="1" dirty="0">
+                <a:latin typeface="Open Sans" pitchFamily="2" charset="0"/>
+                <a:ea typeface="Open Sans" pitchFamily="2" charset="0"/>
+                <a:cs typeface="Open Sans" pitchFamily="2" charset="0"/>
+              </a:rPr>
+              <a:t>JavaScript Module Systems</a:t>
+            </a:r>
+            <a:br>
+              <a:rPr lang="en-US" sz="2200" b="1" dirty="0">
+                <a:latin typeface="Open Sans" pitchFamily="2" charset="0"/>
+                <a:ea typeface="Open Sans" pitchFamily="2" charset="0"/>
+                <a:cs typeface="Open Sans" pitchFamily="2" charset="0"/>
+              </a:rPr>
+            </a:br>
+            <a:br>
+              <a:rPr lang="en-US" sz="2200" b="1" dirty="0">
+                <a:latin typeface="Open Sans" pitchFamily="2" charset="0"/>
+                <a:ea typeface="Open Sans" pitchFamily="2" charset="0"/>
+                <a:cs typeface="Open Sans" pitchFamily="2" charset="0"/>
+              </a:rPr>
+            </a:br>
+            <a:br>
+              <a:rPr lang="en-US" sz="2200" b="1" dirty="0">
+                <a:latin typeface="Open Sans" pitchFamily="2" charset="0"/>
+                <a:ea typeface="Open Sans" pitchFamily="2" charset="0"/>
+                <a:cs typeface="Open Sans" pitchFamily="2" charset="0"/>
+              </a:rPr>
+            </a:br>
+            <a:br>
+              <a:rPr lang="en-US" sz="2200" b="1" dirty="0">
+                <a:latin typeface="Open Sans" pitchFamily="2" charset="0"/>
+                <a:ea typeface="Open Sans" pitchFamily="2" charset="0"/>
+                <a:cs typeface="Open Sans" pitchFamily="2" charset="0"/>
+              </a:rPr>
+            </a:br>
+            <a:br>
+              <a:rPr lang="en-US" sz="2200" b="1" dirty="0">
+                <a:latin typeface="Open Sans" pitchFamily="2" charset="0"/>
+                <a:ea typeface="Open Sans" pitchFamily="2" charset="0"/>
+                <a:cs typeface="Open Sans" pitchFamily="2" charset="0"/>
+              </a:rPr>
+            </a:br>
+            <a:br>
+              <a:rPr lang="en-US" sz="2200" b="1" dirty="0">
+                <a:latin typeface="Open Sans" pitchFamily="2" charset="0"/>
+                <a:ea typeface="Open Sans" pitchFamily="2" charset="0"/>
+                <a:cs typeface="Open Sans" pitchFamily="2" charset="0"/>
+              </a:rPr>
+            </a:br>
+            <a:br>
+              <a:rPr lang="en-US" sz="2200" b="1" dirty="0">
+                <a:latin typeface="Open Sans" pitchFamily="2" charset="0"/>
+                <a:ea typeface="Open Sans" pitchFamily="2" charset="0"/>
+                <a:cs typeface="Open Sans" pitchFamily="2" charset="0"/>
+              </a:rPr>
+            </a:br>
+            <a:r>
+              <a:rPr lang="en-US" sz="2200" dirty="0">
+                <a:latin typeface="Open Sans" pitchFamily="2" charset="0"/>
+                <a:ea typeface="Open Sans" pitchFamily="2" charset="0"/>
+                <a:cs typeface="Open Sans" pitchFamily="2" charset="0"/>
+              </a:rPr>
+              <a:t>Common-JS Pitfalls</a:t>
+            </a:r>
+            <a:br>
+              <a:rPr lang="en-US" sz="2200" b="1" dirty="0">
+                <a:latin typeface="Open Sans" pitchFamily="2" charset="0"/>
+                <a:ea typeface="Open Sans" pitchFamily="2" charset="0"/>
+                <a:cs typeface="Open Sans" pitchFamily="2" charset="0"/>
+              </a:rPr>
+            </a:br>
+            <a:br>
+              <a:rPr lang="en-US" sz="2200" b="1" dirty="0">
+                <a:latin typeface="Open Sans" pitchFamily="2" charset="0"/>
+                <a:ea typeface="Open Sans" pitchFamily="2" charset="0"/>
+                <a:cs typeface="Open Sans" pitchFamily="2" charset="0"/>
+              </a:rPr>
+            </a:br>
+            <a:br>
+              <a:rPr lang="en-US" sz="2200" b="1" dirty="0">
+                <a:latin typeface="Open Sans" pitchFamily="2" charset="0"/>
+                <a:ea typeface="Open Sans" pitchFamily="2" charset="0"/>
+                <a:cs typeface="Open Sans" pitchFamily="2" charset="0"/>
+              </a:rPr>
+            </a:br>
+            <a:br>
+              <a:rPr lang="en-US" sz="2200" b="1" dirty="0">
+                <a:latin typeface="Open Sans" pitchFamily="2" charset="0"/>
+                <a:ea typeface="Open Sans" pitchFamily="2" charset="0"/>
+                <a:cs typeface="Open Sans" pitchFamily="2" charset="0"/>
+              </a:rPr>
+            </a:br>
+            <a:br>
+              <a:rPr lang="en-US" sz="2200" b="1" dirty="0">
+                <a:latin typeface="Open Sans" pitchFamily="2" charset="0"/>
+                <a:ea typeface="Open Sans" pitchFamily="2" charset="0"/>
+                <a:cs typeface="Open Sans" pitchFamily="2" charset="0"/>
+              </a:rPr>
+            </a:br>
+            <a:br>
+              <a:rPr lang="en-US" sz="2200" b="1" dirty="0">
+                <a:latin typeface="Open Sans" pitchFamily="2" charset="0"/>
+                <a:ea typeface="Open Sans" pitchFamily="2" charset="0"/>
+                <a:cs typeface="Open Sans" pitchFamily="2" charset="0"/>
+              </a:rPr>
+            </a:br>
+            <a:endParaRPr lang="en-US" sz="2200" b="1" dirty="0">
+              <a:latin typeface="Open Sans" pitchFamily="2" charset="0"/>
+              <a:ea typeface="Open Sans" pitchFamily="2" charset="0"/>
+              <a:cs typeface="Open Sans" pitchFamily="2" charset="0"/>
+            </a:endParaRPr>
+          </a:p>
+        </p:txBody>
+      </p:sp>
+      <p:sp>
+        <p:nvSpPr>
+          <p:cNvPr id="3" name="Subtitle 2">
+            <a:extLst>
+              <a:ext uri="{FF2B5EF4-FFF2-40B4-BE49-F238E27FC236}">
+                <a16:creationId xmlns:a16="http://schemas.microsoft.com/office/drawing/2014/main" id="{2DC7EA71-90B8-5F2C-71E4-DCC52B163EF1}"/>
+              </a:ext>
+            </a:extLst>
+          </p:cNvPr>
+          <p:cNvSpPr>
+            <a:spLocks noGrp="1"/>
+          </p:cNvSpPr>
+          <p:nvPr>
+            <p:ph type="subTitle" idx="1"/>
+          </p:nvPr>
+        </p:nvSpPr>
+        <p:spPr>
+          <a:xfrm>
+            <a:off x="4752182" y="230528"/>
+            <a:ext cx="6498771" cy="6455228"/>
+          </a:xfrm>
+        </p:spPr>
+        <p:txBody>
+          <a:bodyPr>
+            <a:normAutofit/>
+          </a:bodyPr>
+          <a:lstStyle/>
+          <a:p>
+            <a:r>
+              <a:rPr lang="en-US" sz="2200" dirty="0">
+                <a:solidFill>
+                  <a:schemeClr val="tx2"/>
+                </a:solidFill>
+                <a:latin typeface="Open Sans" pitchFamily="2" charset="0"/>
+                <a:ea typeface="Open Sans" pitchFamily="2" charset="0"/>
+                <a:cs typeface="Open Sans" pitchFamily="2" charset="0"/>
+              </a:rPr>
+              <a:t>Common-JS doesn’t solve all the problems</a:t>
+            </a:r>
+            <a:endParaRPr lang="en-US" sz="2000" dirty="0">
+              <a:solidFill>
+                <a:schemeClr val="tx2"/>
+              </a:solidFill>
+              <a:latin typeface="Open Sans" pitchFamily="2" charset="0"/>
+              <a:ea typeface="Open Sans" pitchFamily="2" charset="0"/>
+              <a:cs typeface="Open Sans" pitchFamily="2" charset="0"/>
+            </a:endParaRPr>
+          </a:p>
+          <a:p>
+            <a:r>
+              <a:rPr lang="en-US" sz="2000" dirty="0">
+                <a:solidFill>
+                  <a:schemeClr val="tx2"/>
+                </a:solidFill>
+                <a:latin typeface="Open Sans" pitchFamily="2" charset="0"/>
+                <a:ea typeface="Open Sans" pitchFamily="2" charset="0"/>
+                <a:cs typeface="Open Sans" pitchFamily="2" charset="0"/>
+              </a:rPr>
+              <a:t> </a:t>
+            </a:r>
+            <a:r>
+              <a:rPr lang="en-US" sz="1900" dirty="0">
+                <a:solidFill>
+                  <a:schemeClr val="tx2"/>
+                </a:solidFill>
+                <a:latin typeface="Open Sans" pitchFamily="2" charset="0"/>
+                <a:ea typeface="Open Sans" pitchFamily="2" charset="0"/>
+                <a:cs typeface="Open Sans" pitchFamily="2" charset="0"/>
+              </a:rPr>
+              <a:t>The Common-JS module is good but not perfect.</a:t>
+            </a:r>
+          </a:p>
+          <a:p>
+            <a:endParaRPr lang="en-US" sz="1900" dirty="0">
+              <a:solidFill>
+                <a:schemeClr val="tx2"/>
+              </a:solidFill>
+              <a:latin typeface="Open Sans" pitchFamily="2" charset="0"/>
+              <a:ea typeface="Open Sans" pitchFamily="2" charset="0"/>
+              <a:cs typeface="Open Sans" pitchFamily="2" charset="0"/>
+            </a:endParaRPr>
+          </a:p>
+          <a:p>
+            <a:r>
+              <a:rPr lang="en-US" sz="1900" dirty="0">
+                <a:solidFill>
+                  <a:schemeClr val="tx2"/>
+                </a:solidFill>
+                <a:latin typeface="Open Sans" pitchFamily="2" charset="0"/>
+                <a:ea typeface="Open Sans" pitchFamily="2" charset="0"/>
+                <a:cs typeface="Open Sans" pitchFamily="2" charset="0"/>
+              </a:rPr>
+              <a:t>- No async loading of modules (Browser’s memory stack is hung when a module is loaded)</a:t>
+            </a:r>
+          </a:p>
+          <a:p>
+            <a:r>
+              <a:rPr lang="en-US" sz="1900" dirty="0">
+                <a:solidFill>
+                  <a:schemeClr val="tx2"/>
+                </a:solidFill>
+                <a:latin typeface="Open Sans" pitchFamily="2" charset="0"/>
+                <a:ea typeface="Open Sans" pitchFamily="2" charset="0"/>
+                <a:cs typeface="Open Sans" pitchFamily="2" charset="0"/>
+              </a:rPr>
+              <a:t>-  The </a:t>
+            </a:r>
+            <a:r>
+              <a:rPr lang="en-US" sz="1900" i="1" dirty="0">
+                <a:solidFill>
+                  <a:schemeClr val="tx2"/>
+                </a:solidFill>
+                <a:latin typeface="Open Sans" pitchFamily="2" charset="0"/>
+                <a:ea typeface="Open Sans" pitchFamily="2" charset="0"/>
+                <a:cs typeface="Open Sans" pitchFamily="2" charset="0"/>
+              </a:rPr>
+              <a:t>require </a:t>
+            </a:r>
+            <a:r>
+              <a:rPr lang="en-US" sz="1900" dirty="0">
+                <a:solidFill>
+                  <a:schemeClr val="tx2"/>
+                </a:solidFill>
+                <a:latin typeface="Open Sans" pitchFamily="2" charset="0"/>
+                <a:ea typeface="Open Sans" pitchFamily="2" charset="0"/>
+                <a:cs typeface="Open Sans" pitchFamily="2" charset="0"/>
+              </a:rPr>
+              <a:t>statement is a function and so it doesn’t give you the feel that you’re importing something. This often leads to a flawed design.</a:t>
+            </a:r>
+          </a:p>
+          <a:p>
+            <a:r>
+              <a:rPr lang="en-US" sz="1900" i="1" dirty="0">
+                <a:solidFill>
+                  <a:schemeClr val="tx2"/>
+                </a:solidFill>
+                <a:latin typeface="Open Sans" pitchFamily="2" charset="0"/>
+                <a:ea typeface="Open Sans" pitchFamily="2" charset="0"/>
+                <a:cs typeface="Open Sans" pitchFamily="2" charset="0"/>
+              </a:rPr>
+              <a:t>-</a:t>
+            </a:r>
+            <a:r>
+              <a:rPr lang="en-US" sz="1900" dirty="0">
+                <a:solidFill>
+                  <a:schemeClr val="tx2"/>
+                </a:solidFill>
+                <a:latin typeface="Open Sans" pitchFamily="2" charset="0"/>
+                <a:ea typeface="Open Sans" pitchFamily="2" charset="0"/>
+                <a:cs typeface="Open Sans" pitchFamily="2" charset="0"/>
+              </a:rPr>
+              <a:t> There are other downsides which doesn’t warrant a discussion in this thread.</a:t>
+            </a:r>
+            <a:endParaRPr lang="en-US" sz="1900" i="1" dirty="0">
+              <a:solidFill>
+                <a:schemeClr val="tx2"/>
+              </a:solidFill>
+              <a:latin typeface="Open Sans" pitchFamily="2" charset="0"/>
+              <a:ea typeface="Open Sans" pitchFamily="2" charset="0"/>
+              <a:cs typeface="Open Sans" pitchFamily="2" charset="0"/>
+            </a:endParaRPr>
+          </a:p>
+          <a:p>
+            <a:pPr marL="1257300" lvl="2" indent="-342900" algn="l">
+              <a:buFont typeface="Arial" panose="020B0604020202020204" pitchFamily="34" charset="0"/>
+              <a:buChar char="•"/>
+            </a:pPr>
+            <a:endParaRPr lang="en-US" sz="2000" dirty="0">
+              <a:solidFill>
+                <a:schemeClr val="tx2"/>
+              </a:solidFill>
+              <a:latin typeface="Open Sans" pitchFamily="2" charset="0"/>
+              <a:ea typeface="Open Sans" pitchFamily="2" charset="0"/>
+              <a:cs typeface="Open Sans" pitchFamily="2" charset="0"/>
+            </a:endParaRPr>
+          </a:p>
+          <a:p>
+            <a:endParaRPr lang="en-US" sz="2000" dirty="0">
+              <a:solidFill>
+                <a:schemeClr val="tx2"/>
+              </a:solidFill>
+              <a:latin typeface="Open Sans" pitchFamily="2" charset="0"/>
+              <a:ea typeface="Open Sans" pitchFamily="2" charset="0"/>
+              <a:cs typeface="Open Sans" pitchFamily="2" charset="0"/>
+            </a:endParaRPr>
+          </a:p>
+          <a:p>
+            <a:pPr marL="342900" indent="-342900">
+              <a:buFontTx/>
+              <a:buChar char="-"/>
+            </a:pPr>
+            <a:endParaRPr lang="en-US" sz="2000" i="1" dirty="0">
+              <a:solidFill>
+                <a:schemeClr val="tx2"/>
+              </a:solidFill>
+              <a:latin typeface="Open Sans" pitchFamily="2" charset="0"/>
+              <a:ea typeface="Open Sans" pitchFamily="2" charset="0"/>
+              <a:cs typeface="Open Sans" pitchFamily="2" charset="0"/>
+            </a:endParaRPr>
+          </a:p>
+          <a:p>
+            <a:endParaRPr lang="en-US" dirty="0">
+              <a:solidFill>
+                <a:schemeClr val="tx2"/>
+              </a:solidFill>
+              <a:latin typeface="Open Sans" pitchFamily="2" charset="0"/>
+              <a:ea typeface="Open Sans" pitchFamily="2" charset="0"/>
+              <a:cs typeface="Open Sans" pitchFamily="2" charset="0"/>
+            </a:endParaRPr>
+          </a:p>
+        </p:txBody>
+      </p:sp>
+      <p:cxnSp>
+        <p:nvCxnSpPr>
+          <p:cNvPr id="23" name="Straight Connector 10">
+            <a:extLst>
+              <a:ext uri="{FF2B5EF4-FFF2-40B4-BE49-F238E27FC236}">
+                <a16:creationId xmlns:a16="http://schemas.microsoft.com/office/drawing/2014/main" id="{9E7C23BC-DAA6-40E1-8166-B8C4439D1430}"/>
+              </a:ext>
+              <a:ext uri="{C183D7F6-B498-43B3-948B-1728B52AA6E4}">
+                <adec:decorative xmlns:adec="http://schemas.microsoft.com/office/drawing/2017/decorative" val="1"/>
+              </a:ext>
+            </a:extLst>
+          </p:cNvPr>
+          <p:cNvCxnSpPr>
+            <a:cxnSpLocks noGrp="1" noRot="1" noChangeAspect="1" noMove="1" noResize="1" noEditPoints="1" noAdjustHandles="1" noChangeArrowheads="1" noChangeShapeType="1"/>
+          </p:cNvCxnSpPr>
+          <p:nvPr>
+            <p:extLst>
+              <p:ext uri="{386F3935-93C4-4BCD-93E2-E3B085C9AB24}">
+                <p16:designElem xmlns:p16="http://schemas.microsoft.com/office/powerpoint/2015/main" val="1"/>
+              </p:ext>
+            </p:extLst>
+          </p:nvPr>
+        </p:nvCxnSpPr>
+        <p:spPr>
+          <a:xfrm>
+            <a:off x="7759575" y="3690871"/>
+            <a:ext cx="540000" cy="0"/>
+          </a:xfrm>
+          <a:prstGeom prst="line">
+            <a:avLst/>
+          </a:prstGeom>
+          <a:ln w="12700">
+            <a:solidFill>
+              <a:srgbClr val="FFFFFF"/>
+            </a:solidFill>
+          </a:ln>
+        </p:spPr>
+        <p:style>
+          <a:lnRef idx="1">
+            <a:schemeClr val="accent1"/>
+          </a:lnRef>
+          <a:fillRef idx="0">
+            <a:schemeClr val="accent1"/>
+          </a:fillRef>
+          <a:effectRef idx="0">
+            <a:schemeClr val="accent1"/>
+          </a:effectRef>
+          <a:fontRef idx="minor">
+            <a:schemeClr val="tx1"/>
+          </a:fontRef>
+        </p:style>
+      </p:cxnSp>
+      <p:pic>
+        <p:nvPicPr>
+          <p:cNvPr id="1026" name="Picture 2" descr="AtayaCommerce">
+            <a:extLst>
+              <a:ext uri="{FF2B5EF4-FFF2-40B4-BE49-F238E27FC236}">
+                <a16:creationId xmlns:a16="http://schemas.microsoft.com/office/drawing/2014/main" id="{967F32F4-F099-5099-C324-F826E744FDE1}"/>
+              </a:ext>
+            </a:extLst>
+          </p:cNvPr>
+          <p:cNvPicPr>
+            <a:picLocks noChangeAspect="1" noChangeArrowheads="1"/>
+          </p:cNvPicPr>
+          <p:nvPr/>
+        </p:nvPicPr>
+        <p:blipFill>
+          <a:blip r:embed="rId3">
+            <a:extLst>
+              <a:ext uri="{28A0092B-C50C-407E-A947-70E740481C1C}">
+                <a14:useLocalDpi xmlns:a14="http://schemas.microsoft.com/office/drawing/2010/main" val="0"/>
+              </a:ext>
+            </a:extLst>
+          </a:blip>
+          <a:srcRect/>
+          <a:stretch>
+            <a:fillRect/>
+          </a:stretch>
+        </p:blipFill>
+        <p:spPr bwMode="auto">
+          <a:xfrm>
+            <a:off x="545310" y="5523894"/>
+            <a:ext cx="2443163" cy="1334096"/>
+          </a:xfrm>
+          <a:prstGeom prst="rect">
+            <a:avLst/>
+          </a:prstGeom>
+          <a:noFill/>
+          <a:extLst>
+            <a:ext uri="{909E8E84-426E-40DD-AFC4-6F175D3DCCD1}">
+              <a14:hiddenFill xmlns:a14="http://schemas.microsoft.com/office/drawing/2010/main">
+                <a:solidFill>
+                  <a:srgbClr val="FFFFFF"/>
+                </a:solidFill>
+              </a14:hiddenFill>
+            </a:ext>
+          </a:extLst>
+        </p:spPr>
+      </p:pic>
+    </p:spTree>
+    <p:extLst>
+      <p:ext uri="{BB962C8B-B14F-4D97-AF65-F5344CB8AC3E}">
+        <p14:creationId xmlns:p14="http://schemas.microsoft.com/office/powerpoint/2010/main" val="2535466651"/>
+      </p:ext>
+    </p:extLst>
+  </p:cSld>
+  <p:clrMapOvr>
+    <a:masterClrMapping/>
+  </p:clrMapOvr>
+</p:sld>
+</file>
+
+<file path=ppt/slides/slide9.xml><?xml version="1.0" encoding="utf-8"?>
+<p:sld xmlns:a="http://schemas.openxmlformats.org/drawingml/2006/main" xmlns:r="http://schemas.openxmlformats.org/officeDocument/2006/relationships" xmlns:p="http://schemas.openxmlformats.org/presentationml/2006/main">
+  <p:cSld>
+    <p:bg>
+      <p:bgPr>
+        <a:solidFill>
+          <a:schemeClr val="bg1"/>
+        </a:solidFill>
+        <a:effectLst/>
+      </p:bgPr>
+    </p:bg>
+    <p:spTree>
+      <p:nvGrpSpPr>
+        <p:cNvPr id="1" name=""/>
+        <p:cNvGrpSpPr/>
+        <p:nvPr/>
+      </p:nvGrpSpPr>
+      <p:grpSpPr>
+        <a:xfrm>
+          <a:off x="0" y="0"/>
+          <a:ext cx="0" cy="0"/>
+          <a:chOff x="0" y="0"/>
+          <a:chExt cx="0" cy="0"/>
+        </a:xfrm>
+      </p:grpSpPr>
+      <p:sp useBgFill="1">
+        <p:nvSpPr>
+          <p:cNvPr id="21" name="Rectangle 8">
+            <a:extLst>
+              <a:ext uri="{FF2B5EF4-FFF2-40B4-BE49-F238E27FC236}">
+                <a16:creationId xmlns:a16="http://schemas.microsoft.com/office/drawing/2014/main" id="{44CA2EAD-E7C7-4F64-924A-52D34FD759C7}"/>
+              </a:ext>
+              <a:ext uri="{C183D7F6-B498-43B3-948B-1728B52AA6E4}">
+                <adec:decorative xmlns:adec="http://schemas.microsoft.com/office/drawing/2017/decorative" val="1"/>
+              </a:ext>
+            </a:extLst>
+          </p:cNvPr>
+          <p:cNvSpPr>
+            <a:spLocks noGrp="1" noRot="1" noChangeAspect="1" noMove="1" noResize="1" noEditPoints="1" noAdjustHandles="1" noChangeArrowheads="1" noChangeShapeType="1" noTextEdit="1"/>
+          </p:cNvSpPr>
+          <p:nvPr>
+            <p:extLst>
+              <p:ext uri="{386F3935-93C4-4BCD-93E2-E3B085C9AB24}">
+                <p16:designElem xmlns:p16="http://schemas.microsoft.com/office/powerpoint/2015/main" val="1"/>
+              </p:ext>
+            </p:extLst>
+          </p:nvPr>
+        </p:nvSpPr>
+        <p:spPr>
+          <a:xfrm>
+            <a:off x="0" y="0"/>
+            <a:ext cx="12192000" cy="6858000"/>
+          </a:xfrm>
+          <a:prstGeom prst="rect">
+            <a:avLst/>
+          </a:prstGeom>
+          <a:ln w="12700" cap="flat" cmpd="sng" algn="ctr">
+            <a:noFill/>
+            <a:prstDash val="solid"/>
+            <a:miter lim="800000"/>
+          </a:ln>
+          <a:effectLst/>
+          <a:extLst>
+            <a:ext uri="{91240B29-F687-4F45-9708-019B960494DF}">
+              <a14:hiddenLine xmlns:a14="http://schemas.microsoft.com/office/drawing/2010/main" w="12700" cap="flat" cmpd="sng" algn="ctr">
+                <a:solidFill>
+                  <a:schemeClr val="accent1">
+                    <a:shade val="50000"/>
+                  </a:schemeClr>
+                </a:solidFill>
+                <a:prstDash val="solid"/>
+                <a:miter lim="800000"/>
+              </a14:hiddenLine>
+            </a:ext>
+          </a:extLst>
+        </p:spPr>
+        <p:style>
+          <a:lnRef idx="2">
+            <a:schemeClr val="accent1">
+              <a:shade val="50000"/>
+            </a:schemeClr>
+          </a:lnRef>
+          <a:fillRef idx="1">
+            <a:schemeClr val="accent1"/>
+          </a:fillRef>
+          <a:effectRef idx="0">
+            <a:schemeClr val="accent1"/>
+          </a:effectRef>
+          <a:fontRef idx="minor">
+            <a:schemeClr val="lt1"/>
+          </a:fontRef>
+        </p:style>
+        <p:txBody>
+          <a:bodyPr rtlCol="0" anchor="ctr"/>
+          <a:lstStyle/>
+          <a:p>
+            <a:pPr algn="ctr"/>
+            <a:endParaRPr lang="en-US"/>
+          </a:p>
+        </p:txBody>
+      </p:sp>
+      <p:pic>
+        <p:nvPicPr>
+          <p:cNvPr id="22" name="Picture 3" descr="A white textured surface">
+            <a:extLst>
+              <a:ext uri="{FF2B5EF4-FFF2-40B4-BE49-F238E27FC236}">
+                <a16:creationId xmlns:a16="http://schemas.microsoft.com/office/drawing/2014/main" id="{F7A7F786-D0F5-CDE0-55EE-4544D57A4E16}"/>
+              </a:ext>
+            </a:extLst>
+          </p:cNvPr>
+          <p:cNvPicPr>
+            <a:picLocks noChangeAspect="1"/>
+          </p:cNvPicPr>
+          <p:nvPr/>
+        </p:nvPicPr>
+        <p:blipFill rotWithShape="1">
+          <a:blip r:embed="rId2"/>
+          <a:srcRect l="28993" r="33398" b="-1"/>
+          <a:stretch/>
+        </p:blipFill>
+        <p:spPr>
+          <a:xfrm>
+            <a:off x="0" y="-5633"/>
+            <a:ext cx="3867129" cy="6863623"/>
+          </a:xfrm>
+          <a:prstGeom prst="rect">
+            <a:avLst/>
+          </a:prstGeom>
+        </p:spPr>
+      </p:pic>
+      <p:sp>
+        <p:nvSpPr>
+          <p:cNvPr id="2" name="Title 1">
+            <a:extLst>
+              <a:ext uri="{FF2B5EF4-FFF2-40B4-BE49-F238E27FC236}">
+                <a16:creationId xmlns:a16="http://schemas.microsoft.com/office/drawing/2014/main" id="{82894886-98FD-D2C5-F2FA-12CE501F5893}"/>
+              </a:ext>
+            </a:extLst>
+          </p:cNvPr>
+          <p:cNvSpPr>
+            <a:spLocks noGrp="1"/>
+          </p:cNvSpPr>
+          <p:nvPr>
+            <p:ph type="ctrTitle"/>
+          </p:nvPr>
+        </p:nvSpPr>
+        <p:spPr>
+          <a:xfrm>
+            <a:off x="275630" y="715736"/>
+            <a:ext cx="3243263" cy="4557713"/>
+          </a:xfrm>
+        </p:spPr>
+        <p:txBody>
+          <a:bodyPr>
+            <a:normAutofit fontScale="90000"/>
+          </a:bodyPr>
+          <a:lstStyle/>
+          <a:p>
+            <a:r>
+              <a:rPr lang="en-US" sz="2200" b="1" dirty="0">
+                <a:latin typeface="Open Sans" pitchFamily="2" charset="0"/>
+                <a:ea typeface="Open Sans" pitchFamily="2" charset="0"/>
+                <a:cs typeface="Open Sans" pitchFamily="2" charset="0"/>
+              </a:rPr>
+              <a:t>JavaScript Module Systems</a:t>
+            </a:r>
+            <a:br>
+              <a:rPr lang="en-US" sz="2200" b="1" dirty="0">
+                <a:latin typeface="Open Sans" pitchFamily="2" charset="0"/>
+                <a:ea typeface="Open Sans" pitchFamily="2" charset="0"/>
+                <a:cs typeface="Open Sans" pitchFamily="2" charset="0"/>
+              </a:rPr>
+            </a:br>
+            <a:br>
+              <a:rPr lang="en-US" sz="2200" b="1" dirty="0">
+                <a:latin typeface="Open Sans" pitchFamily="2" charset="0"/>
+                <a:ea typeface="Open Sans" pitchFamily="2" charset="0"/>
+                <a:cs typeface="Open Sans" pitchFamily="2" charset="0"/>
+              </a:rPr>
+            </a:br>
+            <a:br>
+              <a:rPr lang="en-US" sz="2200" b="1" dirty="0">
+                <a:latin typeface="Open Sans" pitchFamily="2" charset="0"/>
+                <a:ea typeface="Open Sans" pitchFamily="2" charset="0"/>
+                <a:cs typeface="Open Sans" pitchFamily="2" charset="0"/>
+              </a:rPr>
+            </a:br>
+            <a:br>
+              <a:rPr lang="en-US" sz="2200" b="1" dirty="0">
+                <a:latin typeface="Open Sans" pitchFamily="2" charset="0"/>
+                <a:ea typeface="Open Sans" pitchFamily="2" charset="0"/>
+                <a:cs typeface="Open Sans" pitchFamily="2" charset="0"/>
+              </a:rPr>
+            </a:br>
+            <a:br>
+              <a:rPr lang="en-US" sz="2200" b="1" dirty="0">
+                <a:latin typeface="Open Sans" pitchFamily="2" charset="0"/>
+                <a:ea typeface="Open Sans" pitchFamily="2" charset="0"/>
+                <a:cs typeface="Open Sans" pitchFamily="2" charset="0"/>
+              </a:rPr>
+            </a:br>
+            <a:br>
+              <a:rPr lang="en-US" sz="2200" b="1" dirty="0">
+                <a:latin typeface="Open Sans" pitchFamily="2" charset="0"/>
+                <a:ea typeface="Open Sans" pitchFamily="2" charset="0"/>
+                <a:cs typeface="Open Sans" pitchFamily="2" charset="0"/>
+              </a:rPr>
+            </a:br>
+            <a:br>
+              <a:rPr lang="en-US" sz="2200" b="1" dirty="0">
+                <a:latin typeface="Open Sans" pitchFamily="2" charset="0"/>
+                <a:ea typeface="Open Sans" pitchFamily="2" charset="0"/>
+                <a:cs typeface="Open Sans" pitchFamily="2" charset="0"/>
+              </a:rPr>
+            </a:br>
+            <a:r>
+              <a:rPr lang="en-US" sz="2200" dirty="0">
+                <a:latin typeface="Open Sans" pitchFamily="2" charset="0"/>
+                <a:ea typeface="Open Sans" pitchFamily="2" charset="0"/>
+                <a:cs typeface="Open Sans" pitchFamily="2" charset="0"/>
+              </a:rPr>
+              <a:t>ES Module System</a:t>
+            </a:r>
+            <a:br>
+              <a:rPr lang="en-US" sz="2200" b="1" dirty="0">
+                <a:latin typeface="Open Sans" pitchFamily="2" charset="0"/>
+                <a:ea typeface="Open Sans" pitchFamily="2" charset="0"/>
+                <a:cs typeface="Open Sans" pitchFamily="2" charset="0"/>
+              </a:rPr>
+            </a:br>
+            <a:br>
+              <a:rPr lang="en-US" sz="2200" b="1" dirty="0">
+                <a:latin typeface="Open Sans" pitchFamily="2" charset="0"/>
+                <a:ea typeface="Open Sans" pitchFamily="2" charset="0"/>
+                <a:cs typeface="Open Sans" pitchFamily="2" charset="0"/>
+              </a:rPr>
+            </a:br>
+            <a:br>
+              <a:rPr lang="en-US" sz="2200" b="1" dirty="0">
+                <a:latin typeface="Open Sans" pitchFamily="2" charset="0"/>
+                <a:ea typeface="Open Sans" pitchFamily="2" charset="0"/>
+                <a:cs typeface="Open Sans" pitchFamily="2" charset="0"/>
+              </a:rPr>
+            </a:br>
+            <a:br>
+              <a:rPr lang="en-US" sz="2200" b="1" dirty="0">
+                <a:latin typeface="Open Sans" pitchFamily="2" charset="0"/>
+                <a:ea typeface="Open Sans" pitchFamily="2" charset="0"/>
+                <a:cs typeface="Open Sans" pitchFamily="2" charset="0"/>
+              </a:rPr>
+            </a:br>
+            <a:br>
+              <a:rPr lang="en-US" sz="2200" b="1" dirty="0">
+                <a:latin typeface="Open Sans" pitchFamily="2" charset="0"/>
+                <a:ea typeface="Open Sans" pitchFamily="2" charset="0"/>
+                <a:cs typeface="Open Sans" pitchFamily="2" charset="0"/>
+              </a:rPr>
+            </a:br>
+            <a:br>
+              <a:rPr lang="en-US" sz="2200" b="1" dirty="0">
+                <a:latin typeface="Open Sans" pitchFamily="2" charset="0"/>
+                <a:ea typeface="Open Sans" pitchFamily="2" charset="0"/>
+                <a:cs typeface="Open Sans" pitchFamily="2" charset="0"/>
+              </a:rPr>
+            </a:br>
+            <a:endParaRPr lang="en-US" sz="2200" b="1" dirty="0">
+              <a:latin typeface="Open Sans" pitchFamily="2" charset="0"/>
+              <a:ea typeface="Open Sans" pitchFamily="2" charset="0"/>
+              <a:cs typeface="Open Sans" pitchFamily="2" charset="0"/>
+            </a:endParaRPr>
+          </a:p>
+        </p:txBody>
+      </p:sp>
+      <p:sp>
+        <p:nvSpPr>
+          <p:cNvPr id="3" name="Subtitle 2">
+            <a:extLst>
+              <a:ext uri="{FF2B5EF4-FFF2-40B4-BE49-F238E27FC236}">
+                <a16:creationId xmlns:a16="http://schemas.microsoft.com/office/drawing/2014/main" id="{2DC7EA71-90B8-5F2C-71E4-DCC52B163EF1}"/>
+              </a:ext>
+            </a:extLst>
+          </p:cNvPr>
+          <p:cNvSpPr>
+            <a:spLocks noGrp="1"/>
+          </p:cNvSpPr>
+          <p:nvPr>
+            <p:ph type="subTitle" idx="1"/>
+          </p:nvPr>
+        </p:nvSpPr>
+        <p:spPr>
+          <a:xfrm>
+            <a:off x="4752182" y="230528"/>
+            <a:ext cx="6498771" cy="6455228"/>
+          </a:xfrm>
+        </p:spPr>
+        <p:txBody>
+          <a:bodyPr>
+            <a:normAutofit/>
+          </a:bodyPr>
+          <a:lstStyle/>
+          <a:p>
+            <a:r>
+              <a:rPr lang="en-US" sz="2200" dirty="0">
+                <a:solidFill>
+                  <a:schemeClr val="tx2"/>
+                </a:solidFill>
+                <a:latin typeface="Open Sans" pitchFamily="2" charset="0"/>
+                <a:ea typeface="Open Sans" pitchFamily="2" charset="0"/>
+                <a:cs typeface="Open Sans" pitchFamily="2" charset="0"/>
+              </a:rPr>
+              <a:t>ES module system</a:t>
+            </a:r>
+            <a:endParaRPr lang="en-US" sz="2000" dirty="0">
+              <a:solidFill>
+                <a:schemeClr val="tx2"/>
+              </a:solidFill>
+              <a:latin typeface="Open Sans" pitchFamily="2" charset="0"/>
+              <a:ea typeface="Open Sans" pitchFamily="2" charset="0"/>
+              <a:cs typeface="Open Sans" pitchFamily="2" charset="0"/>
+            </a:endParaRPr>
+          </a:p>
+          <a:p>
+            <a:r>
+              <a:rPr lang="en-US" sz="2000" dirty="0">
+                <a:solidFill>
+                  <a:schemeClr val="tx2"/>
+                </a:solidFill>
+                <a:latin typeface="Open Sans" pitchFamily="2" charset="0"/>
+                <a:ea typeface="Open Sans" pitchFamily="2" charset="0"/>
+                <a:cs typeface="Open Sans" pitchFamily="2" charset="0"/>
+              </a:rPr>
+              <a:t> </a:t>
+            </a:r>
+            <a:r>
+              <a:rPr lang="en-US" sz="1900" dirty="0">
+                <a:solidFill>
+                  <a:schemeClr val="tx2"/>
+                </a:solidFill>
+                <a:latin typeface="Open Sans" pitchFamily="2" charset="0"/>
+                <a:ea typeface="Open Sans" pitchFamily="2" charset="0"/>
+                <a:cs typeface="Open Sans" pitchFamily="2" charset="0"/>
+              </a:rPr>
+              <a:t>The Common-JS module was good but not perfect. The ES module system is better – close to perfect</a:t>
+            </a:r>
+          </a:p>
+          <a:p>
+            <a:endParaRPr lang="en-US" sz="1900" dirty="0">
+              <a:solidFill>
+                <a:schemeClr val="tx2"/>
+              </a:solidFill>
+              <a:latin typeface="Open Sans" pitchFamily="2" charset="0"/>
+              <a:ea typeface="Open Sans" pitchFamily="2" charset="0"/>
+              <a:cs typeface="Open Sans" pitchFamily="2" charset="0"/>
+            </a:endParaRPr>
+          </a:p>
+          <a:p>
+            <a:pPr lvl="2" algn="l"/>
+            <a:r>
+              <a:rPr lang="en-US" sz="2000" dirty="0">
+                <a:solidFill>
+                  <a:schemeClr val="tx2"/>
+                </a:solidFill>
+                <a:latin typeface="Open Sans" pitchFamily="2" charset="0"/>
+                <a:ea typeface="Open Sans" pitchFamily="2" charset="0"/>
+                <a:cs typeface="Open Sans" pitchFamily="2" charset="0"/>
+              </a:rPr>
+              <a:t>Inbuilt</a:t>
+            </a:r>
+          </a:p>
+          <a:p>
+            <a:pPr algn="l"/>
+            <a:r>
+              <a:rPr lang="en-US" sz="2000" dirty="0">
+                <a:solidFill>
+                  <a:schemeClr val="tx2"/>
+                </a:solidFill>
+                <a:latin typeface="Open Sans" pitchFamily="2" charset="0"/>
+                <a:ea typeface="Open Sans" pitchFamily="2" charset="0"/>
+                <a:cs typeface="Open Sans" pitchFamily="2" charset="0"/>
+              </a:rPr>
+              <a:t>	- async loading</a:t>
+            </a:r>
+          </a:p>
+          <a:p>
+            <a:pPr algn="l"/>
+            <a:r>
+              <a:rPr lang="en-US" sz="2000" dirty="0">
+                <a:solidFill>
+                  <a:schemeClr val="tx2"/>
+                </a:solidFill>
+                <a:latin typeface="Open Sans" pitchFamily="2" charset="0"/>
+                <a:ea typeface="Open Sans" pitchFamily="2" charset="0"/>
+                <a:cs typeface="Open Sans" pitchFamily="2" charset="0"/>
+              </a:rPr>
+              <a:t>	- import/export  syntax</a:t>
+            </a:r>
+          </a:p>
+          <a:p>
+            <a:pPr algn="l"/>
+            <a:r>
+              <a:rPr lang="en-US" sz="2000" dirty="0">
+                <a:solidFill>
+                  <a:schemeClr val="tx2"/>
+                </a:solidFill>
+                <a:latin typeface="Open Sans" pitchFamily="2" charset="0"/>
+                <a:ea typeface="Open Sans" pitchFamily="2" charset="0"/>
+                <a:cs typeface="Open Sans" pitchFamily="2" charset="0"/>
+              </a:rPr>
+              <a:t>	- Better control over the dependency   </a:t>
+            </a:r>
+          </a:p>
+          <a:p>
+            <a:pPr algn="l"/>
+            <a:r>
+              <a:rPr lang="en-US" sz="2000" dirty="0">
+                <a:solidFill>
+                  <a:schemeClr val="tx2"/>
+                </a:solidFill>
+                <a:latin typeface="Open Sans" pitchFamily="2" charset="0"/>
+                <a:ea typeface="Open Sans" pitchFamily="2" charset="0"/>
+                <a:cs typeface="Open Sans" pitchFamily="2" charset="0"/>
+              </a:rPr>
+              <a:t>               injection</a:t>
+            </a:r>
+          </a:p>
+          <a:p>
+            <a:r>
+              <a:rPr lang="en-US" sz="2000" i="1" dirty="0">
+                <a:solidFill>
+                  <a:schemeClr val="tx2"/>
+                </a:solidFill>
+                <a:latin typeface="Open Sans" pitchFamily="2" charset="0"/>
+                <a:ea typeface="Open Sans" pitchFamily="2" charset="0"/>
+                <a:cs typeface="Open Sans" pitchFamily="2" charset="0"/>
+              </a:rPr>
+              <a:t>&lt;code&gt;demo&lt;/code&gt;</a:t>
+            </a:r>
+          </a:p>
+          <a:p>
+            <a:pPr marL="342900" indent="-342900">
+              <a:buFontTx/>
+              <a:buChar char="-"/>
+            </a:pPr>
+            <a:endParaRPr lang="en-US" sz="2000" i="1" dirty="0">
+              <a:solidFill>
+                <a:schemeClr val="tx2"/>
+              </a:solidFill>
+              <a:latin typeface="Open Sans" pitchFamily="2" charset="0"/>
+              <a:ea typeface="Open Sans" pitchFamily="2" charset="0"/>
+              <a:cs typeface="Open Sans" pitchFamily="2" charset="0"/>
+            </a:endParaRPr>
+          </a:p>
+          <a:p>
+            <a:endParaRPr lang="en-US" dirty="0">
+              <a:solidFill>
+                <a:schemeClr val="tx2"/>
+              </a:solidFill>
+              <a:latin typeface="Open Sans" pitchFamily="2" charset="0"/>
+              <a:ea typeface="Open Sans" pitchFamily="2" charset="0"/>
+              <a:cs typeface="Open Sans" pitchFamily="2" charset="0"/>
+            </a:endParaRPr>
+          </a:p>
+        </p:txBody>
+      </p:sp>
+      <p:cxnSp>
+        <p:nvCxnSpPr>
+          <p:cNvPr id="23" name="Straight Connector 10">
+            <a:extLst>
+              <a:ext uri="{FF2B5EF4-FFF2-40B4-BE49-F238E27FC236}">
+                <a16:creationId xmlns:a16="http://schemas.microsoft.com/office/drawing/2014/main" id="{9E7C23BC-DAA6-40E1-8166-B8C4439D1430}"/>
+              </a:ext>
+              <a:ext uri="{C183D7F6-B498-43B3-948B-1728B52AA6E4}">
+                <adec:decorative xmlns:adec="http://schemas.microsoft.com/office/drawing/2017/decorative" val="1"/>
+              </a:ext>
+            </a:extLst>
+          </p:cNvPr>
+          <p:cNvCxnSpPr>
+            <a:cxnSpLocks noGrp="1" noRot="1" noChangeAspect="1" noMove="1" noResize="1" noEditPoints="1" noAdjustHandles="1" noChangeArrowheads="1" noChangeShapeType="1"/>
+          </p:cNvCxnSpPr>
+          <p:nvPr>
+            <p:extLst>
+              <p:ext uri="{386F3935-93C4-4BCD-93E2-E3B085C9AB24}">
+                <p16:designElem xmlns:p16="http://schemas.microsoft.com/office/powerpoint/2015/main" val="1"/>
+              </p:ext>
+            </p:extLst>
+          </p:nvPr>
+        </p:nvCxnSpPr>
+        <p:spPr>
+          <a:xfrm>
+            <a:off x="7759575" y="3690871"/>
+            <a:ext cx="540000" cy="0"/>
+          </a:xfrm>
+          <a:prstGeom prst="line">
+            <a:avLst/>
+          </a:prstGeom>
+          <a:ln w="12700">
+            <a:solidFill>
+              <a:srgbClr val="FFFFFF"/>
+            </a:solidFill>
+          </a:ln>
+        </p:spPr>
+        <p:style>
+          <a:lnRef idx="1">
+            <a:schemeClr val="accent1"/>
+          </a:lnRef>
+          <a:fillRef idx="0">
+            <a:schemeClr val="accent1"/>
+          </a:fillRef>
+          <a:effectRef idx="0">
+            <a:schemeClr val="accent1"/>
+          </a:effectRef>
+          <a:fontRef idx="minor">
+            <a:schemeClr val="tx1"/>
+          </a:fontRef>
+        </p:style>
+      </p:cxnSp>
+      <p:pic>
+        <p:nvPicPr>
+          <p:cNvPr id="1026" name="Picture 2" descr="AtayaCommerce">
+            <a:extLst>
+              <a:ext uri="{FF2B5EF4-FFF2-40B4-BE49-F238E27FC236}">
+                <a16:creationId xmlns:a16="http://schemas.microsoft.com/office/drawing/2014/main" id="{967F32F4-F099-5099-C324-F826E744FDE1}"/>
+              </a:ext>
+            </a:extLst>
+          </p:cNvPr>
+          <p:cNvPicPr>
+            <a:picLocks noChangeAspect="1" noChangeArrowheads="1"/>
+          </p:cNvPicPr>
+          <p:nvPr/>
+        </p:nvPicPr>
+        <p:blipFill>
+          <a:blip r:embed="rId3">
+            <a:extLst>
+              <a:ext uri="{28A0092B-C50C-407E-A947-70E740481C1C}">
+                <a14:useLocalDpi xmlns:a14="http://schemas.microsoft.com/office/drawing/2010/main" val="0"/>
+              </a:ext>
+            </a:extLst>
+          </a:blip>
+          <a:srcRect/>
+          <a:stretch>
+            <a:fillRect/>
+          </a:stretch>
+        </p:blipFill>
+        <p:spPr bwMode="auto">
+          <a:xfrm>
+            <a:off x="545310" y="5523894"/>
+            <a:ext cx="2443163" cy="1334096"/>
+          </a:xfrm>
+          <a:prstGeom prst="rect">
+            <a:avLst/>
+          </a:prstGeom>
+          <a:noFill/>
+          <a:extLst>
+            <a:ext uri="{909E8E84-426E-40DD-AFC4-6F175D3DCCD1}">
+              <a14:hiddenFill xmlns:a14="http://schemas.microsoft.com/office/drawing/2010/main">
+                <a:solidFill>
+                  <a:srgbClr val="FFFFFF"/>
+                </a:solidFill>
+              </a14:hiddenFill>
+            </a:ext>
+          </a:extLst>
+        </p:spPr>
+      </p:pic>
+    </p:spTree>
+    <p:extLst>
+      <p:ext uri="{BB962C8B-B14F-4D97-AF65-F5344CB8AC3E}">
+        <p14:creationId xmlns:p14="http://schemas.microsoft.com/office/powerpoint/2010/main" val="2344345540"/>
       </p:ext>
     </p:extLst>
   </p:cSld>
